--- a/Stages/Indoor/Long Courses - 32 or less/28 Rounds v1.pptx
+++ b/Stages/Indoor/Long Courses - 32 or less/28 Rounds v1.pptx
@@ -242,7 +242,7 @@
             <a:fld id="{6FD315A2-9F92-4CCE-886A-5EF00EA90DC0}" type="datetimeFigureOut">
               <a:rPr lang="en-US" smtClean="0"/>
               <a:pPr/>
-              <a:t>11/21/22</a:t>
+              <a:t>11/25/22</a:t>
             </a:fld>
             <a:endParaRPr lang="en-US"/>
           </a:p>
@@ -3712,6 +3712,283 @@
           <a:chExt cx="0" cy="0"/>
         </a:xfrm>
       </p:grpSpPr>
+      <p:grpSp>
+        <p:nvGrpSpPr>
+          <p:cNvPr id="133" name="Group 29">
+            <a:extLst>
+              <a:ext uri="{FF2B5EF4-FFF2-40B4-BE49-F238E27FC236}">
+                <a16:creationId xmlns:a16="http://schemas.microsoft.com/office/drawing/2014/main" id="{2FEA7721-220B-72D7-6CE0-61D5CA3630EA}"/>
+              </a:ext>
+            </a:extLst>
+          </p:cNvPr>
+          <p:cNvGrpSpPr>
+            <a:grpSpLocks/>
+          </p:cNvGrpSpPr>
+          <p:nvPr/>
+        </p:nvGrpSpPr>
+        <p:grpSpPr bwMode="auto">
+          <a:xfrm>
+            <a:off x="4246485" y="2868440"/>
+            <a:ext cx="287338" cy="790575"/>
+            <a:chOff x="528" y="240"/>
+            <a:chExt cx="181" cy="498"/>
+          </a:xfrm>
+        </p:grpSpPr>
+        <p:sp>
+          <p:nvSpPr>
+            <p:cNvPr id="134" name="Line 30">
+              <a:extLst>
+                <a:ext uri="{FF2B5EF4-FFF2-40B4-BE49-F238E27FC236}">
+                  <a16:creationId xmlns:a16="http://schemas.microsoft.com/office/drawing/2014/main" id="{7C838597-22EE-F25B-47FC-AD428E8A0F27}"/>
+                </a:ext>
+              </a:extLst>
+            </p:cNvPr>
+            <p:cNvSpPr>
+              <a:spLocks noChangeShapeType="1"/>
+            </p:cNvSpPr>
+            <p:nvPr/>
+          </p:nvSpPr>
+          <p:spPr bwMode="auto">
+            <a:xfrm>
+              <a:off x="535" y="485"/>
+              <a:ext cx="0" cy="253"/>
+            </a:xfrm>
+            <a:prstGeom prst="line">
+              <a:avLst/>
+            </a:prstGeom>
+            <a:noFill/>
+            <a:ln w="28575">
+              <a:solidFill>
+                <a:schemeClr val="tx1"/>
+              </a:solidFill>
+              <a:round/>
+              <a:headEnd/>
+              <a:tailEnd/>
+            </a:ln>
+          </p:spPr>
+          <p:txBody>
+            <a:bodyPr wrap="none" anchor="ctr"/>
+            <a:lstStyle/>
+            <a:p>
+              <a:endParaRPr lang="en-US"/>
+            </a:p>
+          </p:txBody>
+        </p:sp>
+        <p:sp>
+          <p:nvSpPr>
+            <p:cNvPr id="150" name="Line 31">
+              <a:extLst>
+                <a:ext uri="{FF2B5EF4-FFF2-40B4-BE49-F238E27FC236}">
+                  <a16:creationId xmlns:a16="http://schemas.microsoft.com/office/drawing/2014/main" id="{47937011-24AB-ADF9-5C6B-5945C114DE50}"/>
+                </a:ext>
+              </a:extLst>
+            </p:cNvPr>
+            <p:cNvSpPr>
+              <a:spLocks noChangeShapeType="1"/>
+            </p:cNvSpPr>
+            <p:nvPr/>
+          </p:nvSpPr>
+          <p:spPr bwMode="auto">
+            <a:xfrm>
+              <a:off x="701" y="485"/>
+              <a:ext cx="0" cy="253"/>
+            </a:xfrm>
+            <a:prstGeom prst="line">
+              <a:avLst/>
+            </a:prstGeom>
+            <a:noFill/>
+            <a:ln w="28575">
+              <a:solidFill>
+                <a:schemeClr val="tx1"/>
+              </a:solidFill>
+              <a:round/>
+              <a:headEnd/>
+              <a:tailEnd/>
+            </a:ln>
+          </p:spPr>
+          <p:txBody>
+            <a:bodyPr wrap="none" anchor="ctr"/>
+            <a:lstStyle/>
+            <a:p>
+              <a:endParaRPr lang="en-US"/>
+            </a:p>
+          </p:txBody>
+        </p:sp>
+        <p:sp>
+          <p:nvSpPr>
+            <p:cNvPr id="151" name="Freeform 32">
+              <a:extLst>
+                <a:ext uri="{FF2B5EF4-FFF2-40B4-BE49-F238E27FC236}">
+                  <a16:creationId xmlns:a16="http://schemas.microsoft.com/office/drawing/2014/main" id="{701564FA-4A9C-5C22-FD77-EA6C0BA3D09A}"/>
+                </a:ext>
+              </a:extLst>
+            </p:cNvPr>
+            <p:cNvSpPr>
+              <a:spLocks/>
+            </p:cNvSpPr>
+            <p:nvPr/>
+          </p:nvSpPr>
+          <p:spPr bwMode="auto">
+            <a:xfrm>
+              <a:off x="528" y="240"/>
+              <a:ext cx="181" cy="332"/>
+            </a:xfrm>
+            <a:custGeom>
+              <a:avLst/>
+              <a:gdLst>
+                <a:gd name="T0" fmla="*/ 89 w 277"/>
+                <a:gd name="T1" fmla="*/ 0 h 517"/>
+                <a:gd name="T2" fmla="*/ 191 w 277"/>
+                <a:gd name="T3" fmla="*/ 0 h 517"/>
+                <a:gd name="T4" fmla="*/ 191 w 277"/>
+                <a:gd name="T5" fmla="*/ 105 h 517"/>
+                <a:gd name="T6" fmla="*/ 225 w 277"/>
+                <a:gd name="T7" fmla="*/ 105 h 517"/>
+                <a:gd name="T8" fmla="*/ 276 w 277"/>
+                <a:gd name="T9" fmla="*/ 139 h 517"/>
+                <a:gd name="T10" fmla="*/ 276 w 277"/>
+                <a:gd name="T11" fmla="*/ 415 h 517"/>
+                <a:gd name="T12" fmla="*/ 225 w 277"/>
+                <a:gd name="T13" fmla="*/ 516 h 517"/>
+                <a:gd name="T14" fmla="*/ 51 w 277"/>
+                <a:gd name="T15" fmla="*/ 516 h 517"/>
+                <a:gd name="T16" fmla="*/ 0 w 277"/>
+                <a:gd name="T17" fmla="*/ 415 h 517"/>
+                <a:gd name="T18" fmla="*/ 0 w 277"/>
+                <a:gd name="T19" fmla="*/ 139 h 517"/>
+                <a:gd name="T20" fmla="*/ 51 w 277"/>
+                <a:gd name="T21" fmla="*/ 105 h 517"/>
+                <a:gd name="T22" fmla="*/ 89 w 277"/>
+                <a:gd name="T23" fmla="*/ 105 h 517"/>
+                <a:gd name="T24" fmla="*/ 89 w 277"/>
+                <a:gd name="T25" fmla="*/ 0 h 517"/>
+                <a:gd name="T26" fmla="*/ 0 60000 65536"/>
+                <a:gd name="T27" fmla="*/ 0 60000 65536"/>
+                <a:gd name="T28" fmla="*/ 0 60000 65536"/>
+                <a:gd name="T29" fmla="*/ 0 60000 65536"/>
+                <a:gd name="T30" fmla="*/ 0 60000 65536"/>
+                <a:gd name="T31" fmla="*/ 0 60000 65536"/>
+                <a:gd name="T32" fmla="*/ 0 60000 65536"/>
+                <a:gd name="T33" fmla="*/ 0 60000 65536"/>
+                <a:gd name="T34" fmla="*/ 0 60000 65536"/>
+                <a:gd name="T35" fmla="*/ 0 60000 65536"/>
+                <a:gd name="T36" fmla="*/ 0 60000 65536"/>
+                <a:gd name="T37" fmla="*/ 0 60000 65536"/>
+                <a:gd name="T38" fmla="*/ 0 60000 65536"/>
+                <a:gd name="T39" fmla="*/ 0 w 277"/>
+                <a:gd name="T40" fmla="*/ 0 h 517"/>
+                <a:gd name="T41" fmla="*/ 277 w 277"/>
+                <a:gd name="T42" fmla="*/ 517 h 517"/>
+              </a:gdLst>
+              <a:ahLst/>
+              <a:cxnLst>
+                <a:cxn ang="T26">
+                  <a:pos x="T0" y="T1"/>
+                </a:cxn>
+                <a:cxn ang="T27">
+                  <a:pos x="T2" y="T3"/>
+                </a:cxn>
+                <a:cxn ang="T28">
+                  <a:pos x="T4" y="T5"/>
+                </a:cxn>
+                <a:cxn ang="T29">
+                  <a:pos x="T6" y="T7"/>
+                </a:cxn>
+                <a:cxn ang="T30">
+                  <a:pos x="T8" y="T9"/>
+                </a:cxn>
+                <a:cxn ang="T31">
+                  <a:pos x="T10" y="T11"/>
+                </a:cxn>
+                <a:cxn ang="T32">
+                  <a:pos x="T12" y="T13"/>
+                </a:cxn>
+                <a:cxn ang="T33">
+                  <a:pos x="T14" y="T15"/>
+                </a:cxn>
+                <a:cxn ang="T34">
+                  <a:pos x="T16" y="T17"/>
+                </a:cxn>
+                <a:cxn ang="T35">
+                  <a:pos x="T18" y="T19"/>
+                </a:cxn>
+                <a:cxn ang="T36">
+                  <a:pos x="T20" y="T21"/>
+                </a:cxn>
+                <a:cxn ang="T37">
+                  <a:pos x="T22" y="T23"/>
+                </a:cxn>
+                <a:cxn ang="T38">
+                  <a:pos x="T24" y="T25"/>
+                </a:cxn>
+              </a:cxnLst>
+              <a:rect l="T39" t="T40" r="T41" b="T42"/>
+              <a:pathLst>
+                <a:path w="277" h="517">
+                  <a:moveTo>
+                    <a:pt x="89" y="0"/>
+                  </a:moveTo>
+                  <a:lnTo>
+                    <a:pt x="191" y="0"/>
+                  </a:lnTo>
+                  <a:lnTo>
+                    <a:pt x="191" y="105"/>
+                  </a:lnTo>
+                  <a:lnTo>
+                    <a:pt x="225" y="105"/>
+                  </a:lnTo>
+                  <a:lnTo>
+                    <a:pt x="276" y="139"/>
+                  </a:lnTo>
+                  <a:lnTo>
+                    <a:pt x="276" y="415"/>
+                  </a:lnTo>
+                  <a:lnTo>
+                    <a:pt x="225" y="516"/>
+                  </a:lnTo>
+                  <a:lnTo>
+                    <a:pt x="51" y="516"/>
+                  </a:lnTo>
+                  <a:lnTo>
+                    <a:pt x="0" y="415"/>
+                  </a:lnTo>
+                  <a:lnTo>
+                    <a:pt x="0" y="139"/>
+                  </a:lnTo>
+                  <a:lnTo>
+                    <a:pt x="51" y="105"/>
+                  </a:lnTo>
+                  <a:lnTo>
+                    <a:pt x="89" y="105"/>
+                  </a:lnTo>
+                  <a:lnTo>
+                    <a:pt x="89" y="0"/>
+                  </a:lnTo>
+                </a:path>
+              </a:pathLst>
+            </a:custGeom>
+            <a:solidFill>
+              <a:srgbClr val="FFCC99"/>
+            </a:solidFill>
+            <a:ln w="12700" cap="rnd" cmpd="sng">
+              <a:solidFill>
+                <a:schemeClr val="tx1"/>
+              </a:solidFill>
+              <a:prstDash val="solid"/>
+              <a:round/>
+              <a:headEnd type="none" w="med" len="med"/>
+              <a:tailEnd type="none" w="med" len="med"/>
+            </a:ln>
+          </p:spPr>
+          <p:txBody>
+            <a:bodyPr/>
+            <a:lstStyle/>
+            <a:p>
+              <a:endParaRPr lang="en-US"/>
+            </a:p>
+          </p:txBody>
+        </p:sp>
+      </p:grpSp>
       <p:graphicFrame>
         <p:nvGraphicFramePr>
           <p:cNvPr id="25629" name="Group 29"/>
@@ -3721,14 +3998,14 @@
           <p:nvPr>
             <p:extLst>
               <p:ext uri="{D42A27DB-BD31-4B8C-83A1-F6EECF244321}">
-                <p14:modId xmlns:p14="http://schemas.microsoft.com/office/powerpoint/2010/main" val="1562387122"/>
+                <p14:modId xmlns:p14="http://schemas.microsoft.com/office/powerpoint/2010/main" val="708929208"/>
               </p:ext>
             </p:extLst>
           </p:nvPr>
         </p:nvGraphicFramePr>
         <p:xfrm>
           <a:off x="177801" y="165099"/>
-          <a:ext cx="6997700" cy="2295276"/>
+          <a:ext cx="6997700" cy="2328865"/>
         </p:xfrm>
         <a:graphic>
           <a:graphicData uri="http://schemas.openxmlformats.org/drawingml/2006/table">
@@ -4062,91 +4339,7 @@
                           <a:latin typeface="Arial" charset="0"/>
                           <a:cs typeface="Times New Roman" charset="0"/>
                         </a:rPr>
-                        <a:t> Handgun-</a:t>
-                      </a:r>
-                      <a:r>
-                        <a:rPr kumimoji="0" lang="en-US" sz="1100" b="0" i="0" u="none" strike="noStrike" cap="none" normalizeH="0" baseline="0" dirty="0" err="1">
-                          <a:ln>
-                            <a:noFill/>
-                          </a:ln>
-                          <a:solidFill>
-                            <a:schemeClr val="tx1"/>
-                          </a:solidFill>
-                          <a:effectLst/>
-                          <a:latin typeface="Arial" charset="0"/>
-                          <a:cs typeface="Times New Roman" charset="0"/>
-                        </a:rPr>
-                        <a:t>ers</a:t>
-                      </a:r>
-                      <a:r>
-                        <a:rPr kumimoji="0" lang="en-US" sz="1100" b="0" i="0" u="none" strike="noStrike" cap="none" normalizeH="0" baseline="0" dirty="0">
-                          <a:ln>
-                            <a:noFill/>
-                          </a:ln>
-                          <a:solidFill>
-                            <a:schemeClr val="tx1"/>
-                          </a:solidFill>
-                          <a:effectLst/>
-                          <a:latin typeface="Arial" charset="0"/>
-                          <a:cs typeface="Times New Roman" charset="0"/>
-                        </a:rPr>
-                        <a:t> need both hands on a set of </a:t>
-                      </a:r>
-                      <a:r>
-                        <a:rPr kumimoji="0" lang="en-US" sz="1100" b="0" i="0" u="none" strike="noStrike" cap="none" normalizeH="0" baseline="0" dirty="0" err="1">
-                          <a:ln>
-                            <a:noFill/>
-                          </a:ln>
-                          <a:solidFill>
-                            <a:schemeClr val="tx1"/>
-                          </a:solidFill>
-                          <a:effectLst/>
-                          <a:latin typeface="Arial" charset="0"/>
-                          <a:cs typeface="Times New Roman" charset="0"/>
-                        </a:rPr>
-                        <a:t>Xs</a:t>
-                      </a:r>
-                      <a:r>
-                        <a:rPr kumimoji="0" lang="en-US" sz="1100" b="0" i="0" u="none" strike="noStrike" cap="none" normalizeH="0" baseline="0" dirty="0">
-                          <a:ln>
-                            <a:noFill/>
-                          </a:ln>
-                          <a:solidFill>
-                            <a:schemeClr val="tx1"/>
-                          </a:solidFill>
-                          <a:effectLst/>
-                          <a:latin typeface="Arial" charset="0"/>
-                          <a:cs typeface="Times New Roman" charset="0"/>
-                        </a:rPr>
-                        <a:t>. PCC-</a:t>
-                      </a:r>
-                      <a:r>
-                        <a:rPr kumimoji="0" lang="en-US" sz="1100" b="0" i="0" u="none" strike="noStrike" cap="none" normalizeH="0" baseline="0" dirty="0" err="1">
-                          <a:ln>
-                            <a:noFill/>
-                          </a:ln>
-                          <a:solidFill>
-                            <a:schemeClr val="tx1"/>
-                          </a:solidFill>
-                          <a:effectLst/>
-                          <a:latin typeface="Arial" charset="0"/>
-                          <a:cs typeface="Times New Roman" charset="0"/>
-                        </a:rPr>
-                        <a:t>ers</a:t>
-                      </a:r>
-                      <a:r>
-                        <a:rPr kumimoji="0" lang="en-US" sz="1100" b="0" i="0" u="none" strike="noStrike" cap="none" normalizeH="0" baseline="0" dirty="0">
-                          <a:ln>
-                            <a:noFill/>
-                          </a:ln>
-                          <a:solidFill>
-                            <a:schemeClr val="tx1"/>
-                          </a:solidFill>
-                          <a:effectLst/>
-                          <a:latin typeface="Arial" charset="0"/>
-                          <a:cs typeface="Times New Roman" charset="0"/>
-                        </a:rPr>
-                        <a:t> need one hand on an X. </a:t>
+                        <a:t> Standing anywhere in the shooting area, facing downrange.  Handgun, wrists below belt.  PCC, buttstock on belt, weak hand wrist below the belt.</a:t>
                       </a:r>
                       <a:endParaRPr kumimoji="0" lang="en-US" sz="1200" b="0" i="0" u="none" strike="noStrike" cap="none" normalizeH="0" baseline="0" dirty="0">
                         <a:ln>
@@ -4293,19 +4486,8 @@
                           <a:latin typeface="Arial" charset="0"/>
                           <a:cs typeface="Times New Roman" charset="0"/>
                         </a:rPr>
-                        <a:t>Handgun loaded and holstered, PCC buttstock on belt facing down range</a:t>
+                        <a:t>Handgun loaded and holstered. PCC loaded with safety on, buttstock on belt.</a:t>
                       </a:r>
-                      <a:endParaRPr kumimoji="0" lang="en-US" sz="1100" b="1" i="0" u="none" strike="noStrike" cap="none" normalizeH="0" baseline="0" dirty="0">
-                        <a:ln>
-                          <a:noFill/>
-                        </a:ln>
-                        <a:solidFill>
-                          <a:schemeClr val="tx1"/>
-                        </a:solidFill>
-                        <a:effectLst/>
-                        <a:latin typeface="Arial" charset="0"/>
-                        <a:cs typeface="Times New Roman" charset="0"/>
-                      </a:endParaRPr>
                     </a:p>
                   </a:txBody>
                   <a:tcPr marL="18288" marR="18288" marT="27433" marB="27433" horzOverflow="overflow">
@@ -4713,7 +4895,7 @@
                           <a:latin typeface="Arial" charset="0"/>
                           <a:cs typeface="Times New Roman" charset="0"/>
                         </a:rPr>
-                        <a:t>Upon start signal, engage targets as visible from within shooting area</a:t>
+                        <a:t>Upon start signal, engage targets from the shooting area as they become visible.</a:t>
                       </a:r>
                     </a:p>
                   </a:txBody>
@@ -4869,408 +5051,6 @@
           </a:ln>
         </p:spPr>
       </p:pic>
-      <p:grpSp>
-        <p:nvGrpSpPr>
-          <p:cNvPr id="2" name="Group 182">
-            <a:extLst>
-              <a:ext uri="{FF2B5EF4-FFF2-40B4-BE49-F238E27FC236}">
-                <a16:creationId xmlns:a16="http://schemas.microsoft.com/office/drawing/2014/main" id="{B93C3FA9-4305-523F-F8C3-16BF4B9424C7}"/>
-              </a:ext>
-            </a:extLst>
-          </p:cNvPr>
-          <p:cNvGrpSpPr>
-            <a:grpSpLocks/>
-          </p:cNvGrpSpPr>
-          <p:nvPr/>
-        </p:nvGrpSpPr>
-        <p:grpSpPr bwMode="auto">
-          <a:xfrm>
-            <a:off x="4225850" y="2703201"/>
-            <a:ext cx="287338" cy="787400"/>
-            <a:chOff x="2449" y="2688"/>
-            <a:chExt cx="181" cy="496"/>
-          </a:xfrm>
-        </p:grpSpPr>
-        <p:sp>
-          <p:nvSpPr>
-            <p:cNvPr id="3" name="Line 183">
-              <a:extLst>
-                <a:ext uri="{FF2B5EF4-FFF2-40B4-BE49-F238E27FC236}">
-                  <a16:creationId xmlns:a16="http://schemas.microsoft.com/office/drawing/2014/main" id="{038F057D-9F50-43D1-8758-BEB23E344552}"/>
-                </a:ext>
-              </a:extLst>
-            </p:cNvPr>
-            <p:cNvSpPr>
-              <a:spLocks noChangeShapeType="1"/>
-            </p:cNvSpPr>
-            <p:nvPr/>
-          </p:nvSpPr>
-          <p:spPr bwMode="auto">
-            <a:xfrm>
-              <a:off x="2459" y="2932"/>
-              <a:ext cx="0" cy="252"/>
-            </a:xfrm>
-            <a:prstGeom prst="line">
-              <a:avLst/>
-            </a:prstGeom>
-            <a:noFill/>
-            <a:ln w="28575">
-              <a:solidFill>
-                <a:schemeClr val="tx1"/>
-              </a:solidFill>
-              <a:round/>
-              <a:headEnd/>
-              <a:tailEnd/>
-            </a:ln>
-          </p:spPr>
-          <p:txBody>
-            <a:bodyPr wrap="none" anchor="ctr"/>
-            <a:lstStyle/>
-            <a:p>
-              <a:endParaRPr lang="en-US"/>
-            </a:p>
-          </p:txBody>
-        </p:sp>
-        <p:sp>
-          <p:nvSpPr>
-            <p:cNvPr id="4" name="Line 184">
-              <a:extLst>
-                <a:ext uri="{FF2B5EF4-FFF2-40B4-BE49-F238E27FC236}">
-                  <a16:creationId xmlns:a16="http://schemas.microsoft.com/office/drawing/2014/main" id="{579978F8-C8D1-0DE4-2BBF-5F8D80E7FADD}"/>
-                </a:ext>
-              </a:extLst>
-            </p:cNvPr>
-            <p:cNvSpPr>
-              <a:spLocks noChangeShapeType="1"/>
-            </p:cNvSpPr>
-            <p:nvPr/>
-          </p:nvSpPr>
-          <p:spPr bwMode="auto">
-            <a:xfrm>
-              <a:off x="2622" y="2932"/>
-              <a:ext cx="0" cy="252"/>
-            </a:xfrm>
-            <a:prstGeom prst="line">
-              <a:avLst/>
-            </a:prstGeom>
-            <a:noFill/>
-            <a:ln w="28575">
-              <a:solidFill>
-                <a:schemeClr val="tx1"/>
-              </a:solidFill>
-              <a:round/>
-              <a:headEnd/>
-              <a:tailEnd/>
-            </a:ln>
-          </p:spPr>
-          <p:txBody>
-            <a:bodyPr wrap="none" anchor="ctr"/>
-            <a:lstStyle/>
-            <a:p>
-              <a:endParaRPr lang="en-US"/>
-            </a:p>
-          </p:txBody>
-        </p:sp>
-        <p:grpSp>
-          <p:nvGrpSpPr>
-            <p:cNvPr id="5" name="Group 185">
-              <a:extLst>
-                <a:ext uri="{FF2B5EF4-FFF2-40B4-BE49-F238E27FC236}">
-                  <a16:creationId xmlns:a16="http://schemas.microsoft.com/office/drawing/2014/main" id="{180F0AAC-95BB-7420-E3E1-DD369F822B1B}"/>
-                </a:ext>
-              </a:extLst>
-            </p:cNvPr>
-            <p:cNvGrpSpPr>
-              <a:grpSpLocks/>
-            </p:cNvGrpSpPr>
-            <p:nvPr/>
-          </p:nvGrpSpPr>
-          <p:grpSpPr bwMode="auto">
-            <a:xfrm>
-              <a:off x="2449" y="2688"/>
-              <a:ext cx="181" cy="331"/>
-              <a:chOff x="2449" y="2688"/>
-              <a:chExt cx="181" cy="331"/>
-            </a:xfrm>
-          </p:grpSpPr>
-          <p:sp>
-            <p:nvSpPr>
-              <p:cNvPr id="6" name="Freeform 186">
-                <a:extLst>
-                  <a:ext uri="{FF2B5EF4-FFF2-40B4-BE49-F238E27FC236}">
-                    <a16:creationId xmlns:a16="http://schemas.microsoft.com/office/drawing/2014/main" id="{B1E3D801-C92B-6548-5AA8-77E89CD2AE91}"/>
-                  </a:ext>
-                </a:extLst>
-              </p:cNvPr>
-              <p:cNvSpPr>
-                <a:spLocks/>
-              </p:cNvSpPr>
-              <p:nvPr/>
-            </p:nvSpPr>
-            <p:spPr bwMode="auto">
-              <a:xfrm>
-                <a:off x="2449" y="2688"/>
-                <a:ext cx="181" cy="331"/>
-              </a:xfrm>
-              <a:custGeom>
-                <a:avLst/>
-                <a:gdLst>
-                  <a:gd name="T0" fmla="*/ 89 w 277"/>
-                  <a:gd name="T1" fmla="*/ 0 h 517"/>
-                  <a:gd name="T2" fmla="*/ 191 w 277"/>
-                  <a:gd name="T3" fmla="*/ 0 h 517"/>
-                  <a:gd name="T4" fmla="*/ 191 w 277"/>
-                  <a:gd name="T5" fmla="*/ 105 h 517"/>
-                  <a:gd name="T6" fmla="*/ 225 w 277"/>
-                  <a:gd name="T7" fmla="*/ 105 h 517"/>
-                  <a:gd name="T8" fmla="*/ 276 w 277"/>
-                  <a:gd name="T9" fmla="*/ 139 h 517"/>
-                  <a:gd name="T10" fmla="*/ 276 w 277"/>
-                  <a:gd name="T11" fmla="*/ 415 h 517"/>
-                  <a:gd name="T12" fmla="*/ 225 w 277"/>
-                  <a:gd name="T13" fmla="*/ 516 h 517"/>
-                  <a:gd name="T14" fmla="*/ 51 w 277"/>
-                  <a:gd name="T15" fmla="*/ 516 h 517"/>
-                  <a:gd name="T16" fmla="*/ 0 w 277"/>
-                  <a:gd name="T17" fmla="*/ 415 h 517"/>
-                  <a:gd name="T18" fmla="*/ 0 w 277"/>
-                  <a:gd name="T19" fmla="*/ 139 h 517"/>
-                  <a:gd name="T20" fmla="*/ 51 w 277"/>
-                  <a:gd name="T21" fmla="*/ 105 h 517"/>
-                  <a:gd name="T22" fmla="*/ 89 w 277"/>
-                  <a:gd name="T23" fmla="*/ 105 h 517"/>
-                  <a:gd name="T24" fmla="*/ 89 w 277"/>
-                  <a:gd name="T25" fmla="*/ 0 h 517"/>
-                  <a:gd name="T26" fmla="*/ 0 60000 65536"/>
-                  <a:gd name="T27" fmla="*/ 0 60000 65536"/>
-                  <a:gd name="T28" fmla="*/ 0 60000 65536"/>
-                  <a:gd name="T29" fmla="*/ 0 60000 65536"/>
-                  <a:gd name="T30" fmla="*/ 0 60000 65536"/>
-                  <a:gd name="T31" fmla="*/ 0 60000 65536"/>
-                  <a:gd name="T32" fmla="*/ 0 60000 65536"/>
-                  <a:gd name="T33" fmla="*/ 0 60000 65536"/>
-                  <a:gd name="T34" fmla="*/ 0 60000 65536"/>
-                  <a:gd name="T35" fmla="*/ 0 60000 65536"/>
-                  <a:gd name="T36" fmla="*/ 0 60000 65536"/>
-                  <a:gd name="T37" fmla="*/ 0 60000 65536"/>
-                  <a:gd name="T38" fmla="*/ 0 60000 65536"/>
-                  <a:gd name="T39" fmla="*/ 0 w 277"/>
-                  <a:gd name="T40" fmla="*/ 0 h 517"/>
-                  <a:gd name="T41" fmla="*/ 277 w 277"/>
-                  <a:gd name="T42" fmla="*/ 517 h 517"/>
-                </a:gdLst>
-                <a:ahLst/>
-                <a:cxnLst>
-                  <a:cxn ang="T26">
-                    <a:pos x="T0" y="T1"/>
-                  </a:cxn>
-                  <a:cxn ang="T27">
-                    <a:pos x="T2" y="T3"/>
-                  </a:cxn>
-                  <a:cxn ang="T28">
-                    <a:pos x="T4" y="T5"/>
-                  </a:cxn>
-                  <a:cxn ang="T29">
-                    <a:pos x="T6" y="T7"/>
-                  </a:cxn>
-                  <a:cxn ang="T30">
-                    <a:pos x="T8" y="T9"/>
-                  </a:cxn>
-                  <a:cxn ang="T31">
-                    <a:pos x="T10" y="T11"/>
-                  </a:cxn>
-                  <a:cxn ang="T32">
-                    <a:pos x="T12" y="T13"/>
-                  </a:cxn>
-                  <a:cxn ang="T33">
-                    <a:pos x="T14" y="T15"/>
-                  </a:cxn>
-                  <a:cxn ang="T34">
-                    <a:pos x="T16" y="T17"/>
-                  </a:cxn>
-                  <a:cxn ang="T35">
-                    <a:pos x="T18" y="T19"/>
-                  </a:cxn>
-                  <a:cxn ang="T36">
-                    <a:pos x="T20" y="T21"/>
-                  </a:cxn>
-                  <a:cxn ang="T37">
-                    <a:pos x="T22" y="T23"/>
-                  </a:cxn>
-                  <a:cxn ang="T38">
-                    <a:pos x="T24" y="T25"/>
-                  </a:cxn>
-                </a:cxnLst>
-                <a:rect l="T39" t="T40" r="T41" b="T42"/>
-                <a:pathLst>
-                  <a:path w="277" h="517">
-                    <a:moveTo>
-                      <a:pt x="89" y="0"/>
-                    </a:moveTo>
-                    <a:lnTo>
-                      <a:pt x="191" y="0"/>
-                    </a:lnTo>
-                    <a:lnTo>
-                      <a:pt x="191" y="105"/>
-                    </a:lnTo>
-                    <a:lnTo>
-                      <a:pt x="225" y="105"/>
-                    </a:lnTo>
-                    <a:lnTo>
-                      <a:pt x="276" y="139"/>
-                    </a:lnTo>
-                    <a:lnTo>
-                      <a:pt x="276" y="415"/>
-                    </a:lnTo>
-                    <a:lnTo>
-                      <a:pt x="225" y="516"/>
-                    </a:lnTo>
-                    <a:lnTo>
-                      <a:pt x="51" y="516"/>
-                    </a:lnTo>
-                    <a:lnTo>
-                      <a:pt x="0" y="415"/>
-                    </a:lnTo>
-                    <a:lnTo>
-                      <a:pt x="0" y="139"/>
-                    </a:lnTo>
-                    <a:lnTo>
-                      <a:pt x="51" y="105"/>
-                    </a:lnTo>
-                    <a:lnTo>
-                      <a:pt x="89" y="105"/>
-                    </a:lnTo>
-                    <a:lnTo>
-                      <a:pt x="89" y="0"/>
-                    </a:lnTo>
-                  </a:path>
-                </a:pathLst>
-              </a:custGeom>
-              <a:solidFill>
-                <a:srgbClr val="FFCC99"/>
-              </a:solidFill>
-              <a:ln w="12700" cap="rnd" cmpd="sng">
-                <a:solidFill>
-                  <a:schemeClr val="tx1"/>
-                </a:solidFill>
-                <a:prstDash val="solid"/>
-                <a:round/>
-                <a:headEnd type="none" w="med" len="med"/>
-                <a:tailEnd type="none" w="med" len="med"/>
-              </a:ln>
-            </p:spPr>
-            <p:txBody>
-              <a:bodyPr/>
-              <a:lstStyle/>
-              <a:p>
-                <a:endParaRPr lang="en-US"/>
-              </a:p>
-            </p:txBody>
-          </p:sp>
-          <p:sp>
-            <p:nvSpPr>
-              <p:cNvPr id="7" name="Freeform 187">
-                <a:extLst>
-                  <a:ext uri="{FF2B5EF4-FFF2-40B4-BE49-F238E27FC236}">
-                    <a16:creationId xmlns:a16="http://schemas.microsoft.com/office/drawing/2014/main" id="{B29195CA-5BFF-49A3-9900-23E7C283C058}"/>
-                  </a:ext>
-                </a:extLst>
-              </p:cNvPr>
-              <p:cNvSpPr>
-                <a:spLocks/>
-              </p:cNvSpPr>
-              <p:nvPr/>
-            </p:nvSpPr>
-            <p:spPr bwMode="auto">
-              <a:xfrm>
-                <a:off x="2483" y="2780"/>
-                <a:ext cx="147" cy="238"/>
-              </a:xfrm>
-              <a:custGeom>
-                <a:avLst/>
-                <a:gdLst>
-                  <a:gd name="T0" fmla="*/ 147 w 147"/>
-                  <a:gd name="T1" fmla="*/ 0 h 238"/>
-                  <a:gd name="T2" fmla="*/ 147 w 147"/>
-                  <a:gd name="T3" fmla="*/ 171 h 238"/>
-                  <a:gd name="T4" fmla="*/ 111 w 147"/>
-                  <a:gd name="T5" fmla="*/ 238 h 238"/>
-                  <a:gd name="T6" fmla="*/ 0 w 147"/>
-                  <a:gd name="T7" fmla="*/ 238 h 238"/>
-                  <a:gd name="T8" fmla="*/ 147 w 147"/>
-                  <a:gd name="T9" fmla="*/ 0 h 238"/>
-                  <a:gd name="T10" fmla="*/ 0 60000 65536"/>
-                  <a:gd name="T11" fmla="*/ 0 60000 65536"/>
-                  <a:gd name="T12" fmla="*/ 0 60000 65536"/>
-                  <a:gd name="T13" fmla="*/ 0 60000 65536"/>
-                  <a:gd name="T14" fmla="*/ 0 60000 65536"/>
-                  <a:gd name="T15" fmla="*/ 0 w 147"/>
-                  <a:gd name="T16" fmla="*/ 0 h 238"/>
-                  <a:gd name="T17" fmla="*/ 147 w 147"/>
-                  <a:gd name="T18" fmla="*/ 238 h 238"/>
-                </a:gdLst>
-                <a:ahLst/>
-                <a:cxnLst>
-                  <a:cxn ang="T10">
-                    <a:pos x="T0" y="T1"/>
-                  </a:cxn>
-                  <a:cxn ang="T11">
-                    <a:pos x="T2" y="T3"/>
-                  </a:cxn>
-                  <a:cxn ang="T12">
-                    <a:pos x="T4" y="T5"/>
-                  </a:cxn>
-                  <a:cxn ang="T13">
-                    <a:pos x="T6" y="T7"/>
-                  </a:cxn>
-                  <a:cxn ang="T14">
-                    <a:pos x="T8" y="T9"/>
-                  </a:cxn>
-                </a:cxnLst>
-                <a:rect l="T15" t="T16" r="T17" b="T18"/>
-                <a:pathLst>
-                  <a:path w="147" h="238">
-                    <a:moveTo>
-                      <a:pt x="147" y="0"/>
-                    </a:moveTo>
-                    <a:lnTo>
-                      <a:pt x="147" y="171"/>
-                    </a:lnTo>
-                    <a:lnTo>
-                      <a:pt x="111" y="238"/>
-                    </a:lnTo>
-                    <a:lnTo>
-                      <a:pt x="0" y="238"/>
-                    </a:lnTo>
-                    <a:lnTo>
-                      <a:pt x="147" y="0"/>
-                    </a:lnTo>
-                    <a:close/>
-                  </a:path>
-                </a:pathLst>
-              </a:custGeom>
-              <a:solidFill>
-                <a:schemeClr val="tx1"/>
-              </a:solidFill>
-              <a:ln w="0">
-                <a:solidFill>
-                  <a:schemeClr val="tx1"/>
-                </a:solidFill>
-                <a:round/>
-                <a:headEnd/>
-                <a:tailEnd/>
-              </a:ln>
-            </p:spPr>
-            <p:txBody>
-              <a:bodyPr/>
-              <a:lstStyle/>
-              <a:p>
-                <a:endParaRPr lang="en-US"/>
-              </a:p>
-            </p:txBody>
-          </p:sp>
-        </p:grpSp>
-      </p:grpSp>
       <p:grpSp>
         <p:nvGrpSpPr>
           <p:cNvPr id="8" name="Group 29">
@@ -5562,8 +5342,8 @@
         </p:nvGrpSpPr>
         <p:grpSpPr>
           <a:xfrm>
-            <a:off x="2344654" y="2706925"/>
-            <a:ext cx="312899" cy="2453967"/>
+            <a:off x="2288114" y="3014715"/>
+            <a:ext cx="369439" cy="3792670"/>
             <a:chOff x="1600200" y="3200400"/>
             <a:chExt cx="533400" cy="3505200"/>
           </a:xfrm>
@@ -6785,8 +6565,8 @@
         </p:nvCxnSpPr>
         <p:spPr>
           <a:xfrm flipV="1">
-            <a:off x="47707" y="4646707"/>
-            <a:ext cx="3603377" cy="1711535"/>
+            <a:off x="4820" y="5189997"/>
+            <a:ext cx="2636314" cy="1217779"/>
           </a:xfrm>
           <a:prstGeom prst="line">
             <a:avLst/>
@@ -6826,8 +6606,8 @@
         </p:nvGrpSpPr>
         <p:grpSpPr>
           <a:xfrm>
-            <a:off x="6061582" y="2789993"/>
-            <a:ext cx="327365" cy="3258940"/>
+            <a:off x="6018910" y="2789993"/>
+            <a:ext cx="370037" cy="3258940"/>
             <a:chOff x="1600200" y="3200400"/>
             <a:chExt cx="533400" cy="3505200"/>
           </a:xfrm>
@@ -8047,8 +7827,8 @@
         </p:nvGrpSpPr>
         <p:grpSpPr>
           <a:xfrm>
-            <a:off x="4423648" y="2742649"/>
-            <a:ext cx="330969" cy="2453971"/>
+            <a:off x="4393150" y="3021677"/>
+            <a:ext cx="361468" cy="3785717"/>
             <a:chOff x="1600200" y="3184694"/>
             <a:chExt cx="533400" cy="3520906"/>
           </a:xfrm>
@@ -9533,406 +9313,6 @@
       </p:grpSp>
       <p:grpSp>
         <p:nvGrpSpPr>
-          <p:cNvPr id="135" name="Group 134">
-            <a:extLst>
-              <a:ext uri="{FF2B5EF4-FFF2-40B4-BE49-F238E27FC236}">
-                <a16:creationId xmlns:a16="http://schemas.microsoft.com/office/drawing/2014/main" id="{B8BA8732-5FAC-9574-177C-D49F086D3008}"/>
-              </a:ext>
-            </a:extLst>
-          </p:cNvPr>
-          <p:cNvGrpSpPr/>
-          <p:nvPr/>
-        </p:nvGrpSpPr>
-        <p:grpSpPr>
-          <a:xfrm>
-            <a:off x="2860050" y="2703201"/>
-            <a:ext cx="287338" cy="787400"/>
-            <a:chOff x="4625898" y="364825"/>
-            <a:chExt cx="287338" cy="787400"/>
-          </a:xfrm>
-        </p:grpSpPr>
-        <p:sp>
-          <p:nvSpPr>
-            <p:cNvPr id="136" name="Line 183">
-              <a:extLst>
-                <a:ext uri="{FF2B5EF4-FFF2-40B4-BE49-F238E27FC236}">
-                  <a16:creationId xmlns:a16="http://schemas.microsoft.com/office/drawing/2014/main" id="{9B0FCB55-BC85-E439-0CD9-22448D9DC45F}"/>
-                </a:ext>
-              </a:extLst>
-            </p:cNvPr>
-            <p:cNvSpPr>
-              <a:spLocks noChangeShapeType="1"/>
-            </p:cNvSpPr>
-            <p:nvPr/>
-          </p:nvSpPr>
-          <p:spPr bwMode="auto">
-            <a:xfrm>
-              <a:off x="4634231" y="752175"/>
-              <a:ext cx="0" cy="400050"/>
-            </a:xfrm>
-            <a:prstGeom prst="line">
-              <a:avLst/>
-            </a:prstGeom>
-            <a:noFill/>
-            <a:ln w="28575">
-              <a:solidFill>
-                <a:schemeClr val="tx1"/>
-              </a:solidFill>
-              <a:round/>
-              <a:headEnd/>
-              <a:tailEnd/>
-            </a:ln>
-          </p:spPr>
-          <p:txBody>
-            <a:bodyPr wrap="none" anchor="ctr"/>
-            <a:lstStyle/>
-            <a:p>
-              <a:endParaRPr lang="en-US"/>
-            </a:p>
-          </p:txBody>
-        </p:sp>
-        <p:sp>
-          <p:nvSpPr>
-            <p:cNvPr id="137" name="Line 184">
-              <a:extLst>
-                <a:ext uri="{FF2B5EF4-FFF2-40B4-BE49-F238E27FC236}">
-                  <a16:creationId xmlns:a16="http://schemas.microsoft.com/office/drawing/2014/main" id="{C06E2C9D-C738-EB43-84C5-22D55196E814}"/>
-                </a:ext>
-              </a:extLst>
-            </p:cNvPr>
-            <p:cNvSpPr>
-              <a:spLocks noChangeShapeType="1"/>
-            </p:cNvSpPr>
-            <p:nvPr/>
-          </p:nvSpPr>
-          <p:spPr bwMode="auto">
-            <a:xfrm>
-              <a:off x="4900536" y="752175"/>
-              <a:ext cx="0" cy="400050"/>
-            </a:xfrm>
-            <a:prstGeom prst="line">
-              <a:avLst/>
-            </a:prstGeom>
-            <a:noFill/>
-            <a:ln w="28575">
-              <a:solidFill>
-                <a:schemeClr val="tx1"/>
-              </a:solidFill>
-              <a:round/>
-              <a:headEnd/>
-              <a:tailEnd/>
-            </a:ln>
-          </p:spPr>
-          <p:txBody>
-            <a:bodyPr wrap="none" anchor="ctr"/>
-            <a:lstStyle/>
-            <a:p>
-              <a:endParaRPr lang="en-US"/>
-            </a:p>
-          </p:txBody>
-        </p:sp>
-        <p:grpSp>
-          <p:nvGrpSpPr>
-            <p:cNvPr id="138" name="Group 185">
-              <a:extLst>
-                <a:ext uri="{FF2B5EF4-FFF2-40B4-BE49-F238E27FC236}">
-                  <a16:creationId xmlns:a16="http://schemas.microsoft.com/office/drawing/2014/main" id="{B75EB4B1-5390-50F8-9410-FB88A013FEA9}"/>
-                </a:ext>
-              </a:extLst>
-            </p:cNvPr>
-            <p:cNvGrpSpPr>
-              <a:grpSpLocks/>
-            </p:cNvGrpSpPr>
-            <p:nvPr/>
-          </p:nvGrpSpPr>
-          <p:grpSpPr bwMode="auto">
-            <a:xfrm>
-              <a:off x="4625898" y="364825"/>
-              <a:ext cx="287338" cy="528638"/>
-              <a:chOff x="2449" y="2688"/>
-              <a:chExt cx="181" cy="333"/>
-            </a:xfrm>
-          </p:grpSpPr>
-          <p:sp>
-            <p:nvSpPr>
-              <p:cNvPr id="139" name="Freeform 186">
-                <a:extLst>
-                  <a:ext uri="{FF2B5EF4-FFF2-40B4-BE49-F238E27FC236}">
-                    <a16:creationId xmlns:a16="http://schemas.microsoft.com/office/drawing/2014/main" id="{E54ACAD6-CA71-5B9F-13DA-87FC1075255D}"/>
-                  </a:ext>
-                </a:extLst>
-              </p:cNvPr>
-              <p:cNvSpPr>
-                <a:spLocks/>
-              </p:cNvSpPr>
-              <p:nvPr/>
-            </p:nvSpPr>
-            <p:spPr bwMode="auto">
-              <a:xfrm>
-                <a:off x="2449" y="2688"/>
-                <a:ext cx="181" cy="331"/>
-              </a:xfrm>
-              <a:custGeom>
-                <a:avLst/>
-                <a:gdLst>
-                  <a:gd name="T0" fmla="*/ 89 w 277"/>
-                  <a:gd name="T1" fmla="*/ 0 h 517"/>
-                  <a:gd name="T2" fmla="*/ 191 w 277"/>
-                  <a:gd name="T3" fmla="*/ 0 h 517"/>
-                  <a:gd name="T4" fmla="*/ 191 w 277"/>
-                  <a:gd name="T5" fmla="*/ 105 h 517"/>
-                  <a:gd name="T6" fmla="*/ 225 w 277"/>
-                  <a:gd name="T7" fmla="*/ 105 h 517"/>
-                  <a:gd name="T8" fmla="*/ 276 w 277"/>
-                  <a:gd name="T9" fmla="*/ 139 h 517"/>
-                  <a:gd name="T10" fmla="*/ 276 w 277"/>
-                  <a:gd name="T11" fmla="*/ 415 h 517"/>
-                  <a:gd name="T12" fmla="*/ 225 w 277"/>
-                  <a:gd name="T13" fmla="*/ 516 h 517"/>
-                  <a:gd name="T14" fmla="*/ 51 w 277"/>
-                  <a:gd name="T15" fmla="*/ 516 h 517"/>
-                  <a:gd name="T16" fmla="*/ 0 w 277"/>
-                  <a:gd name="T17" fmla="*/ 415 h 517"/>
-                  <a:gd name="T18" fmla="*/ 0 w 277"/>
-                  <a:gd name="T19" fmla="*/ 139 h 517"/>
-                  <a:gd name="T20" fmla="*/ 51 w 277"/>
-                  <a:gd name="T21" fmla="*/ 105 h 517"/>
-                  <a:gd name="T22" fmla="*/ 89 w 277"/>
-                  <a:gd name="T23" fmla="*/ 105 h 517"/>
-                  <a:gd name="T24" fmla="*/ 89 w 277"/>
-                  <a:gd name="T25" fmla="*/ 0 h 517"/>
-                  <a:gd name="T26" fmla="*/ 0 60000 65536"/>
-                  <a:gd name="T27" fmla="*/ 0 60000 65536"/>
-                  <a:gd name="T28" fmla="*/ 0 60000 65536"/>
-                  <a:gd name="T29" fmla="*/ 0 60000 65536"/>
-                  <a:gd name="T30" fmla="*/ 0 60000 65536"/>
-                  <a:gd name="T31" fmla="*/ 0 60000 65536"/>
-                  <a:gd name="T32" fmla="*/ 0 60000 65536"/>
-                  <a:gd name="T33" fmla="*/ 0 60000 65536"/>
-                  <a:gd name="T34" fmla="*/ 0 60000 65536"/>
-                  <a:gd name="T35" fmla="*/ 0 60000 65536"/>
-                  <a:gd name="T36" fmla="*/ 0 60000 65536"/>
-                  <a:gd name="T37" fmla="*/ 0 60000 65536"/>
-                  <a:gd name="T38" fmla="*/ 0 60000 65536"/>
-                  <a:gd name="T39" fmla="*/ 0 w 277"/>
-                  <a:gd name="T40" fmla="*/ 0 h 517"/>
-                  <a:gd name="T41" fmla="*/ 277 w 277"/>
-                  <a:gd name="T42" fmla="*/ 517 h 517"/>
-                </a:gdLst>
-                <a:ahLst/>
-                <a:cxnLst>
-                  <a:cxn ang="T26">
-                    <a:pos x="T0" y="T1"/>
-                  </a:cxn>
-                  <a:cxn ang="T27">
-                    <a:pos x="T2" y="T3"/>
-                  </a:cxn>
-                  <a:cxn ang="T28">
-                    <a:pos x="T4" y="T5"/>
-                  </a:cxn>
-                  <a:cxn ang="T29">
-                    <a:pos x="T6" y="T7"/>
-                  </a:cxn>
-                  <a:cxn ang="T30">
-                    <a:pos x="T8" y="T9"/>
-                  </a:cxn>
-                  <a:cxn ang="T31">
-                    <a:pos x="T10" y="T11"/>
-                  </a:cxn>
-                  <a:cxn ang="T32">
-                    <a:pos x="T12" y="T13"/>
-                  </a:cxn>
-                  <a:cxn ang="T33">
-                    <a:pos x="T14" y="T15"/>
-                  </a:cxn>
-                  <a:cxn ang="T34">
-                    <a:pos x="T16" y="T17"/>
-                  </a:cxn>
-                  <a:cxn ang="T35">
-                    <a:pos x="T18" y="T19"/>
-                  </a:cxn>
-                  <a:cxn ang="T36">
-                    <a:pos x="T20" y="T21"/>
-                  </a:cxn>
-                  <a:cxn ang="T37">
-                    <a:pos x="T22" y="T23"/>
-                  </a:cxn>
-                  <a:cxn ang="T38">
-                    <a:pos x="T24" y="T25"/>
-                  </a:cxn>
-                </a:cxnLst>
-                <a:rect l="T39" t="T40" r="T41" b="T42"/>
-                <a:pathLst>
-                  <a:path w="277" h="517">
-                    <a:moveTo>
-                      <a:pt x="89" y="0"/>
-                    </a:moveTo>
-                    <a:lnTo>
-                      <a:pt x="191" y="0"/>
-                    </a:lnTo>
-                    <a:lnTo>
-                      <a:pt x="191" y="105"/>
-                    </a:lnTo>
-                    <a:lnTo>
-                      <a:pt x="225" y="105"/>
-                    </a:lnTo>
-                    <a:lnTo>
-                      <a:pt x="276" y="139"/>
-                    </a:lnTo>
-                    <a:lnTo>
-                      <a:pt x="276" y="415"/>
-                    </a:lnTo>
-                    <a:lnTo>
-                      <a:pt x="225" y="516"/>
-                    </a:lnTo>
-                    <a:lnTo>
-                      <a:pt x="51" y="516"/>
-                    </a:lnTo>
-                    <a:lnTo>
-                      <a:pt x="0" y="415"/>
-                    </a:lnTo>
-                    <a:lnTo>
-                      <a:pt x="0" y="139"/>
-                    </a:lnTo>
-                    <a:lnTo>
-                      <a:pt x="51" y="105"/>
-                    </a:lnTo>
-                    <a:lnTo>
-                      <a:pt x="89" y="105"/>
-                    </a:lnTo>
-                    <a:lnTo>
-                      <a:pt x="89" y="0"/>
-                    </a:lnTo>
-                  </a:path>
-                </a:pathLst>
-              </a:custGeom>
-              <a:solidFill>
-                <a:srgbClr val="FFCC99"/>
-              </a:solidFill>
-              <a:ln w="12700" cap="rnd" cmpd="sng">
-                <a:solidFill>
-                  <a:schemeClr val="tx1"/>
-                </a:solidFill>
-                <a:prstDash val="solid"/>
-                <a:round/>
-                <a:headEnd type="none" w="med" len="med"/>
-                <a:tailEnd type="none" w="med" len="med"/>
-              </a:ln>
-            </p:spPr>
-            <p:txBody>
-              <a:bodyPr/>
-              <a:lstStyle/>
-              <a:p>
-                <a:endParaRPr lang="en-US"/>
-              </a:p>
-            </p:txBody>
-          </p:sp>
-          <p:sp>
-            <p:nvSpPr>
-              <p:cNvPr id="140" name="Freeform 187">
-                <a:extLst>
-                  <a:ext uri="{FF2B5EF4-FFF2-40B4-BE49-F238E27FC236}">
-                    <a16:creationId xmlns:a16="http://schemas.microsoft.com/office/drawing/2014/main" id="{2CFD3820-12F8-394F-F983-A8310F425EEA}"/>
-                  </a:ext>
-                </a:extLst>
-              </p:cNvPr>
-              <p:cNvSpPr>
-                <a:spLocks/>
-              </p:cNvSpPr>
-              <p:nvPr/>
-            </p:nvSpPr>
-            <p:spPr bwMode="auto">
-              <a:xfrm flipH="1">
-                <a:off x="2450" y="2783"/>
-                <a:ext cx="147" cy="238"/>
-              </a:xfrm>
-              <a:custGeom>
-                <a:avLst/>
-                <a:gdLst>
-                  <a:gd name="T0" fmla="*/ 147 w 147"/>
-                  <a:gd name="T1" fmla="*/ 0 h 238"/>
-                  <a:gd name="T2" fmla="*/ 147 w 147"/>
-                  <a:gd name="T3" fmla="*/ 171 h 238"/>
-                  <a:gd name="T4" fmla="*/ 111 w 147"/>
-                  <a:gd name="T5" fmla="*/ 238 h 238"/>
-                  <a:gd name="T6" fmla="*/ 0 w 147"/>
-                  <a:gd name="T7" fmla="*/ 238 h 238"/>
-                  <a:gd name="T8" fmla="*/ 147 w 147"/>
-                  <a:gd name="T9" fmla="*/ 0 h 238"/>
-                  <a:gd name="T10" fmla="*/ 0 60000 65536"/>
-                  <a:gd name="T11" fmla="*/ 0 60000 65536"/>
-                  <a:gd name="T12" fmla="*/ 0 60000 65536"/>
-                  <a:gd name="T13" fmla="*/ 0 60000 65536"/>
-                  <a:gd name="T14" fmla="*/ 0 60000 65536"/>
-                  <a:gd name="T15" fmla="*/ 0 w 147"/>
-                  <a:gd name="T16" fmla="*/ 0 h 238"/>
-                  <a:gd name="T17" fmla="*/ 147 w 147"/>
-                  <a:gd name="T18" fmla="*/ 238 h 238"/>
-                </a:gdLst>
-                <a:ahLst/>
-                <a:cxnLst>
-                  <a:cxn ang="T10">
-                    <a:pos x="T0" y="T1"/>
-                  </a:cxn>
-                  <a:cxn ang="T11">
-                    <a:pos x="T2" y="T3"/>
-                  </a:cxn>
-                  <a:cxn ang="T12">
-                    <a:pos x="T4" y="T5"/>
-                  </a:cxn>
-                  <a:cxn ang="T13">
-                    <a:pos x="T6" y="T7"/>
-                  </a:cxn>
-                  <a:cxn ang="T14">
-                    <a:pos x="T8" y="T9"/>
-                  </a:cxn>
-                </a:cxnLst>
-                <a:rect l="T15" t="T16" r="T17" b="T18"/>
-                <a:pathLst>
-                  <a:path w="147" h="238">
-                    <a:moveTo>
-                      <a:pt x="147" y="0"/>
-                    </a:moveTo>
-                    <a:lnTo>
-                      <a:pt x="147" y="171"/>
-                    </a:lnTo>
-                    <a:lnTo>
-                      <a:pt x="111" y="238"/>
-                    </a:lnTo>
-                    <a:lnTo>
-                      <a:pt x="0" y="238"/>
-                    </a:lnTo>
-                    <a:lnTo>
-                      <a:pt x="147" y="0"/>
-                    </a:lnTo>
-                    <a:close/>
-                  </a:path>
-                </a:pathLst>
-              </a:custGeom>
-              <a:solidFill>
-                <a:schemeClr val="tx1"/>
-              </a:solidFill>
-              <a:ln w="0">
-                <a:solidFill>
-                  <a:schemeClr val="tx1"/>
-                </a:solidFill>
-                <a:round/>
-                <a:headEnd/>
-                <a:tailEnd/>
-              </a:ln>
-            </p:spPr>
-            <p:txBody>
-              <a:bodyPr/>
-              <a:lstStyle/>
-              <a:p>
-                <a:endParaRPr lang="en-US"/>
-              </a:p>
-            </p:txBody>
-          </p:sp>
-        </p:grpSp>
-      </p:grpSp>
-      <p:grpSp>
-        <p:nvGrpSpPr>
           <p:cNvPr id="141" name="Group 140">
             <a:extLst>
               <a:ext uri="{FF2B5EF4-FFF2-40B4-BE49-F238E27FC236}">
@@ -10180,7 +9560,7 @@
         </p:nvSpPr>
         <p:spPr>
           <a:xfrm>
-            <a:off x="2824527" y="5307324"/>
+            <a:off x="2757159" y="5492896"/>
             <a:ext cx="1697965" cy="369332"/>
           </a:xfrm>
           <a:prstGeom prst="rect">
@@ -10201,180 +9581,6 @@
           </a:p>
         </p:txBody>
       </p:sp>
-      <p:sp>
-        <p:nvSpPr>
-          <p:cNvPr id="149" name="Freeform 36">
-            <a:extLst>
-              <a:ext uri="{FF2B5EF4-FFF2-40B4-BE49-F238E27FC236}">
-                <a16:creationId xmlns:a16="http://schemas.microsoft.com/office/drawing/2014/main" id="{CD39B420-3393-7A51-5E89-BD94EFB2FC58}"/>
-              </a:ext>
-            </a:extLst>
-          </p:cNvPr>
-          <p:cNvSpPr>
-            <a:spLocks/>
-          </p:cNvSpPr>
-          <p:nvPr/>
-        </p:nvSpPr>
-        <p:spPr bwMode="auto">
-          <a:xfrm>
-            <a:off x="3578672" y="2709177"/>
-            <a:ext cx="290513" cy="525459"/>
-          </a:xfrm>
-          <a:custGeom>
-            <a:avLst/>
-            <a:gdLst>
-              <a:gd name="T0" fmla="*/ 89 w 277"/>
-              <a:gd name="T1" fmla="*/ 0 h 517"/>
-              <a:gd name="T2" fmla="*/ 191 w 277"/>
-              <a:gd name="T3" fmla="*/ 0 h 517"/>
-              <a:gd name="T4" fmla="*/ 191 w 277"/>
-              <a:gd name="T5" fmla="*/ 105 h 517"/>
-              <a:gd name="T6" fmla="*/ 225 w 277"/>
-              <a:gd name="T7" fmla="*/ 105 h 517"/>
-              <a:gd name="T8" fmla="*/ 276 w 277"/>
-              <a:gd name="T9" fmla="*/ 139 h 517"/>
-              <a:gd name="T10" fmla="*/ 276 w 277"/>
-              <a:gd name="T11" fmla="*/ 415 h 517"/>
-              <a:gd name="T12" fmla="*/ 225 w 277"/>
-              <a:gd name="T13" fmla="*/ 516 h 517"/>
-              <a:gd name="T14" fmla="*/ 51 w 277"/>
-              <a:gd name="T15" fmla="*/ 516 h 517"/>
-              <a:gd name="T16" fmla="*/ 0 w 277"/>
-              <a:gd name="T17" fmla="*/ 415 h 517"/>
-              <a:gd name="T18" fmla="*/ 0 w 277"/>
-              <a:gd name="T19" fmla="*/ 139 h 517"/>
-              <a:gd name="T20" fmla="*/ 51 w 277"/>
-              <a:gd name="T21" fmla="*/ 105 h 517"/>
-              <a:gd name="T22" fmla="*/ 89 w 277"/>
-              <a:gd name="T23" fmla="*/ 105 h 517"/>
-              <a:gd name="T24" fmla="*/ 89 w 277"/>
-              <a:gd name="T25" fmla="*/ 0 h 517"/>
-              <a:gd name="T26" fmla="*/ 0 60000 65536"/>
-              <a:gd name="T27" fmla="*/ 0 60000 65536"/>
-              <a:gd name="T28" fmla="*/ 0 60000 65536"/>
-              <a:gd name="T29" fmla="*/ 0 60000 65536"/>
-              <a:gd name="T30" fmla="*/ 0 60000 65536"/>
-              <a:gd name="T31" fmla="*/ 0 60000 65536"/>
-              <a:gd name="T32" fmla="*/ 0 60000 65536"/>
-              <a:gd name="T33" fmla="*/ 0 60000 65536"/>
-              <a:gd name="T34" fmla="*/ 0 60000 65536"/>
-              <a:gd name="T35" fmla="*/ 0 60000 65536"/>
-              <a:gd name="T36" fmla="*/ 0 60000 65536"/>
-              <a:gd name="T37" fmla="*/ 0 60000 65536"/>
-              <a:gd name="T38" fmla="*/ 0 60000 65536"/>
-              <a:gd name="T39" fmla="*/ 0 w 277"/>
-              <a:gd name="T40" fmla="*/ 0 h 517"/>
-              <a:gd name="T41" fmla="*/ 277 w 277"/>
-              <a:gd name="T42" fmla="*/ 517 h 517"/>
-            </a:gdLst>
-            <a:ahLst/>
-            <a:cxnLst>
-              <a:cxn ang="T26">
-                <a:pos x="T0" y="T1"/>
-              </a:cxn>
-              <a:cxn ang="T27">
-                <a:pos x="T2" y="T3"/>
-              </a:cxn>
-              <a:cxn ang="T28">
-                <a:pos x="T4" y="T5"/>
-              </a:cxn>
-              <a:cxn ang="T29">
-                <a:pos x="T6" y="T7"/>
-              </a:cxn>
-              <a:cxn ang="T30">
-                <a:pos x="T8" y="T9"/>
-              </a:cxn>
-              <a:cxn ang="T31">
-                <a:pos x="T10" y="T11"/>
-              </a:cxn>
-              <a:cxn ang="T32">
-                <a:pos x="T12" y="T13"/>
-              </a:cxn>
-              <a:cxn ang="T33">
-                <a:pos x="T14" y="T15"/>
-              </a:cxn>
-              <a:cxn ang="T34">
-                <a:pos x="T16" y="T17"/>
-              </a:cxn>
-              <a:cxn ang="T35">
-                <a:pos x="T18" y="T19"/>
-              </a:cxn>
-              <a:cxn ang="T36">
-                <a:pos x="T20" y="T21"/>
-              </a:cxn>
-              <a:cxn ang="T37">
-                <a:pos x="T22" y="T23"/>
-              </a:cxn>
-              <a:cxn ang="T38">
-                <a:pos x="T24" y="T25"/>
-              </a:cxn>
-            </a:cxnLst>
-            <a:rect l="T39" t="T40" r="T41" b="T42"/>
-            <a:pathLst>
-              <a:path w="277" h="517">
-                <a:moveTo>
-                  <a:pt x="89" y="0"/>
-                </a:moveTo>
-                <a:lnTo>
-                  <a:pt x="191" y="0"/>
-                </a:lnTo>
-                <a:lnTo>
-                  <a:pt x="191" y="105"/>
-                </a:lnTo>
-                <a:lnTo>
-                  <a:pt x="225" y="105"/>
-                </a:lnTo>
-                <a:lnTo>
-                  <a:pt x="276" y="139"/>
-                </a:lnTo>
-                <a:lnTo>
-                  <a:pt x="276" y="415"/>
-                </a:lnTo>
-                <a:lnTo>
-                  <a:pt x="225" y="516"/>
-                </a:lnTo>
-                <a:lnTo>
-                  <a:pt x="51" y="516"/>
-                </a:lnTo>
-                <a:lnTo>
-                  <a:pt x="0" y="415"/>
-                </a:lnTo>
-                <a:lnTo>
-                  <a:pt x="0" y="139"/>
-                </a:lnTo>
-                <a:lnTo>
-                  <a:pt x="51" y="105"/>
-                </a:lnTo>
-                <a:lnTo>
-                  <a:pt x="89" y="105"/>
-                </a:lnTo>
-                <a:lnTo>
-                  <a:pt x="89" y="0"/>
-                </a:lnTo>
-              </a:path>
-            </a:pathLst>
-          </a:custGeom>
-          <a:solidFill>
-            <a:schemeClr val="bg1"/>
-          </a:solidFill>
-          <a:ln w="12700" cap="rnd" cmpd="sng">
-            <a:solidFill>
-              <a:schemeClr val="tx1"/>
-            </a:solidFill>
-            <a:prstDash val="solid"/>
-            <a:round/>
-            <a:headEnd type="none" w="med" len="med"/>
-            <a:tailEnd type="none" w="med" len="med"/>
-          </a:ln>
-        </p:spPr>
-        <p:txBody>
-          <a:bodyPr/>
-          <a:lstStyle/>
-          <a:p>
-            <a:endParaRPr lang="en-US"/>
-          </a:p>
-        </p:txBody>
-      </p:sp>
       <p:cxnSp>
         <p:nvCxnSpPr>
           <p:cNvPr id="153" name="Straight Connector 152">
@@ -10391,8 +9597,8 @@
         </p:nvCxnSpPr>
         <p:spPr>
           <a:xfrm>
-            <a:off x="3633623" y="4648227"/>
-            <a:ext cx="3581363" cy="1719595"/>
+            <a:off x="4754617" y="5193306"/>
+            <a:ext cx="2460369" cy="1174516"/>
           </a:xfrm>
           <a:prstGeom prst="line">
             <a:avLst/>
@@ -10434,51 +9640,8 @@
         </p:nvCxnSpPr>
         <p:spPr>
           <a:xfrm>
-            <a:off x="3666981" y="5873159"/>
-            <a:ext cx="3538107" cy="1725169"/>
-          </a:xfrm>
-          <a:prstGeom prst="line">
-            <a:avLst/>
-          </a:prstGeom>
-          <a:ln w="38100">
-            <a:solidFill>
-              <a:srgbClr val="C00000"/>
-            </a:solidFill>
-          </a:ln>
-        </p:spPr>
-        <p:style>
-          <a:lnRef idx="1">
-            <a:schemeClr val="accent1"/>
-          </a:lnRef>
-          <a:fillRef idx="0">
-            <a:schemeClr val="accent1"/>
-          </a:fillRef>
-          <a:effectRef idx="0">
-            <a:schemeClr val="accent1"/>
-          </a:effectRef>
-          <a:fontRef idx="minor">
-            <a:schemeClr val="tx1"/>
-          </a:fontRef>
-        </p:style>
-      </p:cxnSp>
-      <p:cxnSp>
-        <p:nvCxnSpPr>
-          <p:cNvPr id="167" name="Straight Connector 166">
-            <a:extLst>
-              <a:ext uri="{FF2B5EF4-FFF2-40B4-BE49-F238E27FC236}">
-                <a16:creationId xmlns:a16="http://schemas.microsoft.com/office/drawing/2014/main" id="{AE279CCD-89E5-2DB1-2A20-727A02C201FA}"/>
-              </a:ext>
-            </a:extLst>
-          </p:cNvPr>
-          <p:cNvCxnSpPr>
-            <a:cxnSpLocks/>
-          </p:cNvCxnSpPr>
-          <p:nvPr/>
-        </p:nvCxnSpPr>
-        <p:spPr>
-          <a:xfrm flipV="1">
-            <a:off x="55655" y="5873159"/>
-            <a:ext cx="3603377" cy="1711535"/>
+            <a:off x="4762565" y="6219931"/>
+            <a:ext cx="2442523" cy="1378397"/>
           </a:xfrm>
           <a:prstGeom prst="line">
             <a:avLst/>
@@ -10506,115 +9669,6 @@
       </p:cxnSp>
       <p:grpSp>
         <p:nvGrpSpPr>
-          <p:cNvPr id="25673" name="Group 25672">
-            <a:extLst>
-              <a:ext uri="{FF2B5EF4-FFF2-40B4-BE49-F238E27FC236}">
-                <a16:creationId xmlns:a16="http://schemas.microsoft.com/office/drawing/2014/main" id="{0E7BA3B6-764D-919B-9DE8-835444772483}"/>
-              </a:ext>
-            </a:extLst>
-          </p:cNvPr>
-          <p:cNvGrpSpPr/>
-          <p:nvPr/>
-        </p:nvGrpSpPr>
-        <p:grpSpPr>
-          <a:xfrm>
-            <a:off x="3490351" y="3389793"/>
-            <a:ext cx="325438" cy="1233488"/>
-            <a:chOff x="838200" y="239263"/>
-            <a:chExt cx="325438" cy="1233488"/>
-          </a:xfrm>
-        </p:grpSpPr>
-        <p:sp>
-          <p:nvSpPr>
-            <p:cNvPr id="25674" name="AutoShape 673">
-              <a:extLst>
-                <a:ext uri="{FF2B5EF4-FFF2-40B4-BE49-F238E27FC236}">
-                  <a16:creationId xmlns:a16="http://schemas.microsoft.com/office/drawing/2014/main" id="{D798FE4A-DCE6-BB24-B430-91DA35E15CD4}"/>
-                </a:ext>
-              </a:extLst>
-            </p:cNvPr>
-            <p:cNvSpPr>
-              <a:spLocks noChangeArrowheads="1"/>
-            </p:cNvSpPr>
-            <p:nvPr/>
-          </p:nvSpPr>
-          <p:spPr bwMode="auto">
-            <a:xfrm>
-              <a:off x="838200" y="752026"/>
-              <a:ext cx="325438" cy="720725"/>
-            </a:xfrm>
-            <a:prstGeom prst="can">
-              <a:avLst>
-                <a:gd name="adj" fmla="val 55366"/>
-              </a:avLst>
-            </a:prstGeom>
-            <a:solidFill>
-              <a:srgbClr val="00CCFF"/>
-            </a:solidFill>
-            <a:ln w="9525">
-              <a:solidFill>
-                <a:schemeClr val="tx1"/>
-              </a:solidFill>
-              <a:round/>
-              <a:headEnd/>
-              <a:tailEnd/>
-            </a:ln>
-          </p:spPr>
-          <p:txBody>
-            <a:bodyPr wrap="none" anchor="ctr"/>
-            <a:lstStyle/>
-            <a:p>
-              <a:endParaRPr lang="en-US"/>
-            </a:p>
-          </p:txBody>
-        </p:sp>
-        <p:sp>
-          <p:nvSpPr>
-            <p:cNvPr id="25675" name="AutoShape 673">
-              <a:extLst>
-                <a:ext uri="{FF2B5EF4-FFF2-40B4-BE49-F238E27FC236}">
-                  <a16:creationId xmlns:a16="http://schemas.microsoft.com/office/drawing/2014/main" id="{2EE460FE-F55F-E9AE-4C78-F2794AB80782}"/>
-                </a:ext>
-              </a:extLst>
-            </p:cNvPr>
-            <p:cNvSpPr>
-              <a:spLocks noChangeArrowheads="1"/>
-            </p:cNvSpPr>
-            <p:nvPr/>
-          </p:nvSpPr>
-          <p:spPr bwMode="auto">
-            <a:xfrm>
-              <a:off x="838200" y="239263"/>
-              <a:ext cx="325438" cy="720725"/>
-            </a:xfrm>
-            <a:prstGeom prst="can">
-              <a:avLst>
-                <a:gd name="adj" fmla="val 55366"/>
-              </a:avLst>
-            </a:prstGeom>
-            <a:solidFill>
-              <a:srgbClr val="00CCFF"/>
-            </a:solidFill>
-            <a:ln w="9525">
-              <a:solidFill>
-                <a:schemeClr val="tx1"/>
-              </a:solidFill>
-              <a:round/>
-              <a:headEnd/>
-              <a:tailEnd/>
-            </a:ln>
-          </p:spPr>
-          <p:txBody>
-            <a:bodyPr wrap="none" anchor="ctr"/>
-            <a:lstStyle/>
-            <a:p>
-              <a:endParaRPr lang="en-US"/>
-            </a:p>
-          </p:txBody>
-        </p:sp>
-      </p:grpSp>
-      <p:grpSp>
-        <p:nvGrpSpPr>
           <p:cNvPr id="12" name="Group 107">
             <a:extLst>
               <a:ext uri="{FF2B5EF4-FFF2-40B4-BE49-F238E27FC236}">
@@ -10627,8 +9681,8 @@
         </p:nvGrpSpPr>
         <p:grpSpPr>
           <a:xfrm>
-            <a:off x="639501" y="2741550"/>
-            <a:ext cx="304064" cy="3323342"/>
+            <a:off x="594864" y="2741550"/>
+            <a:ext cx="348701" cy="3323342"/>
             <a:chOff x="1600200" y="3200400"/>
             <a:chExt cx="533400" cy="3505200"/>
           </a:xfrm>
@@ -12376,800 +11430,6 @@
       </p:grpSp>
       <p:grpSp>
         <p:nvGrpSpPr>
-          <p:cNvPr id="25704" name="Group 278">
-            <a:extLst>
-              <a:ext uri="{FF2B5EF4-FFF2-40B4-BE49-F238E27FC236}">
-                <a16:creationId xmlns:a16="http://schemas.microsoft.com/office/drawing/2014/main" id="{87615380-8B39-7341-4576-F9FE5BBAD0FA}"/>
-              </a:ext>
-            </a:extLst>
-          </p:cNvPr>
-          <p:cNvGrpSpPr>
-            <a:grpSpLocks/>
-          </p:cNvGrpSpPr>
-          <p:nvPr/>
-        </p:nvGrpSpPr>
-        <p:grpSpPr bwMode="auto">
-          <a:xfrm>
-            <a:off x="1912393" y="2704634"/>
-            <a:ext cx="287338" cy="787400"/>
-            <a:chOff x="2208" y="240"/>
-            <a:chExt cx="181" cy="496"/>
-          </a:xfrm>
-        </p:grpSpPr>
-        <p:sp>
-          <p:nvSpPr>
-            <p:cNvPr id="25705" name="Line 279">
-              <a:extLst>
-                <a:ext uri="{FF2B5EF4-FFF2-40B4-BE49-F238E27FC236}">
-                  <a16:creationId xmlns:a16="http://schemas.microsoft.com/office/drawing/2014/main" id="{22392EFF-1A4A-36DD-2A42-82F83D13112C}"/>
-                </a:ext>
-              </a:extLst>
-            </p:cNvPr>
-            <p:cNvSpPr>
-              <a:spLocks noChangeShapeType="1"/>
-            </p:cNvSpPr>
-            <p:nvPr/>
-          </p:nvSpPr>
-          <p:spPr bwMode="auto">
-            <a:xfrm>
-              <a:off x="2218" y="484"/>
-              <a:ext cx="0" cy="252"/>
-            </a:xfrm>
-            <a:prstGeom prst="line">
-              <a:avLst/>
-            </a:prstGeom>
-            <a:noFill/>
-            <a:ln w="28575">
-              <a:solidFill>
-                <a:schemeClr val="tx1"/>
-              </a:solidFill>
-              <a:round/>
-              <a:headEnd/>
-              <a:tailEnd/>
-            </a:ln>
-          </p:spPr>
-          <p:txBody>
-            <a:bodyPr wrap="none" anchor="ctr"/>
-            <a:lstStyle/>
-            <a:p>
-              <a:endParaRPr lang="en-US"/>
-            </a:p>
-          </p:txBody>
-        </p:sp>
-        <p:sp>
-          <p:nvSpPr>
-            <p:cNvPr id="25706" name="Line 280">
-              <a:extLst>
-                <a:ext uri="{FF2B5EF4-FFF2-40B4-BE49-F238E27FC236}">
-                  <a16:creationId xmlns:a16="http://schemas.microsoft.com/office/drawing/2014/main" id="{96118654-2BAA-E02F-11FD-2EEAC75A04C2}"/>
-                </a:ext>
-              </a:extLst>
-            </p:cNvPr>
-            <p:cNvSpPr>
-              <a:spLocks noChangeShapeType="1"/>
-            </p:cNvSpPr>
-            <p:nvPr/>
-          </p:nvSpPr>
-          <p:spPr bwMode="auto">
-            <a:xfrm>
-              <a:off x="2381" y="484"/>
-              <a:ext cx="0" cy="252"/>
-            </a:xfrm>
-            <a:prstGeom prst="line">
-              <a:avLst/>
-            </a:prstGeom>
-            <a:noFill/>
-            <a:ln w="28575">
-              <a:solidFill>
-                <a:schemeClr val="tx1"/>
-              </a:solidFill>
-              <a:round/>
-              <a:headEnd/>
-              <a:tailEnd/>
-            </a:ln>
-          </p:spPr>
-          <p:txBody>
-            <a:bodyPr wrap="none" anchor="ctr"/>
-            <a:lstStyle/>
-            <a:p>
-              <a:endParaRPr lang="en-US"/>
-            </a:p>
-          </p:txBody>
-        </p:sp>
-        <p:sp>
-          <p:nvSpPr>
-            <p:cNvPr id="25707" name="Freeform 281">
-              <a:extLst>
-                <a:ext uri="{FF2B5EF4-FFF2-40B4-BE49-F238E27FC236}">
-                  <a16:creationId xmlns:a16="http://schemas.microsoft.com/office/drawing/2014/main" id="{613114E2-EFB5-D4B3-356D-912F4C10F6D4}"/>
-                </a:ext>
-              </a:extLst>
-            </p:cNvPr>
-            <p:cNvSpPr>
-              <a:spLocks/>
-            </p:cNvSpPr>
-            <p:nvPr/>
-          </p:nvSpPr>
-          <p:spPr bwMode="auto">
-            <a:xfrm>
-              <a:off x="2208" y="240"/>
-              <a:ext cx="181" cy="331"/>
-            </a:xfrm>
-            <a:custGeom>
-              <a:avLst/>
-              <a:gdLst>
-                <a:gd name="T0" fmla="*/ 89 w 277"/>
-                <a:gd name="T1" fmla="*/ 0 h 517"/>
-                <a:gd name="T2" fmla="*/ 191 w 277"/>
-                <a:gd name="T3" fmla="*/ 0 h 517"/>
-                <a:gd name="T4" fmla="*/ 191 w 277"/>
-                <a:gd name="T5" fmla="*/ 105 h 517"/>
-                <a:gd name="T6" fmla="*/ 225 w 277"/>
-                <a:gd name="T7" fmla="*/ 105 h 517"/>
-                <a:gd name="T8" fmla="*/ 276 w 277"/>
-                <a:gd name="T9" fmla="*/ 139 h 517"/>
-                <a:gd name="T10" fmla="*/ 276 w 277"/>
-                <a:gd name="T11" fmla="*/ 415 h 517"/>
-                <a:gd name="T12" fmla="*/ 225 w 277"/>
-                <a:gd name="T13" fmla="*/ 516 h 517"/>
-                <a:gd name="T14" fmla="*/ 51 w 277"/>
-                <a:gd name="T15" fmla="*/ 516 h 517"/>
-                <a:gd name="T16" fmla="*/ 0 w 277"/>
-                <a:gd name="T17" fmla="*/ 415 h 517"/>
-                <a:gd name="T18" fmla="*/ 0 w 277"/>
-                <a:gd name="T19" fmla="*/ 139 h 517"/>
-                <a:gd name="T20" fmla="*/ 51 w 277"/>
-                <a:gd name="T21" fmla="*/ 105 h 517"/>
-                <a:gd name="T22" fmla="*/ 89 w 277"/>
-                <a:gd name="T23" fmla="*/ 105 h 517"/>
-                <a:gd name="T24" fmla="*/ 89 w 277"/>
-                <a:gd name="T25" fmla="*/ 0 h 517"/>
-                <a:gd name="T26" fmla="*/ 0 60000 65536"/>
-                <a:gd name="T27" fmla="*/ 0 60000 65536"/>
-                <a:gd name="T28" fmla="*/ 0 60000 65536"/>
-                <a:gd name="T29" fmla="*/ 0 60000 65536"/>
-                <a:gd name="T30" fmla="*/ 0 60000 65536"/>
-                <a:gd name="T31" fmla="*/ 0 60000 65536"/>
-                <a:gd name="T32" fmla="*/ 0 60000 65536"/>
-                <a:gd name="T33" fmla="*/ 0 60000 65536"/>
-                <a:gd name="T34" fmla="*/ 0 60000 65536"/>
-                <a:gd name="T35" fmla="*/ 0 60000 65536"/>
-                <a:gd name="T36" fmla="*/ 0 60000 65536"/>
-                <a:gd name="T37" fmla="*/ 0 60000 65536"/>
-                <a:gd name="T38" fmla="*/ 0 60000 65536"/>
-                <a:gd name="T39" fmla="*/ 0 w 277"/>
-                <a:gd name="T40" fmla="*/ 0 h 517"/>
-                <a:gd name="T41" fmla="*/ 277 w 277"/>
-                <a:gd name="T42" fmla="*/ 517 h 517"/>
-              </a:gdLst>
-              <a:ahLst/>
-              <a:cxnLst>
-                <a:cxn ang="T26">
-                  <a:pos x="T0" y="T1"/>
-                </a:cxn>
-                <a:cxn ang="T27">
-                  <a:pos x="T2" y="T3"/>
-                </a:cxn>
-                <a:cxn ang="T28">
-                  <a:pos x="T4" y="T5"/>
-                </a:cxn>
-                <a:cxn ang="T29">
-                  <a:pos x="T6" y="T7"/>
-                </a:cxn>
-                <a:cxn ang="T30">
-                  <a:pos x="T8" y="T9"/>
-                </a:cxn>
-                <a:cxn ang="T31">
-                  <a:pos x="T10" y="T11"/>
-                </a:cxn>
-                <a:cxn ang="T32">
-                  <a:pos x="T12" y="T13"/>
-                </a:cxn>
-                <a:cxn ang="T33">
-                  <a:pos x="T14" y="T15"/>
-                </a:cxn>
-                <a:cxn ang="T34">
-                  <a:pos x="T16" y="T17"/>
-                </a:cxn>
-                <a:cxn ang="T35">
-                  <a:pos x="T18" y="T19"/>
-                </a:cxn>
-                <a:cxn ang="T36">
-                  <a:pos x="T20" y="T21"/>
-                </a:cxn>
-                <a:cxn ang="T37">
-                  <a:pos x="T22" y="T23"/>
-                </a:cxn>
-                <a:cxn ang="T38">
-                  <a:pos x="T24" y="T25"/>
-                </a:cxn>
-              </a:cxnLst>
-              <a:rect l="T39" t="T40" r="T41" b="T42"/>
-              <a:pathLst>
-                <a:path w="277" h="517">
-                  <a:moveTo>
-                    <a:pt x="89" y="0"/>
-                  </a:moveTo>
-                  <a:lnTo>
-                    <a:pt x="191" y="0"/>
-                  </a:lnTo>
-                  <a:lnTo>
-                    <a:pt x="191" y="105"/>
-                  </a:lnTo>
-                  <a:lnTo>
-                    <a:pt x="225" y="105"/>
-                  </a:lnTo>
-                  <a:lnTo>
-                    <a:pt x="276" y="139"/>
-                  </a:lnTo>
-                  <a:lnTo>
-                    <a:pt x="276" y="415"/>
-                  </a:lnTo>
-                  <a:lnTo>
-                    <a:pt x="225" y="516"/>
-                  </a:lnTo>
-                  <a:lnTo>
-                    <a:pt x="51" y="516"/>
-                  </a:lnTo>
-                  <a:lnTo>
-                    <a:pt x="0" y="415"/>
-                  </a:lnTo>
-                  <a:lnTo>
-                    <a:pt x="0" y="139"/>
-                  </a:lnTo>
-                  <a:lnTo>
-                    <a:pt x="51" y="105"/>
-                  </a:lnTo>
-                  <a:lnTo>
-                    <a:pt x="89" y="105"/>
-                  </a:lnTo>
-                  <a:lnTo>
-                    <a:pt x="89" y="0"/>
-                  </a:lnTo>
-                </a:path>
-              </a:pathLst>
-            </a:custGeom>
-            <a:solidFill>
-              <a:srgbClr val="FFCC99"/>
-            </a:solidFill>
-            <a:ln w="12700" cap="rnd" cmpd="sng">
-              <a:solidFill>
-                <a:schemeClr val="tx1"/>
-              </a:solidFill>
-              <a:prstDash val="solid"/>
-              <a:round/>
-              <a:headEnd type="none" w="med" len="med"/>
-              <a:tailEnd type="none" w="med" len="med"/>
-            </a:ln>
-          </p:spPr>
-          <p:txBody>
-            <a:bodyPr/>
-            <a:lstStyle/>
-            <a:p>
-              <a:endParaRPr lang="en-US"/>
-            </a:p>
-          </p:txBody>
-        </p:sp>
-        <p:sp>
-          <p:nvSpPr>
-            <p:cNvPr id="25708" name="Freeform 282">
-              <a:extLst>
-                <a:ext uri="{FF2B5EF4-FFF2-40B4-BE49-F238E27FC236}">
-                  <a16:creationId xmlns:a16="http://schemas.microsoft.com/office/drawing/2014/main" id="{334E4BA7-7ECA-84AA-0FB6-B184C791365B}"/>
-                </a:ext>
-              </a:extLst>
-            </p:cNvPr>
-            <p:cNvSpPr>
-              <a:spLocks/>
-            </p:cNvSpPr>
-            <p:nvPr/>
-          </p:nvSpPr>
-          <p:spPr bwMode="auto">
-            <a:xfrm flipH="1">
-              <a:off x="2211" y="306"/>
-              <a:ext cx="56" cy="262"/>
-            </a:xfrm>
-            <a:custGeom>
-              <a:avLst/>
-              <a:gdLst>
-                <a:gd name="T0" fmla="*/ 0 w 56"/>
-                <a:gd name="T1" fmla="*/ 3 h 264"/>
-                <a:gd name="T2" fmla="*/ 0 w 56"/>
-                <a:gd name="T3" fmla="*/ 264 h 264"/>
-                <a:gd name="T4" fmla="*/ 21 w 56"/>
-                <a:gd name="T5" fmla="*/ 264 h 264"/>
-                <a:gd name="T6" fmla="*/ 56 w 56"/>
-                <a:gd name="T7" fmla="*/ 200 h 264"/>
-                <a:gd name="T8" fmla="*/ 56 w 56"/>
-                <a:gd name="T9" fmla="*/ 23 h 264"/>
-                <a:gd name="T10" fmla="*/ 21 w 56"/>
-                <a:gd name="T11" fmla="*/ 0 h 264"/>
-                <a:gd name="T12" fmla="*/ 0 w 56"/>
-                <a:gd name="T13" fmla="*/ 3 h 264"/>
-                <a:gd name="T14" fmla="*/ 0 60000 65536"/>
-                <a:gd name="T15" fmla="*/ 0 60000 65536"/>
-                <a:gd name="T16" fmla="*/ 0 60000 65536"/>
-                <a:gd name="T17" fmla="*/ 0 60000 65536"/>
-                <a:gd name="T18" fmla="*/ 0 60000 65536"/>
-                <a:gd name="T19" fmla="*/ 0 60000 65536"/>
-                <a:gd name="T20" fmla="*/ 0 60000 65536"/>
-                <a:gd name="T21" fmla="*/ 0 w 56"/>
-                <a:gd name="T22" fmla="*/ 0 h 264"/>
-                <a:gd name="T23" fmla="*/ 56 w 56"/>
-                <a:gd name="T24" fmla="*/ 264 h 264"/>
-              </a:gdLst>
-              <a:ahLst/>
-              <a:cxnLst>
-                <a:cxn ang="T14">
-                  <a:pos x="T0" y="T1"/>
-                </a:cxn>
-                <a:cxn ang="T15">
-                  <a:pos x="T2" y="T3"/>
-                </a:cxn>
-                <a:cxn ang="T16">
-                  <a:pos x="T4" y="T5"/>
-                </a:cxn>
-                <a:cxn ang="T17">
-                  <a:pos x="T6" y="T7"/>
-                </a:cxn>
-                <a:cxn ang="T18">
-                  <a:pos x="T8" y="T9"/>
-                </a:cxn>
-                <a:cxn ang="T19">
-                  <a:pos x="T10" y="T11"/>
-                </a:cxn>
-                <a:cxn ang="T20">
-                  <a:pos x="T12" y="T13"/>
-                </a:cxn>
-              </a:cxnLst>
-              <a:rect l="T21" t="T22" r="T23" b="T24"/>
-              <a:pathLst>
-                <a:path w="56" h="264">
-                  <a:moveTo>
-                    <a:pt x="0" y="3"/>
-                  </a:moveTo>
-                  <a:lnTo>
-                    <a:pt x="0" y="264"/>
-                  </a:lnTo>
-                  <a:lnTo>
-                    <a:pt x="21" y="264"/>
-                  </a:lnTo>
-                  <a:lnTo>
-                    <a:pt x="56" y="200"/>
-                  </a:lnTo>
-                  <a:lnTo>
-                    <a:pt x="56" y="23"/>
-                  </a:lnTo>
-                  <a:lnTo>
-                    <a:pt x="21" y="0"/>
-                  </a:lnTo>
-                  <a:lnTo>
-                    <a:pt x="0" y="3"/>
-                  </a:lnTo>
-                  <a:close/>
-                </a:path>
-              </a:pathLst>
-            </a:custGeom>
-            <a:solidFill>
-              <a:schemeClr val="tx1"/>
-            </a:solidFill>
-            <a:ln w="0">
-              <a:solidFill>
-                <a:schemeClr val="tx1"/>
-              </a:solidFill>
-              <a:round/>
-              <a:headEnd/>
-              <a:tailEnd/>
-            </a:ln>
-          </p:spPr>
-          <p:txBody>
-            <a:bodyPr/>
-            <a:lstStyle/>
-            <a:p>
-              <a:endParaRPr lang="en-US"/>
-            </a:p>
-          </p:txBody>
-        </p:sp>
-      </p:grpSp>
-      <p:grpSp>
-        <p:nvGrpSpPr>
-          <p:cNvPr id="25709" name="Group 283">
-            <a:extLst>
-              <a:ext uri="{FF2B5EF4-FFF2-40B4-BE49-F238E27FC236}">
-                <a16:creationId xmlns:a16="http://schemas.microsoft.com/office/drawing/2014/main" id="{03254E77-EBF6-A74F-311F-EFD074FBBD42}"/>
-              </a:ext>
-            </a:extLst>
-          </p:cNvPr>
-          <p:cNvGrpSpPr>
-            <a:grpSpLocks/>
-          </p:cNvGrpSpPr>
-          <p:nvPr/>
-        </p:nvGrpSpPr>
-        <p:grpSpPr bwMode="auto">
-          <a:xfrm flipH="1">
-            <a:off x="1108348" y="2695019"/>
-            <a:ext cx="287338" cy="787400"/>
-            <a:chOff x="2208" y="240"/>
-            <a:chExt cx="181" cy="496"/>
-          </a:xfrm>
-        </p:grpSpPr>
-        <p:sp>
-          <p:nvSpPr>
-            <p:cNvPr id="25710" name="Line 284">
-              <a:extLst>
-                <a:ext uri="{FF2B5EF4-FFF2-40B4-BE49-F238E27FC236}">
-                  <a16:creationId xmlns:a16="http://schemas.microsoft.com/office/drawing/2014/main" id="{F1FE17B4-15B6-0760-4DB1-184463957662}"/>
-                </a:ext>
-              </a:extLst>
-            </p:cNvPr>
-            <p:cNvSpPr>
-              <a:spLocks noChangeShapeType="1"/>
-            </p:cNvSpPr>
-            <p:nvPr/>
-          </p:nvSpPr>
-          <p:spPr bwMode="auto">
-            <a:xfrm>
-              <a:off x="2218" y="484"/>
-              <a:ext cx="0" cy="252"/>
-            </a:xfrm>
-            <a:prstGeom prst="line">
-              <a:avLst/>
-            </a:prstGeom>
-            <a:noFill/>
-            <a:ln w="28575">
-              <a:solidFill>
-                <a:schemeClr val="tx1"/>
-              </a:solidFill>
-              <a:round/>
-              <a:headEnd/>
-              <a:tailEnd/>
-            </a:ln>
-          </p:spPr>
-          <p:txBody>
-            <a:bodyPr wrap="none" anchor="ctr"/>
-            <a:lstStyle/>
-            <a:p>
-              <a:endParaRPr lang="en-US"/>
-            </a:p>
-          </p:txBody>
-        </p:sp>
-        <p:sp>
-          <p:nvSpPr>
-            <p:cNvPr id="25711" name="Line 285">
-              <a:extLst>
-                <a:ext uri="{FF2B5EF4-FFF2-40B4-BE49-F238E27FC236}">
-                  <a16:creationId xmlns:a16="http://schemas.microsoft.com/office/drawing/2014/main" id="{E8CF9B19-FD3C-6540-93D5-9D2EC719AB05}"/>
-                </a:ext>
-              </a:extLst>
-            </p:cNvPr>
-            <p:cNvSpPr>
-              <a:spLocks noChangeShapeType="1"/>
-            </p:cNvSpPr>
-            <p:nvPr/>
-          </p:nvSpPr>
-          <p:spPr bwMode="auto">
-            <a:xfrm>
-              <a:off x="2381" y="484"/>
-              <a:ext cx="0" cy="252"/>
-            </a:xfrm>
-            <a:prstGeom prst="line">
-              <a:avLst/>
-            </a:prstGeom>
-            <a:noFill/>
-            <a:ln w="28575">
-              <a:solidFill>
-                <a:schemeClr val="tx1"/>
-              </a:solidFill>
-              <a:round/>
-              <a:headEnd/>
-              <a:tailEnd/>
-            </a:ln>
-          </p:spPr>
-          <p:txBody>
-            <a:bodyPr wrap="none" anchor="ctr"/>
-            <a:lstStyle/>
-            <a:p>
-              <a:endParaRPr lang="en-US"/>
-            </a:p>
-          </p:txBody>
-        </p:sp>
-        <p:sp>
-          <p:nvSpPr>
-            <p:cNvPr id="25712" name="Freeform 286">
-              <a:extLst>
-                <a:ext uri="{FF2B5EF4-FFF2-40B4-BE49-F238E27FC236}">
-                  <a16:creationId xmlns:a16="http://schemas.microsoft.com/office/drawing/2014/main" id="{3D58B9C3-4F06-42D5-5999-4CC0C81625DC}"/>
-                </a:ext>
-              </a:extLst>
-            </p:cNvPr>
-            <p:cNvSpPr>
-              <a:spLocks/>
-            </p:cNvSpPr>
-            <p:nvPr/>
-          </p:nvSpPr>
-          <p:spPr bwMode="auto">
-            <a:xfrm>
-              <a:off x="2208" y="240"/>
-              <a:ext cx="181" cy="331"/>
-            </a:xfrm>
-            <a:custGeom>
-              <a:avLst/>
-              <a:gdLst>
-                <a:gd name="T0" fmla="*/ 89 w 277"/>
-                <a:gd name="T1" fmla="*/ 0 h 517"/>
-                <a:gd name="T2" fmla="*/ 191 w 277"/>
-                <a:gd name="T3" fmla="*/ 0 h 517"/>
-                <a:gd name="T4" fmla="*/ 191 w 277"/>
-                <a:gd name="T5" fmla="*/ 105 h 517"/>
-                <a:gd name="T6" fmla="*/ 225 w 277"/>
-                <a:gd name="T7" fmla="*/ 105 h 517"/>
-                <a:gd name="T8" fmla="*/ 276 w 277"/>
-                <a:gd name="T9" fmla="*/ 139 h 517"/>
-                <a:gd name="T10" fmla="*/ 276 w 277"/>
-                <a:gd name="T11" fmla="*/ 415 h 517"/>
-                <a:gd name="T12" fmla="*/ 225 w 277"/>
-                <a:gd name="T13" fmla="*/ 516 h 517"/>
-                <a:gd name="T14" fmla="*/ 51 w 277"/>
-                <a:gd name="T15" fmla="*/ 516 h 517"/>
-                <a:gd name="T16" fmla="*/ 0 w 277"/>
-                <a:gd name="T17" fmla="*/ 415 h 517"/>
-                <a:gd name="T18" fmla="*/ 0 w 277"/>
-                <a:gd name="T19" fmla="*/ 139 h 517"/>
-                <a:gd name="T20" fmla="*/ 51 w 277"/>
-                <a:gd name="T21" fmla="*/ 105 h 517"/>
-                <a:gd name="T22" fmla="*/ 89 w 277"/>
-                <a:gd name="T23" fmla="*/ 105 h 517"/>
-                <a:gd name="T24" fmla="*/ 89 w 277"/>
-                <a:gd name="T25" fmla="*/ 0 h 517"/>
-                <a:gd name="T26" fmla="*/ 0 60000 65536"/>
-                <a:gd name="T27" fmla="*/ 0 60000 65536"/>
-                <a:gd name="T28" fmla="*/ 0 60000 65536"/>
-                <a:gd name="T29" fmla="*/ 0 60000 65536"/>
-                <a:gd name="T30" fmla="*/ 0 60000 65536"/>
-                <a:gd name="T31" fmla="*/ 0 60000 65536"/>
-                <a:gd name="T32" fmla="*/ 0 60000 65536"/>
-                <a:gd name="T33" fmla="*/ 0 60000 65536"/>
-                <a:gd name="T34" fmla="*/ 0 60000 65536"/>
-                <a:gd name="T35" fmla="*/ 0 60000 65536"/>
-                <a:gd name="T36" fmla="*/ 0 60000 65536"/>
-                <a:gd name="T37" fmla="*/ 0 60000 65536"/>
-                <a:gd name="T38" fmla="*/ 0 60000 65536"/>
-                <a:gd name="T39" fmla="*/ 0 w 277"/>
-                <a:gd name="T40" fmla="*/ 0 h 517"/>
-                <a:gd name="T41" fmla="*/ 277 w 277"/>
-                <a:gd name="T42" fmla="*/ 517 h 517"/>
-              </a:gdLst>
-              <a:ahLst/>
-              <a:cxnLst>
-                <a:cxn ang="T26">
-                  <a:pos x="T0" y="T1"/>
-                </a:cxn>
-                <a:cxn ang="T27">
-                  <a:pos x="T2" y="T3"/>
-                </a:cxn>
-                <a:cxn ang="T28">
-                  <a:pos x="T4" y="T5"/>
-                </a:cxn>
-                <a:cxn ang="T29">
-                  <a:pos x="T6" y="T7"/>
-                </a:cxn>
-                <a:cxn ang="T30">
-                  <a:pos x="T8" y="T9"/>
-                </a:cxn>
-                <a:cxn ang="T31">
-                  <a:pos x="T10" y="T11"/>
-                </a:cxn>
-                <a:cxn ang="T32">
-                  <a:pos x="T12" y="T13"/>
-                </a:cxn>
-                <a:cxn ang="T33">
-                  <a:pos x="T14" y="T15"/>
-                </a:cxn>
-                <a:cxn ang="T34">
-                  <a:pos x="T16" y="T17"/>
-                </a:cxn>
-                <a:cxn ang="T35">
-                  <a:pos x="T18" y="T19"/>
-                </a:cxn>
-                <a:cxn ang="T36">
-                  <a:pos x="T20" y="T21"/>
-                </a:cxn>
-                <a:cxn ang="T37">
-                  <a:pos x="T22" y="T23"/>
-                </a:cxn>
-                <a:cxn ang="T38">
-                  <a:pos x="T24" y="T25"/>
-                </a:cxn>
-              </a:cxnLst>
-              <a:rect l="T39" t="T40" r="T41" b="T42"/>
-              <a:pathLst>
-                <a:path w="277" h="517">
-                  <a:moveTo>
-                    <a:pt x="89" y="0"/>
-                  </a:moveTo>
-                  <a:lnTo>
-                    <a:pt x="191" y="0"/>
-                  </a:lnTo>
-                  <a:lnTo>
-                    <a:pt x="191" y="105"/>
-                  </a:lnTo>
-                  <a:lnTo>
-                    <a:pt x="225" y="105"/>
-                  </a:lnTo>
-                  <a:lnTo>
-                    <a:pt x="276" y="139"/>
-                  </a:lnTo>
-                  <a:lnTo>
-                    <a:pt x="276" y="415"/>
-                  </a:lnTo>
-                  <a:lnTo>
-                    <a:pt x="225" y="516"/>
-                  </a:lnTo>
-                  <a:lnTo>
-                    <a:pt x="51" y="516"/>
-                  </a:lnTo>
-                  <a:lnTo>
-                    <a:pt x="0" y="415"/>
-                  </a:lnTo>
-                  <a:lnTo>
-                    <a:pt x="0" y="139"/>
-                  </a:lnTo>
-                  <a:lnTo>
-                    <a:pt x="51" y="105"/>
-                  </a:lnTo>
-                  <a:lnTo>
-                    <a:pt x="89" y="105"/>
-                  </a:lnTo>
-                  <a:lnTo>
-                    <a:pt x="89" y="0"/>
-                  </a:lnTo>
-                </a:path>
-              </a:pathLst>
-            </a:custGeom>
-            <a:solidFill>
-              <a:srgbClr val="FFCC99"/>
-            </a:solidFill>
-            <a:ln w="12700" cap="rnd" cmpd="sng">
-              <a:solidFill>
-                <a:schemeClr val="tx1"/>
-              </a:solidFill>
-              <a:prstDash val="solid"/>
-              <a:round/>
-              <a:headEnd type="none" w="med" len="med"/>
-              <a:tailEnd type="none" w="med" len="med"/>
-            </a:ln>
-          </p:spPr>
-          <p:txBody>
-            <a:bodyPr/>
-            <a:lstStyle/>
-            <a:p>
-              <a:endParaRPr lang="en-US"/>
-            </a:p>
-          </p:txBody>
-        </p:sp>
-        <p:sp>
-          <p:nvSpPr>
-            <p:cNvPr id="25713" name="Freeform 287">
-              <a:extLst>
-                <a:ext uri="{FF2B5EF4-FFF2-40B4-BE49-F238E27FC236}">
-                  <a16:creationId xmlns:a16="http://schemas.microsoft.com/office/drawing/2014/main" id="{D2362B71-551B-B620-E828-141255A7B019}"/>
-                </a:ext>
-              </a:extLst>
-            </p:cNvPr>
-            <p:cNvSpPr>
-              <a:spLocks/>
-            </p:cNvSpPr>
-            <p:nvPr/>
-          </p:nvSpPr>
-          <p:spPr bwMode="auto">
-            <a:xfrm flipH="1">
-              <a:off x="2211" y="306"/>
-              <a:ext cx="56" cy="262"/>
-            </a:xfrm>
-            <a:custGeom>
-              <a:avLst/>
-              <a:gdLst>
-                <a:gd name="T0" fmla="*/ 0 w 56"/>
-                <a:gd name="T1" fmla="*/ 3 h 264"/>
-                <a:gd name="T2" fmla="*/ 0 w 56"/>
-                <a:gd name="T3" fmla="*/ 264 h 264"/>
-                <a:gd name="T4" fmla="*/ 21 w 56"/>
-                <a:gd name="T5" fmla="*/ 264 h 264"/>
-                <a:gd name="T6" fmla="*/ 56 w 56"/>
-                <a:gd name="T7" fmla="*/ 200 h 264"/>
-                <a:gd name="T8" fmla="*/ 56 w 56"/>
-                <a:gd name="T9" fmla="*/ 23 h 264"/>
-                <a:gd name="T10" fmla="*/ 21 w 56"/>
-                <a:gd name="T11" fmla="*/ 0 h 264"/>
-                <a:gd name="T12" fmla="*/ 0 w 56"/>
-                <a:gd name="T13" fmla="*/ 3 h 264"/>
-                <a:gd name="T14" fmla="*/ 0 60000 65536"/>
-                <a:gd name="T15" fmla="*/ 0 60000 65536"/>
-                <a:gd name="T16" fmla="*/ 0 60000 65536"/>
-                <a:gd name="T17" fmla="*/ 0 60000 65536"/>
-                <a:gd name="T18" fmla="*/ 0 60000 65536"/>
-                <a:gd name="T19" fmla="*/ 0 60000 65536"/>
-                <a:gd name="T20" fmla="*/ 0 60000 65536"/>
-                <a:gd name="T21" fmla="*/ 0 w 56"/>
-                <a:gd name="T22" fmla="*/ 0 h 264"/>
-                <a:gd name="T23" fmla="*/ 56 w 56"/>
-                <a:gd name="T24" fmla="*/ 264 h 264"/>
-              </a:gdLst>
-              <a:ahLst/>
-              <a:cxnLst>
-                <a:cxn ang="T14">
-                  <a:pos x="T0" y="T1"/>
-                </a:cxn>
-                <a:cxn ang="T15">
-                  <a:pos x="T2" y="T3"/>
-                </a:cxn>
-                <a:cxn ang="T16">
-                  <a:pos x="T4" y="T5"/>
-                </a:cxn>
-                <a:cxn ang="T17">
-                  <a:pos x="T6" y="T7"/>
-                </a:cxn>
-                <a:cxn ang="T18">
-                  <a:pos x="T8" y="T9"/>
-                </a:cxn>
-                <a:cxn ang="T19">
-                  <a:pos x="T10" y="T11"/>
-                </a:cxn>
-                <a:cxn ang="T20">
-                  <a:pos x="T12" y="T13"/>
-                </a:cxn>
-              </a:cxnLst>
-              <a:rect l="T21" t="T22" r="T23" b="T24"/>
-              <a:pathLst>
-                <a:path w="56" h="264">
-                  <a:moveTo>
-                    <a:pt x="0" y="3"/>
-                  </a:moveTo>
-                  <a:lnTo>
-                    <a:pt x="0" y="264"/>
-                  </a:lnTo>
-                  <a:lnTo>
-                    <a:pt x="21" y="264"/>
-                  </a:lnTo>
-                  <a:lnTo>
-                    <a:pt x="56" y="200"/>
-                  </a:lnTo>
-                  <a:lnTo>
-                    <a:pt x="56" y="23"/>
-                  </a:lnTo>
-                  <a:lnTo>
-                    <a:pt x="21" y="0"/>
-                  </a:lnTo>
-                  <a:lnTo>
-                    <a:pt x="0" y="3"/>
-                  </a:lnTo>
-                  <a:close/>
-                </a:path>
-              </a:pathLst>
-            </a:custGeom>
-            <a:solidFill>
-              <a:schemeClr val="tx1"/>
-            </a:solidFill>
-            <a:ln w="0">
-              <a:solidFill>
-                <a:schemeClr val="tx1"/>
-              </a:solidFill>
-              <a:round/>
-              <a:headEnd/>
-              <a:tailEnd/>
-            </a:ln>
-          </p:spPr>
-          <p:txBody>
-            <a:bodyPr/>
-            <a:lstStyle/>
-            <a:p>
-              <a:endParaRPr lang="en-US"/>
-            </a:p>
-          </p:txBody>
-        </p:sp>
-      </p:grpSp>
-      <p:grpSp>
-        <p:nvGrpSpPr>
           <p:cNvPr id="25714" name="Group 44">
             <a:extLst>
               <a:ext uri="{FF2B5EF4-FFF2-40B4-BE49-F238E27FC236}">
@@ -13707,800 +11967,6 @@
             </p:txBody>
           </p:sp>
         </p:grpSp>
-      </p:grpSp>
-      <p:grpSp>
-        <p:nvGrpSpPr>
-          <p:cNvPr id="25721" name="Group 278">
-            <a:extLst>
-              <a:ext uri="{FF2B5EF4-FFF2-40B4-BE49-F238E27FC236}">
-                <a16:creationId xmlns:a16="http://schemas.microsoft.com/office/drawing/2014/main" id="{635846B9-4A2F-C4EC-6D9D-5A285909FB75}"/>
-              </a:ext>
-            </a:extLst>
-          </p:cNvPr>
-          <p:cNvGrpSpPr>
-            <a:grpSpLocks/>
-          </p:cNvGrpSpPr>
-          <p:nvPr/>
-        </p:nvGrpSpPr>
-        <p:grpSpPr bwMode="auto">
-          <a:xfrm>
-            <a:off x="5666485" y="2699600"/>
-            <a:ext cx="287338" cy="787400"/>
-            <a:chOff x="2208" y="240"/>
-            <a:chExt cx="181" cy="496"/>
-          </a:xfrm>
-        </p:grpSpPr>
-        <p:sp>
-          <p:nvSpPr>
-            <p:cNvPr id="25722" name="Line 279">
-              <a:extLst>
-                <a:ext uri="{FF2B5EF4-FFF2-40B4-BE49-F238E27FC236}">
-                  <a16:creationId xmlns:a16="http://schemas.microsoft.com/office/drawing/2014/main" id="{F4D9C476-A528-DCDA-8939-F9293BB8B87B}"/>
-                </a:ext>
-              </a:extLst>
-            </p:cNvPr>
-            <p:cNvSpPr>
-              <a:spLocks noChangeShapeType="1"/>
-            </p:cNvSpPr>
-            <p:nvPr/>
-          </p:nvSpPr>
-          <p:spPr bwMode="auto">
-            <a:xfrm>
-              <a:off x="2218" y="484"/>
-              <a:ext cx="0" cy="252"/>
-            </a:xfrm>
-            <a:prstGeom prst="line">
-              <a:avLst/>
-            </a:prstGeom>
-            <a:noFill/>
-            <a:ln w="28575">
-              <a:solidFill>
-                <a:schemeClr val="tx1"/>
-              </a:solidFill>
-              <a:round/>
-              <a:headEnd/>
-              <a:tailEnd/>
-            </a:ln>
-          </p:spPr>
-          <p:txBody>
-            <a:bodyPr wrap="none" anchor="ctr"/>
-            <a:lstStyle/>
-            <a:p>
-              <a:endParaRPr lang="en-US"/>
-            </a:p>
-          </p:txBody>
-        </p:sp>
-        <p:sp>
-          <p:nvSpPr>
-            <p:cNvPr id="25723" name="Line 280">
-              <a:extLst>
-                <a:ext uri="{FF2B5EF4-FFF2-40B4-BE49-F238E27FC236}">
-                  <a16:creationId xmlns:a16="http://schemas.microsoft.com/office/drawing/2014/main" id="{BD9BA929-5E3D-D4DA-E805-DB0D65956A63}"/>
-                </a:ext>
-              </a:extLst>
-            </p:cNvPr>
-            <p:cNvSpPr>
-              <a:spLocks noChangeShapeType="1"/>
-            </p:cNvSpPr>
-            <p:nvPr/>
-          </p:nvSpPr>
-          <p:spPr bwMode="auto">
-            <a:xfrm>
-              <a:off x="2381" y="484"/>
-              <a:ext cx="0" cy="252"/>
-            </a:xfrm>
-            <a:prstGeom prst="line">
-              <a:avLst/>
-            </a:prstGeom>
-            <a:noFill/>
-            <a:ln w="28575">
-              <a:solidFill>
-                <a:schemeClr val="tx1"/>
-              </a:solidFill>
-              <a:round/>
-              <a:headEnd/>
-              <a:tailEnd/>
-            </a:ln>
-          </p:spPr>
-          <p:txBody>
-            <a:bodyPr wrap="none" anchor="ctr"/>
-            <a:lstStyle/>
-            <a:p>
-              <a:endParaRPr lang="en-US"/>
-            </a:p>
-          </p:txBody>
-        </p:sp>
-        <p:sp>
-          <p:nvSpPr>
-            <p:cNvPr id="25724" name="Freeform 281">
-              <a:extLst>
-                <a:ext uri="{FF2B5EF4-FFF2-40B4-BE49-F238E27FC236}">
-                  <a16:creationId xmlns:a16="http://schemas.microsoft.com/office/drawing/2014/main" id="{F8F76146-40BB-B489-D404-D2D44284D8AB}"/>
-                </a:ext>
-              </a:extLst>
-            </p:cNvPr>
-            <p:cNvSpPr>
-              <a:spLocks/>
-            </p:cNvSpPr>
-            <p:nvPr/>
-          </p:nvSpPr>
-          <p:spPr bwMode="auto">
-            <a:xfrm>
-              <a:off x="2208" y="240"/>
-              <a:ext cx="181" cy="331"/>
-            </a:xfrm>
-            <a:custGeom>
-              <a:avLst/>
-              <a:gdLst>
-                <a:gd name="T0" fmla="*/ 89 w 277"/>
-                <a:gd name="T1" fmla="*/ 0 h 517"/>
-                <a:gd name="T2" fmla="*/ 191 w 277"/>
-                <a:gd name="T3" fmla="*/ 0 h 517"/>
-                <a:gd name="T4" fmla="*/ 191 w 277"/>
-                <a:gd name="T5" fmla="*/ 105 h 517"/>
-                <a:gd name="T6" fmla="*/ 225 w 277"/>
-                <a:gd name="T7" fmla="*/ 105 h 517"/>
-                <a:gd name="T8" fmla="*/ 276 w 277"/>
-                <a:gd name="T9" fmla="*/ 139 h 517"/>
-                <a:gd name="T10" fmla="*/ 276 w 277"/>
-                <a:gd name="T11" fmla="*/ 415 h 517"/>
-                <a:gd name="T12" fmla="*/ 225 w 277"/>
-                <a:gd name="T13" fmla="*/ 516 h 517"/>
-                <a:gd name="T14" fmla="*/ 51 w 277"/>
-                <a:gd name="T15" fmla="*/ 516 h 517"/>
-                <a:gd name="T16" fmla="*/ 0 w 277"/>
-                <a:gd name="T17" fmla="*/ 415 h 517"/>
-                <a:gd name="T18" fmla="*/ 0 w 277"/>
-                <a:gd name="T19" fmla="*/ 139 h 517"/>
-                <a:gd name="T20" fmla="*/ 51 w 277"/>
-                <a:gd name="T21" fmla="*/ 105 h 517"/>
-                <a:gd name="T22" fmla="*/ 89 w 277"/>
-                <a:gd name="T23" fmla="*/ 105 h 517"/>
-                <a:gd name="T24" fmla="*/ 89 w 277"/>
-                <a:gd name="T25" fmla="*/ 0 h 517"/>
-                <a:gd name="T26" fmla="*/ 0 60000 65536"/>
-                <a:gd name="T27" fmla="*/ 0 60000 65536"/>
-                <a:gd name="T28" fmla="*/ 0 60000 65536"/>
-                <a:gd name="T29" fmla="*/ 0 60000 65536"/>
-                <a:gd name="T30" fmla="*/ 0 60000 65536"/>
-                <a:gd name="T31" fmla="*/ 0 60000 65536"/>
-                <a:gd name="T32" fmla="*/ 0 60000 65536"/>
-                <a:gd name="T33" fmla="*/ 0 60000 65536"/>
-                <a:gd name="T34" fmla="*/ 0 60000 65536"/>
-                <a:gd name="T35" fmla="*/ 0 60000 65536"/>
-                <a:gd name="T36" fmla="*/ 0 60000 65536"/>
-                <a:gd name="T37" fmla="*/ 0 60000 65536"/>
-                <a:gd name="T38" fmla="*/ 0 60000 65536"/>
-                <a:gd name="T39" fmla="*/ 0 w 277"/>
-                <a:gd name="T40" fmla="*/ 0 h 517"/>
-                <a:gd name="T41" fmla="*/ 277 w 277"/>
-                <a:gd name="T42" fmla="*/ 517 h 517"/>
-              </a:gdLst>
-              <a:ahLst/>
-              <a:cxnLst>
-                <a:cxn ang="T26">
-                  <a:pos x="T0" y="T1"/>
-                </a:cxn>
-                <a:cxn ang="T27">
-                  <a:pos x="T2" y="T3"/>
-                </a:cxn>
-                <a:cxn ang="T28">
-                  <a:pos x="T4" y="T5"/>
-                </a:cxn>
-                <a:cxn ang="T29">
-                  <a:pos x="T6" y="T7"/>
-                </a:cxn>
-                <a:cxn ang="T30">
-                  <a:pos x="T8" y="T9"/>
-                </a:cxn>
-                <a:cxn ang="T31">
-                  <a:pos x="T10" y="T11"/>
-                </a:cxn>
-                <a:cxn ang="T32">
-                  <a:pos x="T12" y="T13"/>
-                </a:cxn>
-                <a:cxn ang="T33">
-                  <a:pos x="T14" y="T15"/>
-                </a:cxn>
-                <a:cxn ang="T34">
-                  <a:pos x="T16" y="T17"/>
-                </a:cxn>
-                <a:cxn ang="T35">
-                  <a:pos x="T18" y="T19"/>
-                </a:cxn>
-                <a:cxn ang="T36">
-                  <a:pos x="T20" y="T21"/>
-                </a:cxn>
-                <a:cxn ang="T37">
-                  <a:pos x="T22" y="T23"/>
-                </a:cxn>
-                <a:cxn ang="T38">
-                  <a:pos x="T24" y="T25"/>
-                </a:cxn>
-              </a:cxnLst>
-              <a:rect l="T39" t="T40" r="T41" b="T42"/>
-              <a:pathLst>
-                <a:path w="277" h="517">
-                  <a:moveTo>
-                    <a:pt x="89" y="0"/>
-                  </a:moveTo>
-                  <a:lnTo>
-                    <a:pt x="191" y="0"/>
-                  </a:lnTo>
-                  <a:lnTo>
-                    <a:pt x="191" y="105"/>
-                  </a:lnTo>
-                  <a:lnTo>
-                    <a:pt x="225" y="105"/>
-                  </a:lnTo>
-                  <a:lnTo>
-                    <a:pt x="276" y="139"/>
-                  </a:lnTo>
-                  <a:lnTo>
-                    <a:pt x="276" y="415"/>
-                  </a:lnTo>
-                  <a:lnTo>
-                    <a:pt x="225" y="516"/>
-                  </a:lnTo>
-                  <a:lnTo>
-                    <a:pt x="51" y="516"/>
-                  </a:lnTo>
-                  <a:lnTo>
-                    <a:pt x="0" y="415"/>
-                  </a:lnTo>
-                  <a:lnTo>
-                    <a:pt x="0" y="139"/>
-                  </a:lnTo>
-                  <a:lnTo>
-                    <a:pt x="51" y="105"/>
-                  </a:lnTo>
-                  <a:lnTo>
-                    <a:pt x="89" y="105"/>
-                  </a:lnTo>
-                  <a:lnTo>
-                    <a:pt x="89" y="0"/>
-                  </a:lnTo>
-                </a:path>
-              </a:pathLst>
-            </a:custGeom>
-            <a:solidFill>
-              <a:srgbClr val="FFCC99"/>
-            </a:solidFill>
-            <a:ln w="12700" cap="rnd" cmpd="sng">
-              <a:solidFill>
-                <a:schemeClr val="tx1"/>
-              </a:solidFill>
-              <a:prstDash val="solid"/>
-              <a:round/>
-              <a:headEnd type="none" w="med" len="med"/>
-              <a:tailEnd type="none" w="med" len="med"/>
-            </a:ln>
-          </p:spPr>
-          <p:txBody>
-            <a:bodyPr/>
-            <a:lstStyle/>
-            <a:p>
-              <a:endParaRPr lang="en-US"/>
-            </a:p>
-          </p:txBody>
-        </p:sp>
-        <p:sp>
-          <p:nvSpPr>
-            <p:cNvPr id="25725" name="Freeform 282">
-              <a:extLst>
-                <a:ext uri="{FF2B5EF4-FFF2-40B4-BE49-F238E27FC236}">
-                  <a16:creationId xmlns:a16="http://schemas.microsoft.com/office/drawing/2014/main" id="{DFD1DC03-D67F-F9F8-4646-95301E628C16}"/>
-                </a:ext>
-              </a:extLst>
-            </p:cNvPr>
-            <p:cNvSpPr>
-              <a:spLocks/>
-            </p:cNvSpPr>
-            <p:nvPr/>
-          </p:nvSpPr>
-          <p:spPr bwMode="auto">
-            <a:xfrm flipH="1">
-              <a:off x="2211" y="306"/>
-              <a:ext cx="56" cy="262"/>
-            </a:xfrm>
-            <a:custGeom>
-              <a:avLst/>
-              <a:gdLst>
-                <a:gd name="T0" fmla="*/ 0 w 56"/>
-                <a:gd name="T1" fmla="*/ 3 h 264"/>
-                <a:gd name="T2" fmla="*/ 0 w 56"/>
-                <a:gd name="T3" fmla="*/ 264 h 264"/>
-                <a:gd name="T4" fmla="*/ 21 w 56"/>
-                <a:gd name="T5" fmla="*/ 264 h 264"/>
-                <a:gd name="T6" fmla="*/ 56 w 56"/>
-                <a:gd name="T7" fmla="*/ 200 h 264"/>
-                <a:gd name="T8" fmla="*/ 56 w 56"/>
-                <a:gd name="T9" fmla="*/ 23 h 264"/>
-                <a:gd name="T10" fmla="*/ 21 w 56"/>
-                <a:gd name="T11" fmla="*/ 0 h 264"/>
-                <a:gd name="T12" fmla="*/ 0 w 56"/>
-                <a:gd name="T13" fmla="*/ 3 h 264"/>
-                <a:gd name="T14" fmla="*/ 0 60000 65536"/>
-                <a:gd name="T15" fmla="*/ 0 60000 65536"/>
-                <a:gd name="T16" fmla="*/ 0 60000 65536"/>
-                <a:gd name="T17" fmla="*/ 0 60000 65536"/>
-                <a:gd name="T18" fmla="*/ 0 60000 65536"/>
-                <a:gd name="T19" fmla="*/ 0 60000 65536"/>
-                <a:gd name="T20" fmla="*/ 0 60000 65536"/>
-                <a:gd name="T21" fmla="*/ 0 w 56"/>
-                <a:gd name="T22" fmla="*/ 0 h 264"/>
-                <a:gd name="T23" fmla="*/ 56 w 56"/>
-                <a:gd name="T24" fmla="*/ 264 h 264"/>
-              </a:gdLst>
-              <a:ahLst/>
-              <a:cxnLst>
-                <a:cxn ang="T14">
-                  <a:pos x="T0" y="T1"/>
-                </a:cxn>
-                <a:cxn ang="T15">
-                  <a:pos x="T2" y="T3"/>
-                </a:cxn>
-                <a:cxn ang="T16">
-                  <a:pos x="T4" y="T5"/>
-                </a:cxn>
-                <a:cxn ang="T17">
-                  <a:pos x="T6" y="T7"/>
-                </a:cxn>
-                <a:cxn ang="T18">
-                  <a:pos x="T8" y="T9"/>
-                </a:cxn>
-                <a:cxn ang="T19">
-                  <a:pos x="T10" y="T11"/>
-                </a:cxn>
-                <a:cxn ang="T20">
-                  <a:pos x="T12" y="T13"/>
-                </a:cxn>
-              </a:cxnLst>
-              <a:rect l="T21" t="T22" r="T23" b="T24"/>
-              <a:pathLst>
-                <a:path w="56" h="264">
-                  <a:moveTo>
-                    <a:pt x="0" y="3"/>
-                  </a:moveTo>
-                  <a:lnTo>
-                    <a:pt x="0" y="264"/>
-                  </a:lnTo>
-                  <a:lnTo>
-                    <a:pt x="21" y="264"/>
-                  </a:lnTo>
-                  <a:lnTo>
-                    <a:pt x="56" y="200"/>
-                  </a:lnTo>
-                  <a:lnTo>
-                    <a:pt x="56" y="23"/>
-                  </a:lnTo>
-                  <a:lnTo>
-                    <a:pt x="21" y="0"/>
-                  </a:lnTo>
-                  <a:lnTo>
-                    <a:pt x="0" y="3"/>
-                  </a:lnTo>
-                  <a:close/>
-                </a:path>
-              </a:pathLst>
-            </a:custGeom>
-            <a:solidFill>
-              <a:schemeClr val="tx1"/>
-            </a:solidFill>
-            <a:ln w="0">
-              <a:solidFill>
-                <a:schemeClr val="tx1"/>
-              </a:solidFill>
-              <a:round/>
-              <a:headEnd/>
-              <a:tailEnd/>
-            </a:ln>
-          </p:spPr>
-          <p:txBody>
-            <a:bodyPr/>
-            <a:lstStyle/>
-            <a:p>
-              <a:endParaRPr lang="en-US"/>
-            </a:p>
-          </p:txBody>
-        </p:sp>
-      </p:grpSp>
-      <p:grpSp>
-        <p:nvGrpSpPr>
-          <p:cNvPr id="25726" name="Group 283">
-            <a:extLst>
-              <a:ext uri="{FF2B5EF4-FFF2-40B4-BE49-F238E27FC236}">
-                <a16:creationId xmlns:a16="http://schemas.microsoft.com/office/drawing/2014/main" id="{CE240EC5-6664-9962-DB93-1D4825D066D1}"/>
-              </a:ext>
-            </a:extLst>
-          </p:cNvPr>
-          <p:cNvGrpSpPr>
-            <a:grpSpLocks/>
-          </p:cNvGrpSpPr>
-          <p:nvPr/>
-        </p:nvGrpSpPr>
-        <p:grpSpPr bwMode="auto">
-          <a:xfrm flipH="1">
-            <a:off x="4858957" y="2702061"/>
-            <a:ext cx="287338" cy="787400"/>
-            <a:chOff x="2208" y="240"/>
-            <a:chExt cx="181" cy="496"/>
-          </a:xfrm>
-        </p:grpSpPr>
-        <p:sp>
-          <p:nvSpPr>
-            <p:cNvPr id="25727" name="Line 284">
-              <a:extLst>
-                <a:ext uri="{FF2B5EF4-FFF2-40B4-BE49-F238E27FC236}">
-                  <a16:creationId xmlns:a16="http://schemas.microsoft.com/office/drawing/2014/main" id="{FEA50302-C570-3E0C-16F1-D1188FEEE7F8}"/>
-                </a:ext>
-              </a:extLst>
-            </p:cNvPr>
-            <p:cNvSpPr>
-              <a:spLocks noChangeShapeType="1"/>
-            </p:cNvSpPr>
-            <p:nvPr/>
-          </p:nvSpPr>
-          <p:spPr bwMode="auto">
-            <a:xfrm>
-              <a:off x="2218" y="484"/>
-              <a:ext cx="0" cy="252"/>
-            </a:xfrm>
-            <a:prstGeom prst="line">
-              <a:avLst/>
-            </a:prstGeom>
-            <a:noFill/>
-            <a:ln w="28575">
-              <a:solidFill>
-                <a:schemeClr val="tx1"/>
-              </a:solidFill>
-              <a:round/>
-              <a:headEnd/>
-              <a:tailEnd/>
-            </a:ln>
-          </p:spPr>
-          <p:txBody>
-            <a:bodyPr wrap="none" anchor="ctr"/>
-            <a:lstStyle/>
-            <a:p>
-              <a:endParaRPr lang="en-US"/>
-            </a:p>
-          </p:txBody>
-        </p:sp>
-        <p:sp>
-          <p:nvSpPr>
-            <p:cNvPr id="25728" name="Line 285">
-              <a:extLst>
-                <a:ext uri="{FF2B5EF4-FFF2-40B4-BE49-F238E27FC236}">
-                  <a16:creationId xmlns:a16="http://schemas.microsoft.com/office/drawing/2014/main" id="{70DD3459-8942-5592-BB8C-D22DD3042F3C}"/>
-                </a:ext>
-              </a:extLst>
-            </p:cNvPr>
-            <p:cNvSpPr>
-              <a:spLocks noChangeShapeType="1"/>
-            </p:cNvSpPr>
-            <p:nvPr/>
-          </p:nvSpPr>
-          <p:spPr bwMode="auto">
-            <a:xfrm>
-              <a:off x="2381" y="484"/>
-              <a:ext cx="0" cy="252"/>
-            </a:xfrm>
-            <a:prstGeom prst="line">
-              <a:avLst/>
-            </a:prstGeom>
-            <a:noFill/>
-            <a:ln w="28575">
-              <a:solidFill>
-                <a:schemeClr val="tx1"/>
-              </a:solidFill>
-              <a:round/>
-              <a:headEnd/>
-              <a:tailEnd/>
-            </a:ln>
-          </p:spPr>
-          <p:txBody>
-            <a:bodyPr wrap="none" anchor="ctr"/>
-            <a:lstStyle/>
-            <a:p>
-              <a:endParaRPr lang="en-US"/>
-            </a:p>
-          </p:txBody>
-        </p:sp>
-        <p:sp>
-          <p:nvSpPr>
-            <p:cNvPr id="25729" name="Freeform 286">
-              <a:extLst>
-                <a:ext uri="{FF2B5EF4-FFF2-40B4-BE49-F238E27FC236}">
-                  <a16:creationId xmlns:a16="http://schemas.microsoft.com/office/drawing/2014/main" id="{0DF8725A-5109-5B17-899B-EE8346C96ADC}"/>
-                </a:ext>
-              </a:extLst>
-            </p:cNvPr>
-            <p:cNvSpPr>
-              <a:spLocks/>
-            </p:cNvSpPr>
-            <p:nvPr/>
-          </p:nvSpPr>
-          <p:spPr bwMode="auto">
-            <a:xfrm>
-              <a:off x="2208" y="240"/>
-              <a:ext cx="181" cy="331"/>
-            </a:xfrm>
-            <a:custGeom>
-              <a:avLst/>
-              <a:gdLst>
-                <a:gd name="T0" fmla="*/ 89 w 277"/>
-                <a:gd name="T1" fmla="*/ 0 h 517"/>
-                <a:gd name="T2" fmla="*/ 191 w 277"/>
-                <a:gd name="T3" fmla="*/ 0 h 517"/>
-                <a:gd name="T4" fmla="*/ 191 w 277"/>
-                <a:gd name="T5" fmla="*/ 105 h 517"/>
-                <a:gd name="T6" fmla="*/ 225 w 277"/>
-                <a:gd name="T7" fmla="*/ 105 h 517"/>
-                <a:gd name="T8" fmla="*/ 276 w 277"/>
-                <a:gd name="T9" fmla="*/ 139 h 517"/>
-                <a:gd name="T10" fmla="*/ 276 w 277"/>
-                <a:gd name="T11" fmla="*/ 415 h 517"/>
-                <a:gd name="T12" fmla="*/ 225 w 277"/>
-                <a:gd name="T13" fmla="*/ 516 h 517"/>
-                <a:gd name="T14" fmla="*/ 51 w 277"/>
-                <a:gd name="T15" fmla="*/ 516 h 517"/>
-                <a:gd name="T16" fmla="*/ 0 w 277"/>
-                <a:gd name="T17" fmla="*/ 415 h 517"/>
-                <a:gd name="T18" fmla="*/ 0 w 277"/>
-                <a:gd name="T19" fmla="*/ 139 h 517"/>
-                <a:gd name="T20" fmla="*/ 51 w 277"/>
-                <a:gd name="T21" fmla="*/ 105 h 517"/>
-                <a:gd name="T22" fmla="*/ 89 w 277"/>
-                <a:gd name="T23" fmla="*/ 105 h 517"/>
-                <a:gd name="T24" fmla="*/ 89 w 277"/>
-                <a:gd name="T25" fmla="*/ 0 h 517"/>
-                <a:gd name="T26" fmla="*/ 0 60000 65536"/>
-                <a:gd name="T27" fmla="*/ 0 60000 65536"/>
-                <a:gd name="T28" fmla="*/ 0 60000 65536"/>
-                <a:gd name="T29" fmla="*/ 0 60000 65536"/>
-                <a:gd name="T30" fmla="*/ 0 60000 65536"/>
-                <a:gd name="T31" fmla="*/ 0 60000 65536"/>
-                <a:gd name="T32" fmla="*/ 0 60000 65536"/>
-                <a:gd name="T33" fmla="*/ 0 60000 65536"/>
-                <a:gd name="T34" fmla="*/ 0 60000 65536"/>
-                <a:gd name="T35" fmla="*/ 0 60000 65536"/>
-                <a:gd name="T36" fmla="*/ 0 60000 65536"/>
-                <a:gd name="T37" fmla="*/ 0 60000 65536"/>
-                <a:gd name="T38" fmla="*/ 0 60000 65536"/>
-                <a:gd name="T39" fmla="*/ 0 w 277"/>
-                <a:gd name="T40" fmla="*/ 0 h 517"/>
-                <a:gd name="T41" fmla="*/ 277 w 277"/>
-                <a:gd name="T42" fmla="*/ 517 h 517"/>
-              </a:gdLst>
-              <a:ahLst/>
-              <a:cxnLst>
-                <a:cxn ang="T26">
-                  <a:pos x="T0" y="T1"/>
-                </a:cxn>
-                <a:cxn ang="T27">
-                  <a:pos x="T2" y="T3"/>
-                </a:cxn>
-                <a:cxn ang="T28">
-                  <a:pos x="T4" y="T5"/>
-                </a:cxn>
-                <a:cxn ang="T29">
-                  <a:pos x="T6" y="T7"/>
-                </a:cxn>
-                <a:cxn ang="T30">
-                  <a:pos x="T8" y="T9"/>
-                </a:cxn>
-                <a:cxn ang="T31">
-                  <a:pos x="T10" y="T11"/>
-                </a:cxn>
-                <a:cxn ang="T32">
-                  <a:pos x="T12" y="T13"/>
-                </a:cxn>
-                <a:cxn ang="T33">
-                  <a:pos x="T14" y="T15"/>
-                </a:cxn>
-                <a:cxn ang="T34">
-                  <a:pos x="T16" y="T17"/>
-                </a:cxn>
-                <a:cxn ang="T35">
-                  <a:pos x="T18" y="T19"/>
-                </a:cxn>
-                <a:cxn ang="T36">
-                  <a:pos x="T20" y="T21"/>
-                </a:cxn>
-                <a:cxn ang="T37">
-                  <a:pos x="T22" y="T23"/>
-                </a:cxn>
-                <a:cxn ang="T38">
-                  <a:pos x="T24" y="T25"/>
-                </a:cxn>
-              </a:cxnLst>
-              <a:rect l="T39" t="T40" r="T41" b="T42"/>
-              <a:pathLst>
-                <a:path w="277" h="517">
-                  <a:moveTo>
-                    <a:pt x="89" y="0"/>
-                  </a:moveTo>
-                  <a:lnTo>
-                    <a:pt x="191" y="0"/>
-                  </a:lnTo>
-                  <a:lnTo>
-                    <a:pt x="191" y="105"/>
-                  </a:lnTo>
-                  <a:lnTo>
-                    <a:pt x="225" y="105"/>
-                  </a:lnTo>
-                  <a:lnTo>
-                    <a:pt x="276" y="139"/>
-                  </a:lnTo>
-                  <a:lnTo>
-                    <a:pt x="276" y="415"/>
-                  </a:lnTo>
-                  <a:lnTo>
-                    <a:pt x="225" y="516"/>
-                  </a:lnTo>
-                  <a:lnTo>
-                    <a:pt x="51" y="516"/>
-                  </a:lnTo>
-                  <a:lnTo>
-                    <a:pt x="0" y="415"/>
-                  </a:lnTo>
-                  <a:lnTo>
-                    <a:pt x="0" y="139"/>
-                  </a:lnTo>
-                  <a:lnTo>
-                    <a:pt x="51" y="105"/>
-                  </a:lnTo>
-                  <a:lnTo>
-                    <a:pt x="89" y="105"/>
-                  </a:lnTo>
-                  <a:lnTo>
-                    <a:pt x="89" y="0"/>
-                  </a:lnTo>
-                </a:path>
-              </a:pathLst>
-            </a:custGeom>
-            <a:solidFill>
-              <a:srgbClr val="FFCC99"/>
-            </a:solidFill>
-            <a:ln w="12700" cap="rnd" cmpd="sng">
-              <a:solidFill>
-                <a:schemeClr val="tx1"/>
-              </a:solidFill>
-              <a:prstDash val="solid"/>
-              <a:round/>
-              <a:headEnd type="none" w="med" len="med"/>
-              <a:tailEnd type="none" w="med" len="med"/>
-            </a:ln>
-          </p:spPr>
-          <p:txBody>
-            <a:bodyPr/>
-            <a:lstStyle/>
-            <a:p>
-              <a:endParaRPr lang="en-US"/>
-            </a:p>
-          </p:txBody>
-        </p:sp>
-        <p:sp>
-          <p:nvSpPr>
-            <p:cNvPr id="25730" name="Freeform 287">
-              <a:extLst>
-                <a:ext uri="{FF2B5EF4-FFF2-40B4-BE49-F238E27FC236}">
-                  <a16:creationId xmlns:a16="http://schemas.microsoft.com/office/drawing/2014/main" id="{6566F832-B3C6-70C2-638A-839E998EEBFA}"/>
-                </a:ext>
-              </a:extLst>
-            </p:cNvPr>
-            <p:cNvSpPr>
-              <a:spLocks/>
-            </p:cNvSpPr>
-            <p:nvPr/>
-          </p:nvSpPr>
-          <p:spPr bwMode="auto">
-            <a:xfrm flipH="1">
-              <a:off x="2211" y="306"/>
-              <a:ext cx="56" cy="262"/>
-            </a:xfrm>
-            <a:custGeom>
-              <a:avLst/>
-              <a:gdLst>
-                <a:gd name="T0" fmla="*/ 0 w 56"/>
-                <a:gd name="T1" fmla="*/ 3 h 264"/>
-                <a:gd name="T2" fmla="*/ 0 w 56"/>
-                <a:gd name="T3" fmla="*/ 264 h 264"/>
-                <a:gd name="T4" fmla="*/ 21 w 56"/>
-                <a:gd name="T5" fmla="*/ 264 h 264"/>
-                <a:gd name="T6" fmla="*/ 56 w 56"/>
-                <a:gd name="T7" fmla="*/ 200 h 264"/>
-                <a:gd name="T8" fmla="*/ 56 w 56"/>
-                <a:gd name="T9" fmla="*/ 23 h 264"/>
-                <a:gd name="T10" fmla="*/ 21 w 56"/>
-                <a:gd name="T11" fmla="*/ 0 h 264"/>
-                <a:gd name="T12" fmla="*/ 0 w 56"/>
-                <a:gd name="T13" fmla="*/ 3 h 264"/>
-                <a:gd name="T14" fmla="*/ 0 60000 65536"/>
-                <a:gd name="T15" fmla="*/ 0 60000 65536"/>
-                <a:gd name="T16" fmla="*/ 0 60000 65536"/>
-                <a:gd name="T17" fmla="*/ 0 60000 65536"/>
-                <a:gd name="T18" fmla="*/ 0 60000 65536"/>
-                <a:gd name="T19" fmla="*/ 0 60000 65536"/>
-                <a:gd name="T20" fmla="*/ 0 60000 65536"/>
-                <a:gd name="T21" fmla="*/ 0 w 56"/>
-                <a:gd name="T22" fmla="*/ 0 h 264"/>
-                <a:gd name="T23" fmla="*/ 56 w 56"/>
-                <a:gd name="T24" fmla="*/ 264 h 264"/>
-              </a:gdLst>
-              <a:ahLst/>
-              <a:cxnLst>
-                <a:cxn ang="T14">
-                  <a:pos x="T0" y="T1"/>
-                </a:cxn>
-                <a:cxn ang="T15">
-                  <a:pos x="T2" y="T3"/>
-                </a:cxn>
-                <a:cxn ang="T16">
-                  <a:pos x="T4" y="T5"/>
-                </a:cxn>
-                <a:cxn ang="T17">
-                  <a:pos x="T6" y="T7"/>
-                </a:cxn>
-                <a:cxn ang="T18">
-                  <a:pos x="T8" y="T9"/>
-                </a:cxn>
-                <a:cxn ang="T19">
-                  <a:pos x="T10" y="T11"/>
-                </a:cxn>
-                <a:cxn ang="T20">
-                  <a:pos x="T12" y="T13"/>
-                </a:cxn>
-              </a:cxnLst>
-              <a:rect l="T21" t="T22" r="T23" b="T24"/>
-              <a:pathLst>
-                <a:path w="56" h="264">
-                  <a:moveTo>
-                    <a:pt x="0" y="3"/>
-                  </a:moveTo>
-                  <a:lnTo>
-                    <a:pt x="0" y="264"/>
-                  </a:lnTo>
-                  <a:lnTo>
-                    <a:pt x="21" y="264"/>
-                  </a:lnTo>
-                  <a:lnTo>
-                    <a:pt x="56" y="200"/>
-                  </a:lnTo>
-                  <a:lnTo>
-                    <a:pt x="56" y="23"/>
-                  </a:lnTo>
-                  <a:lnTo>
-                    <a:pt x="21" y="0"/>
-                  </a:lnTo>
-                  <a:lnTo>
-                    <a:pt x="0" y="3"/>
-                  </a:lnTo>
-                  <a:close/>
-                </a:path>
-              </a:pathLst>
-            </a:custGeom>
-            <a:solidFill>
-              <a:schemeClr val="tx1"/>
-            </a:solidFill>
-            <a:ln w="0">
-              <a:solidFill>
-                <a:schemeClr val="tx1"/>
-              </a:solidFill>
-              <a:round/>
-              <a:headEnd/>
-              <a:tailEnd/>
-            </a:ln>
-          </p:spPr>
-          <p:txBody>
-            <a:bodyPr/>
-            <a:lstStyle/>
-            <a:p>
-              <a:endParaRPr lang="en-US"/>
-            </a:p>
-          </p:txBody>
-        </p:sp>
       </p:grpSp>
       <p:grpSp>
         <p:nvGrpSpPr>
@@ -16113,7 +13579,7 @@
         </p:nvSpPr>
         <p:spPr>
           <a:xfrm>
-            <a:off x="78100" y="8805958"/>
+            <a:off x="99124" y="8677858"/>
             <a:ext cx="6622737" cy="707886"/>
           </a:xfrm>
           <a:prstGeom prst="rect">
@@ -16129,32 +13595,2100 @@
           <a:p>
             <a:r>
               <a:rPr lang="en-US" sz="1000" dirty="0"/>
-              <a:t>Setup Note: </a:t>
+              <a:t>Setup Note: (14 target stands)</a:t>
             </a:r>
             <a:br>
               <a:rPr lang="en-US" sz="1000" dirty="0"/>
             </a:br>
             <a:r>
               <a:rPr lang="en-US" sz="1000" dirty="0"/>
-              <a:t>1) V shaped shooting area should force movement</a:t>
+              <a:t>1) No Shoots in center area should force movement to engage 4 center targets</a:t>
             </a:r>
             <a:br>
               <a:rPr lang="en-US" sz="1000" dirty="0"/>
             </a:br>
             <a:r>
               <a:rPr lang="en-US" sz="1000" dirty="0"/>
-              <a:t>2) Barrels should be 7-10 yards from target</a:t>
+              <a:t>2) Middle shooting area should be 10 yards from target</a:t>
             </a:r>
             <a:br>
               <a:rPr lang="en-US" sz="1000" dirty="0"/>
             </a:br>
             <a:r>
               <a:rPr lang="en-US" sz="1000" dirty="0"/>
-              <a:t>3) Long shots should be 15-20 yards.</a:t>
+              <a:t>3) Long head shots should be 15-20 yards.</a:t>
             </a:r>
           </a:p>
         </p:txBody>
       </p:sp>
+      <p:grpSp>
+        <p:nvGrpSpPr>
+          <p:cNvPr id="25635" name="Group 29">
+            <a:extLst>
+              <a:ext uri="{FF2B5EF4-FFF2-40B4-BE49-F238E27FC236}">
+                <a16:creationId xmlns:a16="http://schemas.microsoft.com/office/drawing/2014/main" id="{685B6389-AB4D-D3AF-A15D-17D322D31233}"/>
+              </a:ext>
+            </a:extLst>
+          </p:cNvPr>
+          <p:cNvGrpSpPr>
+            <a:grpSpLocks/>
+          </p:cNvGrpSpPr>
+          <p:nvPr/>
+        </p:nvGrpSpPr>
+        <p:grpSpPr bwMode="auto">
+          <a:xfrm>
+            <a:off x="1106605" y="2697283"/>
+            <a:ext cx="287338" cy="790575"/>
+            <a:chOff x="528" y="240"/>
+            <a:chExt cx="181" cy="498"/>
+          </a:xfrm>
+        </p:grpSpPr>
+        <p:sp>
+          <p:nvSpPr>
+            <p:cNvPr id="25636" name="Line 30">
+              <a:extLst>
+                <a:ext uri="{FF2B5EF4-FFF2-40B4-BE49-F238E27FC236}">
+                  <a16:creationId xmlns:a16="http://schemas.microsoft.com/office/drawing/2014/main" id="{9566BF48-56FE-C2B3-F4EA-72C4C235E51D}"/>
+                </a:ext>
+              </a:extLst>
+            </p:cNvPr>
+            <p:cNvSpPr>
+              <a:spLocks noChangeShapeType="1"/>
+            </p:cNvSpPr>
+            <p:nvPr/>
+          </p:nvSpPr>
+          <p:spPr bwMode="auto">
+            <a:xfrm>
+              <a:off x="535" y="485"/>
+              <a:ext cx="0" cy="253"/>
+            </a:xfrm>
+            <a:prstGeom prst="line">
+              <a:avLst/>
+            </a:prstGeom>
+            <a:noFill/>
+            <a:ln w="28575">
+              <a:solidFill>
+                <a:schemeClr val="tx1"/>
+              </a:solidFill>
+              <a:round/>
+              <a:headEnd/>
+              <a:tailEnd/>
+            </a:ln>
+          </p:spPr>
+          <p:txBody>
+            <a:bodyPr wrap="none" anchor="ctr"/>
+            <a:lstStyle/>
+            <a:p>
+              <a:endParaRPr lang="en-US"/>
+            </a:p>
+          </p:txBody>
+        </p:sp>
+        <p:sp>
+          <p:nvSpPr>
+            <p:cNvPr id="25637" name="Line 31">
+              <a:extLst>
+                <a:ext uri="{FF2B5EF4-FFF2-40B4-BE49-F238E27FC236}">
+                  <a16:creationId xmlns:a16="http://schemas.microsoft.com/office/drawing/2014/main" id="{51937009-05E8-973E-F709-DC1209FCAD29}"/>
+                </a:ext>
+              </a:extLst>
+            </p:cNvPr>
+            <p:cNvSpPr>
+              <a:spLocks noChangeShapeType="1"/>
+            </p:cNvSpPr>
+            <p:nvPr/>
+          </p:nvSpPr>
+          <p:spPr bwMode="auto">
+            <a:xfrm>
+              <a:off x="701" y="485"/>
+              <a:ext cx="0" cy="253"/>
+            </a:xfrm>
+            <a:prstGeom prst="line">
+              <a:avLst/>
+            </a:prstGeom>
+            <a:noFill/>
+            <a:ln w="28575">
+              <a:solidFill>
+                <a:schemeClr val="tx1"/>
+              </a:solidFill>
+              <a:round/>
+              <a:headEnd/>
+              <a:tailEnd/>
+            </a:ln>
+          </p:spPr>
+          <p:txBody>
+            <a:bodyPr wrap="none" anchor="ctr"/>
+            <a:lstStyle/>
+            <a:p>
+              <a:endParaRPr lang="en-US"/>
+            </a:p>
+          </p:txBody>
+        </p:sp>
+        <p:sp>
+          <p:nvSpPr>
+            <p:cNvPr id="25638" name="Freeform 32">
+              <a:extLst>
+                <a:ext uri="{FF2B5EF4-FFF2-40B4-BE49-F238E27FC236}">
+                  <a16:creationId xmlns:a16="http://schemas.microsoft.com/office/drawing/2014/main" id="{70969A2F-BCA4-22DA-073B-6EC55331F70E}"/>
+                </a:ext>
+              </a:extLst>
+            </p:cNvPr>
+            <p:cNvSpPr>
+              <a:spLocks/>
+            </p:cNvSpPr>
+            <p:nvPr/>
+          </p:nvSpPr>
+          <p:spPr bwMode="auto">
+            <a:xfrm>
+              <a:off x="528" y="240"/>
+              <a:ext cx="181" cy="332"/>
+            </a:xfrm>
+            <a:custGeom>
+              <a:avLst/>
+              <a:gdLst>
+                <a:gd name="T0" fmla="*/ 89 w 277"/>
+                <a:gd name="T1" fmla="*/ 0 h 517"/>
+                <a:gd name="T2" fmla="*/ 191 w 277"/>
+                <a:gd name="T3" fmla="*/ 0 h 517"/>
+                <a:gd name="T4" fmla="*/ 191 w 277"/>
+                <a:gd name="T5" fmla="*/ 105 h 517"/>
+                <a:gd name="T6" fmla="*/ 225 w 277"/>
+                <a:gd name="T7" fmla="*/ 105 h 517"/>
+                <a:gd name="T8" fmla="*/ 276 w 277"/>
+                <a:gd name="T9" fmla="*/ 139 h 517"/>
+                <a:gd name="T10" fmla="*/ 276 w 277"/>
+                <a:gd name="T11" fmla="*/ 415 h 517"/>
+                <a:gd name="T12" fmla="*/ 225 w 277"/>
+                <a:gd name="T13" fmla="*/ 516 h 517"/>
+                <a:gd name="T14" fmla="*/ 51 w 277"/>
+                <a:gd name="T15" fmla="*/ 516 h 517"/>
+                <a:gd name="T16" fmla="*/ 0 w 277"/>
+                <a:gd name="T17" fmla="*/ 415 h 517"/>
+                <a:gd name="T18" fmla="*/ 0 w 277"/>
+                <a:gd name="T19" fmla="*/ 139 h 517"/>
+                <a:gd name="T20" fmla="*/ 51 w 277"/>
+                <a:gd name="T21" fmla="*/ 105 h 517"/>
+                <a:gd name="T22" fmla="*/ 89 w 277"/>
+                <a:gd name="T23" fmla="*/ 105 h 517"/>
+                <a:gd name="T24" fmla="*/ 89 w 277"/>
+                <a:gd name="T25" fmla="*/ 0 h 517"/>
+                <a:gd name="T26" fmla="*/ 0 60000 65536"/>
+                <a:gd name="T27" fmla="*/ 0 60000 65536"/>
+                <a:gd name="T28" fmla="*/ 0 60000 65536"/>
+                <a:gd name="T29" fmla="*/ 0 60000 65536"/>
+                <a:gd name="T30" fmla="*/ 0 60000 65536"/>
+                <a:gd name="T31" fmla="*/ 0 60000 65536"/>
+                <a:gd name="T32" fmla="*/ 0 60000 65536"/>
+                <a:gd name="T33" fmla="*/ 0 60000 65536"/>
+                <a:gd name="T34" fmla="*/ 0 60000 65536"/>
+                <a:gd name="T35" fmla="*/ 0 60000 65536"/>
+                <a:gd name="T36" fmla="*/ 0 60000 65536"/>
+                <a:gd name="T37" fmla="*/ 0 60000 65536"/>
+                <a:gd name="T38" fmla="*/ 0 60000 65536"/>
+                <a:gd name="T39" fmla="*/ 0 w 277"/>
+                <a:gd name="T40" fmla="*/ 0 h 517"/>
+                <a:gd name="T41" fmla="*/ 277 w 277"/>
+                <a:gd name="T42" fmla="*/ 517 h 517"/>
+              </a:gdLst>
+              <a:ahLst/>
+              <a:cxnLst>
+                <a:cxn ang="T26">
+                  <a:pos x="T0" y="T1"/>
+                </a:cxn>
+                <a:cxn ang="T27">
+                  <a:pos x="T2" y="T3"/>
+                </a:cxn>
+                <a:cxn ang="T28">
+                  <a:pos x="T4" y="T5"/>
+                </a:cxn>
+                <a:cxn ang="T29">
+                  <a:pos x="T6" y="T7"/>
+                </a:cxn>
+                <a:cxn ang="T30">
+                  <a:pos x="T8" y="T9"/>
+                </a:cxn>
+                <a:cxn ang="T31">
+                  <a:pos x="T10" y="T11"/>
+                </a:cxn>
+                <a:cxn ang="T32">
+                  <a:pos x="T12" y="T13"/>
+                </a:cxn>
+                <a:cxn ang="T33">
+                  <a:pos x="T14" y="T15"/>
+                </a:cxn>
+                <a:cxn ang="T34">
+                  <a:pos x="T16" y="T17"/>
+                </a:cxn>
+                <a:cxn ang="T35">
+                  <a:pos x="T18" y="T19"/>
+                </a:cxn>
+                <a:cxn ang="T36">
+                  <a:pos x="T20" y="T21"/>
+                </a:cxn>
+                <a:cxn ang="T37">
+                  <a:pos x="T22" y="T23"/>
+                </a:cxn>
+                <a:cxn ang="T38">
+                  <a:pos x="T24" y="T25"/>
+                </a:cxn>
+              </a:cxnLst>
+              <a:rect l="T39" t="T40" r="T41" b="T42"/>
+              <a:pathLst>
+                <a:path w="277" h="517">
+                  <a:moveTo>
+                    <a:pt x="89" y="0"/>
+                  </a:moveTo>
+                  <a:lnTo>
+                    <a:pt x="191" y="0"/>
+                  </a:lnTo>
+                  <a:lnTo>
+                    <a:pt x="191" y="105"/>
+                  </a:lnTo>
+                  <a:lnTo>
+                    <a:pt x="225" y="105"/>
+                  </a:lnTo>
+                  <a:lnTo>
+                    <a:pt x="276" y="139"/>
+                  </a:lnTo>
+                  <a:lnTo>
+                    <a:pt x="276" y="415"/>
+                  </a:lnTo>
+                  <a:lnTo>
+                    <a:pt x="225" y="516"/>
+                  </a:lnTo>
+                  <a:lnTo>
+                    <a:pt x="51" y="516"/>
+                  </a:lnTo>
+                  <a:lnTo>
+                    <a:pt x="0" y="415"/>
+                  </a:lnTo>
+                  <a:lnTo>
+                    <a:pt x="0" y="139"/>
+                  </a:lnTo>
+                  <a:lnTo>
+                    <a:pt x="51" y="105"/>
+                  </a:lnTo>
+                  <a:lnTo>
+                    <a:pt x="89" y="105"/>
+                  </a:lnTo>
+                  <a:lnTo>
+                    <a:pt x="89" y="0"/>
+                  </a:lnTo>
+                </a:path>
+              </a:pathLst>
+            </a:custGeom>
+            <a:solidFill>
+              <a:srgbClr val="FFCC99"/>
+            </a:solidFill>
+            <a:ln w="12700" cap="rnd" cmpd="sng">
+              <a:solidFill>
+                <a:schemeClr val="tx1"/>
+              </a:solidFill>
+              <a:prstDash val="solid"/>
+              <a:round/>
+              <a:headEnd type="none" w="med" len="med"/>
+              <a:tailEnd type="none" w="med" len="med"/>
+            </a:ln>
+          </p:spPr>
+          <p:txBody>
+            <a:bodyPr/>
+            <a:lstStyle/>
+            <a:p>
+              <a:endParaRPr lang="en-US"/>
+            </a:p>
+          </p:txBody>
+        </p:sp>
+      </p:grpSp>
+      <p:grpSp>
+        <p:nvGrpSpPr>
+          <p:cNvPr id="25639" name="Group 29">
+            <a:extLst>
+              <a:ext uri="{FF2B5EF4-FFF2-40B4-BE49-F238E27FC236}">
+                <a16:creationId xmlns:a16="http://schemas.microsoft.com/office/drawing/2014/main" id="{769B4A5C-CB16-8D2F-2DC4-418A4741A026}"/>
+              </a:ext>
+            </a:extLst>
+          </p:cNvPr>
+          <p:cNvGrpSpPr>
+            <a:grpSpLocks/>
+          </p:cNvGrpSpPr>
+          <p:nvPr/>
+        </p:nvGrpSpPr>
+        <p:grpSpPr bwMode="auto">
+          <a:xfrm>
+            <a:off x="1901828" y="2697283"/>
+            <a:ext cx="287338" cy="790575"/>
+            <a:chOff x="528" y="240"/>
+            <a:chExt cx="181" cy="498"/>
+          </a:xfrm>
+        </p:grpSpPr>
+        <p:sp>
+          <p:nvSpPr>
+            <p:cNvPr id="74" name="Line 30">
+              <a:extLst>
+                <a:ext uri="{FF2B5EF4-FFF2-40B4-BE49-F238E27FC236}">
+                  <a16:creationId xmlns:a16="http://schemas.microsoft.com/office/drawing/2014/main" id="{367CBF0F-ECF9-9F61-91F4-A1FE6042481A}"/>
+                </a:ext>
+              </a:extLst>
+            </p:cNvPr>
+            <p:cNvSpPr>
+              <a:spLocks noChangeShapeType="1"/>
+            </p:cNvSpPr>
+            <p:nvPr/>
+          </p:nvSpPr>
+          <p:spPr bwMode="auto">
+            <a:xfrm>
+              <a:off x="535" y="485"/>
+              <a:ext cx="0" cy="253"/>
+            </a:xfrm>
+            <a:prstGeom prst="line">
+              <a:avLst/>
+            </a:prstGeom>
+            <a:noFill/>
+            <a:ln w="28575">
+              <a:solidFill>
+                <a:schemeClr val="tx1"/>
+              </a:solidFill>
+              <a:round/>
+              <a:headEnd/>
+              <a:tailEnd/>
+            </a:ln>
+          </p:spPr>
+          <p:txBody>
+            <a:bodyPr wrap="none" anchor="ctr"/>
+            <a:lstStyle/>
+            <a:p>
+              <a:endParaRPr lang="en-US"/>
+            </a:p>
+          </p:txBody>
+        </p:sp>
+        <p:sp>
+          <p:nvSpPr>
+            <p:cNvPr id="105" name="Line 31">
+              <a:extLst>
+                <a:ext uri="{FF2B5EF4-FFF2-40B4-BE49-F238E27FC236}">
+                  <a16:creationId xmlns:a16="http://schemas.microsoft.com/office/drawing/2014/main" id="{BBD29FD8-E2EF-9438-B30D-D20A15D15645}"/>
+                </a:ext>
+              </a:extLst>
+            </p:cNvPr>
+            <p:cNvSpPr>
+              <a:spLocks noChangeShapeType="1"/>
+            </p:cNvSpPr>
+            <p:nvPr/>
+          </p:nvSpPr>
+          <p:spPr bwMode="auto">
+            <a:xfrm>
+              <a:off x="701" y="485"/>
+              <a:ext cx="0" cy="253"/>
+            </a:xfrm>
+            <a:prstGeom prst="line">
+              <a:avLst/>
+            </a:prstGeom>
+            <a:noFill/>
+            <a:ln w="28575">
+              <a:solidFill>
+                <a:schemeClr val="tx1"/>
+              </a:solidFill>
+              <a:round/>
+              <a:headEnd/>
+              <a:tailEnd/>
+            </a:ln>
+          </p:spPr>
+          <p:txBody>
+            <a:bodyPr wrap="none" anchor="ctr"/>
+            <a:lstStyle/>
+            <a:p>
+              <a:endParaRPr lang="en-US"/>
+            </a:p>
+          </p:txBody>
+        </p:sp>
+        <p:sp>
+          <p:nvSpPr>
+            <p:cNvPr id="106" name="Freeform 32">
+              <a:extLst>
+                <a:ext uri="{FF2B5EF4-FFF2-40B4-BE49-F238E27FC236}">
+                  <a16:creationId xmlns:a16="http://schemas.microsoft.com/office/drawing/2014/main" id="{A076377D-D57C-CD7F-DE71-4DDE4A9D097C}"/>
+                </a:ext>
+              </a:extLst>
+            </p:cNvPr>
+            <p:cNvSpPr>
+              <a:spLocks/>
+            </p:cNvSpPr>
+            <p:nvPr/>
+          </p:nvSpPr>
+          <p:spPr bwMode="auto">
+            <a:xfrm>
+              <a:off x="528" y="240"/>
+              <a:ext cx="181" cy="332"/>
+            </a:xfrm>
+            <a:custGeom>
+              <a:avLst/>
+              <a:gdLst>
+                <a:gd name="T0" fmla="*/ 89 w 277"/>
+                <a:gd name="T1" fmla="*/ 0 h 517"/>
+                <a:gd name="T2" fmla="*/ 191 w 277"/>
+                <a:gd name="T3" fmla="*/ 0 h 517"/>
+                <a:gd name="T4" fmla="*/ 191 w 277"/>
+                <a:gd name="T5" fmla="*/ 105 h 517"/>
+                <a:gd name="T6" fmla="*/ 225 w 277"/>
+                <a:gd name="T7" fmla="*/ 105 h 517"/>
+                <a:gd name="T8" fmla="*/ 276 w 277"/>
+                <a:gd name="T9" fmla="*/ 139 h 517"/>
+                <a:gd name="T10" fmla="*/ 276 w 277"/>
+                <a:gd name="T11" fmla="*/ 415 h 517"/>
+                <a:gd name="T12" fmla="*/ 225 w 277"/>
+                <a:gd name="T13" fmla="*/ 516 h 517"/>
+                <a:gd name="T14" fmla="*/ 51 w 277"/>
+                <a:gd name="T15" fmla="*/ 516 h 517"/>
+                <a:gd name="T16" fmla="*/ 0 w 277"/>
+                <a:gd name="T17" fmla="*/ 415 h 517"/>
+                <a:gd name="T18" fmla="*/ 0 w 277"/>
+                <a:gd name="T19" fmla="*/ 139 h 517"/>
+                <a:gd name="T20" fmla="*/ 51 w 277"/>
+                <a:gd name="T21" fmla="*/ 105 h 517"/>
+                <a:gd name="T22" fmla="*/ 89 w 277"/>
+                <a:gd name="T23" fmla="*/ 105 h 517"/>
+                <a:gd name="T24" fmla="*/ 89 w 277"/>
+                <a:gd name="T25" fmla="*/ 0 h 517"/>
+                <a:gd name="T26" fmla="*/ 0 60000 65536"/>
+                <a:gd name="T27" fmla="*/ 0 60000 65536"/>
+                <a:gd name="T28" fmla="*/ 0 60000 65536"/>
+                <a:gd name="T29" fmla="*/ 0 60000 65536"/>
+                <a:gd name="T30" fmla="*/ 0 60000 65536"/>
+                <a:gd name="T31" fmla="*/ 0 60000 65536"/>
+                <a:gd name="T32" fmla="*/ 0 60000 65536"/>
+                <a:gd name="T33" fmla="*/ 0 60000 65536"/>
+                <a:gd name="T34" fmla="*/ 0 60000 65536"/>
+                <a:gd name="T35" fmla="*/ 0 60000 65536"/>
+                <a:gd name="T36" fmla="*/ 0 60000 65536"/>
+                <a:gd name="T37" fmla="*/ 0 60000 65536"/>
+                <a:gd name="T38" fmla="*/ 0 60000 65536"/>
+                <a:gd name="T39" fmla="*/ 0 w 277"/>
+                <a:gd name="T40" fmla="*/ 0 h 517"/>
+                <a:gd name="T41" fmla="*/ 277 w 277"/>
+                <a:gd name="T42" fmla="*/ 517 h 517"/>
+              </a:gdLst>
+              <a:ahLst/>
+              <a:cxnLst>
+                <a:cxn ang="T26">
+                  <a:pos x="T0" y="T1"/>
+                </a:cxn>
+                <a:cxn ang="T27">
+                  <a:pos x="T2" y="T3"/>
+                </a:cxn>
+                <a:cxn ang="T28">
+                  <a:pos x="T4" y="T5"/>
+                </a:cxn>
+                <a:cxn ang="T29">
+                  <a:pos x="T6" y="T7"/>
+                </a:cxn>
+                <a:cxn ang="T30">
+                  <a:pos x="T8" y="T9"/>
+                </a:cxn>
+                <a:cxn ang="T31">
+                  <a:pos x="T10" y="T11"/>
+                </a:cxn>
+                <a:cxn ang="T32">
+                  <a:pos x="T12" y="T13"/>
+                </a:cxn>
+                <a:cxn ang="T33">
+                  <a:pos x="T14" y="T15"/>
+                </a:cxn>
+                <a:cxn ang="T34">
+                  <a:pos x="T16" y="T17"/>
+                </a:cxn>
+                <a:cxn ang="T35">
+                  <a:pos x="T18" y="T19"/>
+                </a:cxn>
+                <a:cxn ang="T36">
+                  <a:pos x="T20" y="T21"/>
+                </a:cxn>
+                <a:cxn ang="T37">
+                  <a:pos x="T22" y="T23"/>
+                </a:cxn>
+                <a:cxn ang="T38">
+                  <a:pos x="T24" y="T25"/>
+                </a:cxn>
+              </a:cxnLst>
+              <a:rect l="T39" t="T40" r="T41" b="T42"/>
+              <a:pathLst>
+                <a:path w="277" h="517">
+                  <a:moveTo>
+                    <a:pt x="89" y="0"/>
+                  </a:moveTo>
+                  <a:lnTo>
+                    <a:pt x="191" y="0"/>
+                  </a:lnTo>
+                  <a:lnTo>
+                    <a:pt x="191" y="105"/>
+                  </a:lnTo>
+                  <a:lnTo>
+                    <a:pt x="225" y="105"/>
+                  </a:lnTo>
+                  <a:lnTo>
+                    <a:pt x="276" y="139"/>
+                  </a:lnTo>
+                  <a:lnTo>
+                    <a:pt x="276" y="415"/>
+                  </a:lnTo>
+                  <a:lnTo>
+                    <a:pt x="225" y="516"/>
+                  </a:lnTo>
+                  <a:lnTo>
+                    <a:pt x="51" y="516"/>
+                  </a:lnTo>
+                  <a:lnTo>
+                    <a:pt x="0" y="415"/>
+                  </a:lnTo>
+                  <a:lnTo>
+                    <a:pt x="0" y="139"/>
+                  </a:lnTo>
+                  <a:lnTo>
+                    <a:pt x="51" y="105"/>
+                  </a:lnTo>
+                  <a:lnTo>
+                    <a:pt x="89" y="105"/>
+                  </a:lnTo>
+                  <a:lnTo>
+                    <a:pt x="89" y="0"/>
+                  </a:lnTo>
+                </a:path>
+              </a:pathLst>
+            </a:custGeom>
+            <a:solidFill>
+              <a:srgbClr val="FFCC99"/>
+            </a:solidFill>
+            <a:ln w="12700" cap="rnd" cmpd="sng">
+              <a:solidFill>
+                <a:schemeClr val="tx1"/>
+              </a:solidFill>
+              <a:prstDash val="solid"/>
+              <a:round/>
+              <a:headEnd type="none" w="med" len="med"/>
+              <a:tailEnd type="none" w="med" len="med"/>
+            </a:ln>
+          </p:spPr>
+          <p:txBody>
+            <a:bodyPr/>
+            <a:lstStyle/>
+            <a:p>
+              <a:endParaRPr lang="en-US"/>
+            </a:p>
+          </p:txBody>
+        </p:sp>
+      </p:grpSp>
+      <p:grpSp>
+        <p:nvGrpSpPr>
+          <p:cNvPr id="107" name="Group 29">
+            <a:extLst>
+              <a:ext uri="{FF2B5EF4-FFF2-40B4-BE49-F238E27FC236}">
+                <a16:creationId xmlns:a16="http://schemas.microsoft.com/office/drawing/2014/main" id="{9F7E896F-845E-260F-BC84-87A52AC611A0}"/>
+              </a:ext>
+            </a:extLst>
+          </p:cNvPr>
+          <p:cNvGrpSpPr>
+            <a:grpSpLocks/>
+          </p:cNvGrpSpPr>
+          <p:nvPr/>
+        </p:nvGrpSpPr>
+        <p:grpSpPr bwMode="auto">
+          <a:xfrm>
+            <a:off x="4840522" y="2706925"/>
+            <a:ext cx="287338" cy="790575"/>
+            <a:chOff x="528" y="240"/>
+            <a:chExt cx="181" cy="498"/>
+          </a:xfrm>
+        </p:grpSpPr>
+        <p:sp>
+          <p:nvSpPr>
+            <p:cNvPr id="108" name="Line 30">
+              <a:extLst>
+                <a:ext uri="{FF2B5EF4-FFF2-40B4-BE49-F238E27FC236}">
+                  <a16:creationId xmlns:a16="http://schemas.microsoft.com/office/drawing/2014/main" id="{227B9EFB-4FCC-5206-A79A-342105007577}"/>
+                </a:ext>
+              </a:extLst>
+            </p:cNvPr>
+            <p:cNvSpPr>
+              <a:spLocks noChangeShapeType="1"/>
+            </p:cNvSpPr>
+            <p:nvPr/>
+          </p:nvSpPr>
+          <p:spPr bwMode="auto">
+            <a:xfrm>
+              <a:off x="535" y="485"/>
+              <a:ext cx="0" cy="253"/>
+            </a:xfrm>
+            <a:prstGeom prst="line">
+              <a:avLst/>
+            </a:prstGeom>
+            <a:noFill/>
+            <a:ln w="28575">
+              <a:solidFill>
+                <a:schemeClr val="tx1"/>
+              </a:solidFill>
+              <a:round/>
+              <a:headEnd/>
+              <a:tailEnd/>
+            </a:ln>
+          </p:spPr>
+          <p:txBody>
+            <a:bodyPr wrap="none" anchor="ctr"/>
+            <a:lstStyle/>
+            <a:p>
+              <a:endParaRPr lang="en-US"/>
+            </a:p>
+          </p:txBody>
+        </p:sp>
+        <p:sp>
+          <p:nvSpPr>
+            <p:cNvPr id="109" name="Line 31">
+              <a:extLst>
+                <a:ext uri="{FF2B5EF4-FFF2-40B4-BE49-F238E27FC236}">
+                  <a16:creationId xmlns:a16="http://schemas.microsoft.com/office/drawing/2014/main" id="{D7417CB1-F1FE-FAD9-0E56-C727F16CF201}"/>
+                </a:ext>
+              </a:extLst>
+            </p:cNvPr>
+            <p:cNvSpPr>
+              <a:spLocks noChangeShapeType="1"/>
+            </p:cNvSpPr>
+            <p:nvPr/>
+          </p:nvSpPr>
+          <p:spPr bwMode="auto">
+            <a:xfrm>
+              <a:off x="701" y="485"/>
+              <a:ext cx="0" cy="253"/>
+            </a:xfrm>
+            <a:prstGeom prst="line">
+              <a:avLst/>
+            </a:prstGeom>
+            <a:noFill/>
+            <a:ln w="28575">
+              <a:solidFill>
+                <a:schemeClr val="tx1"/>
+              </a:solidFill>
+              <a:round/>
+              <a:headEnd/>
+              <a:tailEnd/>
+            </a:ln>
+          </p:spPr>
+          <p:txBody>
+            <a:bodyPr wrap="none" anchor="ctr"/>
+            <a:lstStyle/>
+            <a:p>
+              <a:endParaRPr lang="en-US"/>
+            </a:p>
+          </p:txBody>
+        </p:sp>
+        <p:sp>
+          <p:nvSpPr>
+            <p:cNvPr id="110" name="Freeform 32">
+              <a:extLst>
+                <a:ext uri="{FF2B5EF4-FFF2-40B4-BE49-F238E27FC236}">
+                  <a16:creationId xmlns:a16="http://schemas.microsoft.com/office/drawing/2014/main" id="{53C2AAC7-10AD-0206-7020-A878CBC5AB43}"/>
+                </a:ext>
+              </a:extLst>
+            </p:cNvPr>
+            <p:cNvSpPr>
+              <a:spLocks/>
+            </p:cNvSpPr>
+            <p:nvPr/>
+          </p:nvSpPr>
+          <p:spPr bwMode="auto">
+            <a:xfrm>
+              <a:off x="528" y="240"/>
+              <a:ext cx="181" cy="332"/>
+            </a:xfrm>
+            <a:custGeom>
+              <a:avLst/>
+              <a:gdLst>
+                <a:gd name="T0" fmla="*/ 89 w 277"/>
+                <a:gd name="T1" fmla="*/ 0 h 517"/>
+                <a:gd name="T2" fmla="*/ 191 w 277"/>
+                <a:gd name="T3" fmla="*/ 0 h 517"/>
+                <a:gd name="T4" fmla="*/ 191 w 277"/>
+                <a:gd name="T5" fmla="*/ 105 h 517"/>
+                <a:gd name="T6" fmla="*/ 225 w 277"/>
+                <a:gd name="T7" fmla="*/ 105 h 517"/>
+                <a:gd name="T8" fmla="*/ 276 w 277"/>
+                <a:gd name="T9" fmla="*/ 139 h 517"/>
+                <a:gd name="T10" fmla="*/ 276 w 277"/>
+                <a:gd name="T11" fmla="*/ 415 h 517"/>
+                <a:gd name="T12" fmla="*/ 225 w 277"/>
+                <a:gd name="T13" fmla="*/ 516 h 517"/>
+                <a:gd name="T14" fmla="*/ 51 w 277"/>
+                <a:gd name="T15" fmla="*/ 516 h 517"/>
+                <a:gd name="T16" fmla="*/ 0 w 277"/>
+                <a:gd name="T17" fmla="*/ 415 h 517"/>
+                <a:gd name="T18" fmla="*/ 0 w 277"/>
+                <a:gd name="T19" fmla="*/ 139 h 517"/>
+                <a:gd name="T20" fmla="*/ 51 w 277"/>
+                <a:gd name="T21" fmla="*/ 105 h 517"/>
+                <a:gd name="T22" fmla="*/ 89 w 277"/>
+                <a:gd name="T23" fmla="*/ 105 h 517"/>
+                <a:gd name="T24" fmla="*/ 89 w 277"/>
+                <a:gd name="T25" fmla="*/ 0 h 517"/>
+                <a:gd name="T26" fmla="*/ 0 60000 65536"/>
+                <a:gd name="T27" fmla="*/ 0 60000 65536"/>
+                <a:gd name="T28" fmla="*/ 0 60000 65536"/>
+                <a:gd name="T29" fmla="*/ 0 60000 65536"/>
+                <a:gd name="T30" fmla="*/ 0 60000 65536"/>
+                <a:gd name="T31" fmla="*/ 0 60000 65536"/>
+                <a:gd name="T32" fmla="*/ 0 60000 65536"/>
+                <a:gd name="T33" fmla="*/ 0 60000 65536"/>
+                <a:gd name="T34" fmla="*/ 0 60000 65536"/>
+                <a:gd name="T35" fmla="*/ 0 60000 65536"/>
+                <a:gd name="T36" fmla="*/ 0 60000 65536"/>
+                <a:gd name="T37" fmla="*/ 0 60000 65536"/>
+                <a:gd name="T38" fmla="*/ 0 60000 65536"/>
+                <a:gd name="T39" fmla="*/ 0 w 277"/>
+                <a:gd name="T40" fmla="*/ 0 h 517"/>
+                <a:gd name="T41" fmla="*/ 277 w 277"/>
+                <a:gd name="T42" fmla="*/ 517 h 517"/>
+              </a:gdLst>
+              <a:ahLst/>
+              <a:cxnLst>
+                <a:cxn ang="T26">
+                  <a:pos x="T0" y="T1"/>
+                </a:cxn>
+                <a:cxn ang="T27">
+                  <a:pos x="T2" y="T3"/>
+                </a:cxn>
+                <a:cxn ang="T28">
+                  <a:pos x="T4" y="T5"/>
+                </a:cxn>
+                <a:cxn ang="T29">
+                  <a:pos x="T6" y="T7"/>
+                </a:cxn>
+                <a:cxn ang="T30">
+                  <a:pos x="T8" y="T9"/>
+                </a:cxn>
+                <a:cxn ang="T31">
+                  <a:pos x="T10" y="T11"/>
+                </a:cxn>
+                <a:cxn ang="T32">
+                  <a:pos x="T12" y="T13"/>
+                </a:cxn>
+                <a:cxn ang="T33">
+                  <a:pos x="T14" y="T15"/>
+                </a:cxn>
+                <a:cxn ang="T34">
+                  <a:pos x="T16" y="T17"/>
+                </a:cxn>
+                <a:cxn ang="T35">
+                  <a:pos x="T18" y="T19"/>
+                </a:cxn>
+                <a:cxn ang="T36">
+                  <a:pos x="T20" y="T21"/>
+                </a:cxn>
+                <a:cxn ang="T37">
+                  <a:pos x="T22" y="T23"/>
+                </a:cxn>
+                <a:cxn ang="T38">
+                  <a:pos x="T24" y="T25"/>
+                </a:cxn>
+              </a:cxnLst>
+              <a:rect l="T39" t="T40" r="T41" b="T42"/>
+              <a:pathLst>
+                <a:path w="277" h="517">
+                  <a:moveTo>
+                    <a:pt x="89" y="0"/>
+                  </a:moveTo>
+                  <a:lnTo>
+                    <a:pt x="191" y="0"/>
+                  </a:lnTo>
+                  <a:lnTo>
+                    <a:pt x="191" y="105"/>
+                  </a:lnTo>
+                  <a:lnTo>
+                    <a:pt x="225" y="105"/>
+                  </a:lnTo>
+                  <a:lnTo>
+                    <a:pt x="276" y="139"/>
+                  </a:lnTo>
+                  <a:lnTo>
+                    <a:pt x="276" y="415"/>
+                  </a:lnTo>
+                  <a:lnTo>
+                    <a:pt x="225" y="516"/>
+                  </a:lnTo>
+                  <a:lnTo>
+                    <a:pt x="51" y="516"/>
+                  </a:lnTo>
+                  <a:lnTo>
+                    <a:pt x="0" y="415"/>
+                  </a:lnTo>
+                  <a:lnTo>
+                    <a:pt x="0" y="139"/>
+                  </a:lnTo>
+                  <a:lnTo>
+                    <a:pt x="51" y="105"/>
+                  </a:lnTo>
+                  <a:lnTo>
+                    <a:pt x="89" y="105"/>
+                  </a:lnTo>
+                  <a:lnTo>
+                    <a:pt x="89" y="0"/>
+                  </a:lnTo>
+                </a:path>
+              </a:pathLst>
+            </a:custGeom>
+            <a:solidFill>
+              <a:srgbClr val="FFCC99"/>
+            </a:solidFill>
+            <a:ln w="12700" cap="rnd" cmpd="sng">
+              <a:solidFill>
+                <a:schemeClr val="tx1"/>
+              </a:solidFill>
+              <a:prstDash val="solid"/>
+              <a:round/>
+              <a:headEnd type="none" w="med" len="med"/>
+              <a:tailEnd type="none" w="med" len="med"/>
+            </a:ln>
+          </p:spPr>
+          <p:txBody>
+            <a:bodyPr/>
+            <a:lstStyle/>
+            <a:p>
+              <a:endParaRPr lang="en-US"/>
+            </a:p>
+          </p:txBody>
+        </p:sp>
+      </p:grpSp>
+      <p:cxnSp>
+        <p:nvCxnSpPr>
+          <p:cNvPr id="119" name="Straight Connector 118">
+            <a:extLst>
+              <a:ext uri="{FF2B5EF4-FFF2-40B4-BE49-F238E27FC236}">
+                <a16:creationId xmlns:a16="http://schemas.microsoft.com/office/drawing/2014/main" id="{C1339AB7-1180-0C40-9CF3-F76EF82B1C91}"/>
+              </a:ext>
+            </a:extLst>
+          </p:cNvPr>
+          <p:cNvCxnSpPr>
+            <a:cxnSpLocks/>
+          </p:cNvCxnSpPr>
+          <p:nvPr/>
+        </p:nvCxnSpPr>
+        <p:spPr>
+          <a:xfrm>
+            <a:off x="2665121" y="6219923"/>
+            <a:ext cx="2089496" cy="0"/>
+          </a:xfrm>
+          <a:prstGeom prst="line">
+            <a:avLst/>
+          </a:prstGeom>
+          <a:ln w="38100">
+            <a:solidFill>
+              <a:srgbClr val="C00000"/>
+            </a:solidFill>
+          </a:ln>
+        </p:spPr>
+        <p:style>
+          <a:lnRef idx="1">
+            <a:schemeClr val="accent1"/>
+          </a:lnRef>
+          <a:fillRef idx="0">
+            <a:schemeClr val="accent1"/>
+          </a:fillRef>
+          <a:effectRef idx="0">
+            <a:schemeClr val="accent1"/>
+          </a:effectRef>
+          <a:fontRef idx="minor">
+            <a:schemeClr val="tx1"/>
+          </a:fontRef>
+        </p:style>
+      </p:cxnSp>
+      <p:cxnSp>
+        <p:nvCxnSpPr>
+          <p:cNvPr id="123" name="Straight Connector 122">
+            <a:extLst>
+              <a:ext uri="{FF2B5EF4-FFF2-40B4-BE49-F238E27FC236}">
+                <a16:creationId xmlns:a16="http://schemas.microsoft.com/office/drawing/2014/main" id="{0DC208D7-B28E-9D20-BA2C-83A814648349}"/>
+              </a:ext>
+            </a:extLst>
+          </p:cNvPr>
+          <p:cNvCxnSpPr>
+            <a:cxnSpLocks/>
+          </p:cNvCxnSpPr>
+          <p:nvPr/>
+        </p:nvCxnSpPr>
+        <p:spPr>
+          <a:xfrm flipV="1">
+            <a:off x="25086" y="6223808"/>
+            <a:ext cx="2636314" cy="1217779"/>
+          </a:xfrm>
+          <a:prstGeom prst="line">
+            <a:avLst/>
+          </a:prstGeom>
+          <a:ln w="38100">
+            <a:solidFill>
+              <a:srgbClr val="C00000"/>
+            </a:solidFill>
+          </a:ln>
+        </p:spPr>
+        <p:style>
+          <a:lnRef idx="1">
+            <a:schemeClr val="accent1"/>
+          </a:lnRef>
+          <a:fillRef idx="0">
+            <a:schemeClr val="accent1"/>
+          </a:fillRef>
+          <a:effectRef idx="0">
+            <a:schemeClr val="accent1"/>
+          </a:effectRef>
+          <a:fontRef idx="minor">
+            <a:schemeClr val="tx1"/>
+          </a:fontRef>
+        </p:style>
+      </p:cxnSp>
+      <p:cxnSp>
+        <p:nvCxnSpPr>
+          <p:cNvPr id="124" name="Straight Connector 123">
+            <a:extLst>
+              <a:ext uri="{FF2B5EF4-FFF2-40B4-BE49-F238E27FC236}">
+                <a16:creationId xmlns:a16="http://schemas.microsoft.com/office/drawing/2014/main" id="{47ACE6F9-4D50-156B-84DE-593338163084}"/>
+              </a:ext>
+            </a:extLst>
+          </p:cNvPr>
+          <p:cNvCxnSpPr>
+            <a:cxnSpLocks/>
+          </p:cNvCxnSpPr>
+          <p:nvPr/>
+        </p:nvCxnSpPr>
+        <p:spPr>
+          <a:xfrm>
+            <a:off x="2657553" y="5193306"/>
+            <a:ext cx="2089496" cy="0"/>
+          </a:xfrm>
+          <a:prstGeom prst="line">
+            <a:avLst/>
+          </a:prstGeom>
+          <a:ln w="38100">
+            <a:solidFill>
+              <a:srgbClr val="C00000"/>
+            </a:solidFill>
+          </a:ln>
+        </p:spPr>
+        <p:style>
+          <a:lnRef idx="1">
+            <a:schemeClr val="accent1"/>
+          </a:lnRef>
+          <a:fillRef idx="0">
+            <a:schemeClr val="accent1"/>
+          </a:fillRef>
+          <a:effectRef idx="0">
+            <a:schemeClr val="accent1"/>
+          </a:effectRef>
+          <a:fontRef idx="minor">
+            <a:schemeClr val="tx1"/>
+          </a:fontRef>
+        </p:style>
+      </p:cxnSp>
+      <p:grpSp>
+        <p:nvGrpSpPr>
+          <p:cNvPr id="125" name="Group 29">
+            <a:extLst>
+              <a:ext uri="{FF2B5EF4-FFF2-40B4-BE49-F238E27FC236}">
+                <a16:creationId xmlns:a16="http://schemas.microsoft.com/office/drawing/2014/main" id="{4D7FC9CB-1494-BD8B-B232-ABC8D02BAF5A}"/>
+              </a:ext>
+            </a:extLst>
+          </p:cNvPr>
+          <p:cNvGrpSpPr>
+            <a:grpSpLocks/>
+          </p:cNvGrpSpPr>
+          <p:nvPr/>
+        </p:nvGrpSpPr>
+        <p:grpSpPr bwMode="auto">
+          <a:xfrm>
+            <a:off x="5661465" y="2706925"/>
+            <a:ext cx="287338" cy="790575"/>
+            <a:chOff x="528" y="240"/>
+            <a:chExt cx="181" cy="498"/>
+          </a:xfrm>
+        </p:grpSpPr>
+        <p:sp>
+          <p:nvSpPr>
+            <p:cNvPr id="126" name="Line 30">
+              <a:extLst>
+                <a:ext uri="{FF2B5EF4-FFF2-40B4-BE49-F238E27FC236}">
+                  <a16:creationId xmlns:a16="http://schemas.microsoft.com/office/drawing/2014/main" id="{1FA0E714-D541-38F5-02E7-650327568A1E}"/>
+                </a:ext>
+              </a:extLst>
+            </p:cNvPr>
+            <p:cNvSpPr>
+              <a:spLocks noChangeShapeType="1"/>
+            </p:cNvSpPr>
+            <p:nvPr/>
+          </p:nvSpPr>
+          <p:spPr bwMode="auto">
+            <a:xfrm>
+              <a:off x="535" y="485"/>
+              <a:ext cx="0" cy="253"/>
+            </a:xfrm>
+            <a:prstGeom prst="line">
+              <a:avLst/>
+            </a:prstGeom>
+            <a:noFill/>
+            <a:ln w="28575">
+              <a:solidFill>
+                <a:schemeClr val="tx1"/>
+              </a:solidFill>
+              <a:round/>
+              <a:headEnd/>
+              <a:tailEnd/>
+            </a:ln>
+          </p:spPr>
+          <p:txBody>
+            <a:bodyPr wrap="none" anchor="ctr"/>
+            <a:lstStyle/>
+            <a:p>
+              <a:endParaRPr lang="en-US"/>
+            </a:p>
+          </p:txBody>
+        </p:sp>
+        <p:sp>
+          <p:nvSpPr>
+            <p:cNvPr id="127" name="Line 31">
+              <a:extLst>
+                <a:ext uri="{FF2B5EF4-FFF2-40B4-BE49-F238E27FC236}">
+                  <a16:creationId xmlns:a16="http://schemas.microsoft.com/office/drawing/2014/main" id="{460040F3-293C-8D3A-259D-EC0EC2602544}"/>
+                </a:ext>
+              </a:extLst>
+            </p:cNvPr>
+            <p:cNvSpPr>
+              <a:spLocks noChangeShapeType="1"/>
+            </p:cNvSpPr>
+            <p:nvPr/>
+          </p:nvSpPr>
+          <p:spPr bwMode="auto">
+            <a:xfrm>
+              <a:off x="701" y="485"/>
+              <a:ext cx="0" cy="253"/>
+            </a:xfrm>
+            <a:prstGeom prst="line">
+              <a:avLst/>
+            </a:prstGeom>
+            <a:noFill/>
+            <a:ln w="28575">
+              <a:solidFill>
+                <a:schemeClr val="tx1"/>
+              </a:solidFill>
+              <a:round/>
+              <a:headEnd/>
+              <a:tailEnd/>
+            </a:ln>
+          </p:spPr>
+          <p:txBody>
+            <a:bodyPr wrap="none" anchor="ctr"/>
+            <a:lstStyle/>
+            <a:p>
+              <a:endParaRPr lang="en-US"/>
+            </a:p>
+          </p:txBody>
+        </p:sp>
+        <p:sp>
+          <p:nvSpPr>
+            <p:cNvPr id="128" name="Freeform 32">
+              <a:extLst>
+                <a:ext uri="{FF2B5EF4-FFF2-40B4-BE49-F238E27FC236}">
+                  <a16:creationId xmlns:a16="http://schemas.microsoft.com/office/drawing/2014/main" id="{853F0681-7544-BA6F-EBDB-B623A831ECFC}"/>
+                </a:ext>
+              </a:extLst>
+            </p:cNvPr>
+            <p:cNvSpPr>
+              <a:spLocks/>
+            </p:cNvSpPr>
+            <p:nvPr/>
+          </p:nvSpPr>
+          <p:spPr bwMode="auto">
+            <a:xfrm>
+              <a:off x="528" y="240"/>
+              <a:ext cx="181" cy="332"/>
+            </a:xfrm>
+            <a:custGeom>
+              <a:avLst/>
+              <a:gdLst>
+                <a:gd name="T0" fmla="*/ 89 w 277"/>
+                <a:gd name="T1" fmla="*/ 0 h 517"/>
+                <a:gd name="T2" fmla="*/ 191 w 277"/>
+                <a:gd name="T3" fmla="*/ 0 h 517"/>
+                <a:gd name="T4" fmla="*/ 191 w 277"/>
+                <a:gd name="T5" fmla="*/ 105 h 517"/>
+                <a:gd name="T6" fmla="*/ 225 w 277"/>
+                <a:gd name="T7" fmla="*/ 105 h 517"/>
+                <a:gd name="T8" fmla="*/ 276 w 277"/>
+                <a:gd name="T9" fmla="*/ 139 h 517"/>
+                <a:gd name="T10" fmla="*/ 276 w 277"/>
+                <a:gd name="T11" fmla="*/ 415 h 517"/>
+                <a:gd name="T12" fmla="*/ 225 w 277"/>
+                <a:gd name="T13" fmla="*/ 516 h 517"/>
+                <a:gd name="T14" fmla="*/ 51 w 277"/>
+                <a:gd name="T15" fmla="*/ 516 h 517"/>
+                <a:gd name="T16" fmla="*/ 0 w 277"/>
+                <a:gd name="T17" fmla="*/ 415 h 517"/>
+                <a:gd name="T18" fmla="*/ 0 w 277"/>
+                <a:gd name="T19" fmla="*/ 139 h 517"/>
+                <a:gd name="T20" fmla="*/ 51 w 277"/>
+                <a:gd name="T21" fmla="*/ 105 h 517"/>
+                <a:gd name="T22" fmla="*/ 89 w 277"/>
+                <a:gd name="T23" fmla="*/ 105 h 517"/>
+                <a:gd name="T24" fmla="*/ 89 w 277"/>
+                <a:gd name="T25" fmla="*/ 0 h 517"/>
+                <a:gd name="T26" fmla="*/ 0 60000 65536"/>
+                <a:gd name="T27" fmla="*/ 0 60000 65536"/>
+                <a:gd name="T28" fmla="*/ 0 60000 65536"/>
+                <a:gd name="T29" fmla="*/ 0 60000 65536"/>
+                <a:gd name="T30" fmla="*/ 0 60000 65536"/>
+                <a:gd name="T31" fmla="*/ 0 60000 65536"/>
+                <a:gd name="T32" fmla="*/ 0 60000 65536"/>
+                <a:gd name="T33" fmla="*/ 0 60000 65536"/>
+                <a:gd name="T34" fmla="*/ 0 60000 65536"/>
+                <a:gd name="T35" fmla="*/ 0 60000 65536"/>
+                <a:gd name="T36" fmla="*/ 0 60000 65536"/>
+                <a:gd name="T37" fmla="*/ 0 60000 65536"/>
+                <a:gd name="T38" fmla="*/ 0 60000 65536"/>
+                <a:gd name="T39" fmla="*/ 0 w 277"/>
+                <a:gd name="T40" fmla="*/ 0 h 517"/>
+                <a:gd name="T41" fmla="*/ 277 w 277"/>
+                <a:gd name="T42" fmla="*/ 517 h 517"/>
+              </a:gdLst>
+              <a:ahLst/>
+              <a:cxnLst>
+                <a:cxn ang="T26">
+                  <a:pos x="T0" y="T1"/>
+                </a:cxn>
+                <a:cxn ang="T27">
+                  <a:pos x="T2" y="T3"/>
+                </a:cxn>
+                <a:cxn ang="T28">
+                  <a:pos x="T4" y="T5"/>
+                </a:cxn>
+                <a:cxn ang="T29">
+                  <a:pos x="T6" y="T7"/>
+                </a:cxn>
+                <a:cxn ang="T30">
+                  <a:pos x="T8" y="T9"/>
+                </a:cxn>
+                <a:cxn ang="T31">
+                  <a:pos x="T10" y="T11"/>
+                </a:cxn>
+                <a:cxn ang="T32">
+                  <a:pos x="T12" y="T13"/>
+                </a:cxn>
+                <a:cxn ang="T33">
+                  <a:pos x="T14" y="T15"/>
+                </a:cxn>
+                <a:cxn ang="T34">
+                  <a:pos x="T16" y="T17"/>
+                </a:cxn>
+                <a:cxn ang="T35">
+                  <a:pos x="T18" y="T19"/>
+                </a:cxn>
+                <a:cxn ang="T36">
+                  <a:pos x="T20" y="T21"/>
+                </a:cxn>
+                <a:cxn ang="T37">
+                  <a:pos x="T22" y="T23"/>
+                </a:cxn>
+                <a:cxn ang="T38">
+                  <a:pos x="T24" y="T25"/>
+                </a:cxn>
+              </a:cxnLst>
+              <a:rect l="T39" t="T40" r="T41" b="T42"/>
+              <a:pathLst>
+                <a:path w="277" h="517">
+                  <a:moveTo>
+                    <a:pt x="89" y="0"/>
+                  </a:moveTo>
+                  <a:lnTo>
+                    <a:pt x="191" y="0"/>
+                  </a:lnTo>
+                  <a:lnTo>
+                    <a:pt x="191" y="105"/>
+                  </a:lnTo>
+                  <a:lnTo>
+                    <a:pt x="225" y="105"/>
+                  </a:lnTo>
+                  <a:lnTo>
+                    <a:pt x="276" y="139"/>
+                  </a:lnTo>
+                  <a:lnTo>
+                    <a:pt x="276" y="415"/>
+                  </a:lnTo>
+                  <a:lnTo>
+                    <a:pt x="225" y="516"/>
+                  </a:lnTo>
+                  <a:lnTo>
+                    <a:pt x="51" y="516"/>
+                  </a:lnTo>
+                  <a:lnTo>
+                    <a:pt x="0" y="415"/>
+                  </a:lnTo>
+                  <a:lnTo>
+                    <a:pt x="0" y="139"/>
+                  </a:lnTo>
+                  <a:lnTo>
+                    <a:pt x="51" y="105"/>
+                  </a:lnTo>
+                  <a:lnTo>
+                    <a:pt x="89" y="105"/>
+                  </a:lnTo>
+                  <a:lnTo>
+                    <a:pt x="89" y="0"/>
+                  </a:lnTo>
+                </a:path>
+              </a:pathLst>
+            </a:custGeom>
+            <a:solidFill>
+              <a:srgbClr val="FFCC99"/>
+            </a:solidFill>
+            <a:ln w="12700" cap="rnd" cmpd="sng">
+              <a:solidFill>
+                <a:schemeClr val="tx1"/>
+              </a:solidFill>
+              <a:prstDash val="solid"/>
+              <a:round/>
+              <a:headEnd type="none" w="med" len="med"/>
+              <a:tailEnd type="none" w="med" len="med"/>
+            </a:ln>
+          </p:spPr>
+          <p:txBody>
+            <a:bodyPr/>
+            <a:lstStyle/>
+            <a:p>
+              <a:endParaRPr lang="en-US"/>
+            </a:p>
+          </p:txBody>
+        </p:sp>
+      </p:grpSp>
+      <p:grpSp>
+        <p:nvGrpSpPr>
+          <p:cNvPr id="129" name="Group 29">
+            <a:extLst>
+              <a:ext uri="{FF2B5EF4-FFF2-40B4-BE49-F238E27FC236}">
+                <a16:creationId xmlns:a16="http://schemas.microsoft.com/office/drawing/2014/main" id="{76CC69B7-AC6D-F31B-6C1D-F94F03B2984F}"/>
+              </a:ext>
+            </a:extLst>
+          </p:cNvPr>
+          <p:cNvGrpSpPr>
+            <a:grpSpLocks/>
+          </p:cNvGrpSpPr>
+          <p:nvPr/>
+        </p:nvGrpSpPr>
+        <p:grpSpPr bwMode="auto">
+          <a:xfrm>
+            <a:off x="2801831" y="2884309"/>
+            <a:ext cx="287338" cy="790575"/>
+            <a:chOff x="528" y="240"/>
+            <a:chExt cx="181" cy="498"/>
+          </a:xfrm>
+        </p:grpSpPr>
+        <p:sp>
+          <p:nvSpPr>
+            <p:cNvPr id="130" name="Line 30">
+              <a:extLst>
+                <a:ext uri="{FF2B5EF4-FFF2-40B4-BE49-F238E27FC236}">
+                  <a16:creationId xmlns:a16="http://schemas.microsoft.com/office/drawing/2014/main" id="{E19DDDC1-F836-AD8C-2D72-655EEDFCFED9}"/>
+                </a:ext>
+              </a:extLst>
+            </p:cNvPr>
+            <p:cNvSpPr>
+              <a:spLocks noChangeShapeType="1"/>
+            </p:cNvSpPr>
+            <p:nvPr/>
+          </p:nvSpPr>
+          <p:spPr bwMode="auto">
+            <a:xfrm>
+              <a:off x="535" y="485"/>
+              <a:ext cx="0" cy="253"/>
+            </a:xfrm>
+            <a:prstGeom prst="line">
+              <a:avLst/>
+            </a:prstGeom>
+            <a:noFill/>
+            <a:ln w="28575">
+              <a:solidFill>
+                <a:schemeClr val="tx1"/>
+              </a:solidFill>
+              <a:round/>
+              <a:headEnd/>
+              <a:tailEnd/>
+            </a:ln>
+          </p:spPr>
+          <p:txBody>
+            <a:bodyPr wrap="none" anchor="ctr"/>
+            <a:lstStyle/>
+            <a:p>
+              <a:endParaRPr lang="en-US"/>
+            </a:p>
+          </p:txBody>
+        </p:sp>
+        <p:sp>
+          <p:nvSpPr>
+            <p:cNvPr id="131" name="Line 31">
+              <a:extLst>
+                <a:ext uri="{FF2B5EF4-FFF2-40B4-BE49-F238E27FC236}">
+                  <a16:creationId xmlns:a16="http://schemas.microsoft.com/office/drawing/2014/main" id="{A5F6FE04-A344-336F-6439-BC25CCD42D88}"/>
+                </a:ext>
+              </a:extLst>
+            </p:cNvPr>
+            <p:cNvSpPr>
+              <a:spLocks noChangeShapeType="1"/>
+            </p:cNvSpPr>
+            <p:nvPr/>
+          </p:nvSpPr>
+          <p:spPr bwMode="auto">
+            <a:xfrm>
+              <a:off x="701" y="485"/>
+              <a:ext cx="0" cy="253"/>
+            </a:xfrm>
+            <a:prstGeom prst="line">
+              <a:avLst/>
+            </a:prstGeom>
+            <a:noFill/>
+            <a:ln w="28575">
+              <a:solidFill>
+                <a:schemeClr val="tx1"/>
+              </a:solidFill>
+              <a:round/>
+              <a:headEnd/>
+              <a:tailEnd/>
+            </a:ln>
+          </p:spPr>
+          <p:txBody>
+            <a:bodyPr wrap="none" anchor="ctr"/>
+            <a:lstStyle/>
+            <a:p>
+              <a:endParaRPr lang="en-US"/>
+            </a:p>
+          </p:txBody>
+        </p:sp>
+        <p:sp>
+          <p:nvSpPr>
+            <p:cNvPr id="132" name="Freeform 32">
+              <a:extLst>
+                <a:ext uri="{FF2B5EF4-FFF2-40B4-BE49-F238E27FC236}">
+                  <a16:creationId xmlns:a16="http://schemas.microsoft.com/office/drawing/2014/main" id="{2AF9E723-A839-8739-43B8-2BD6D2AEBA4F}"/>
+                </a:ext>
+              </a:extLst>
+            </p:cNvPr>
+            <p:cNvSpPr>
+              <a:spLocks/>
+            </p:cNvSpPr>
+            <p:nvPr/>
+          </p:nvSpPr>
+          <p:spPr bwMode="auto">
+            <a:xfrm>
+              <a:off x="528" y="240"/>
+              <a:ext cx="181" cy="332"/>
+            </a:xfrm>
+            <a:custGeom>
+              <a:avLst/>
+              <a:gdLst>
+                <a:gd name="T0" fmla="*/ 89 w 277"/>
+                <a:gd name="T1" fmla="*/ 0 h 517"/>
+                <a:gd name="T2" fmla="*/ 191 w 277"/>
+                <a:gd name="T3" fmla="*/ 0 h 517"/>
+                <a:gd name="T4" fmla="*/ 191 w 277"/>
+                <a:gd name="T5" fmla="*/ 105 h 517"/>
+                <a:gd name="T6" fmla="*/ 225 w 277"/>
+                <a:gd name="T7" fmla="*/ 105 h 517"/>
+                <a:gd name="T8" fmla="*/ 276 w 277"/>
+                <a:gd name="T9" fmla="*/ 139 h 517"/>
+                <a:gd name="T10" fmla="*/ 276 w 277"/>
+                <a:gd name="T11" fmla="*/ 415 h 517"/>
+                <a:gd name="T12" fmla="*/ 225 w 277"/>
+                <a:gd name="T13" fmla="*/ 516 h 517"/>
+                <a:gd name="T14" fmla="*/ 51 w 277"/>
+                <a:gd name="T15" fmla="*/ 516 h 517"/>
+                <a:gd name="T16" fmla="*/ 0 w 277"/>
+                <a:gd name="T17" fmla="*/ 415 h 517"/>
+                <a:gd name="T18" fmla="*/ 0 w 277"/>
+                <a:gd name="T19" fmla="*/ 139 h 517"/>
+                <a:gd name="T20" fmla="*/ 51 w 277"/>
+                <a:gd name="T21" fmla="*/ 105 h 517"/>
+                <a:gd name="T22" fmla="*/ 89 w 277"/>
+                <a:gd name="T23" fmla="*/ 105 h 517"/>
+                <a:gd name="T24" fmla="*/ 89 w 277"/>
+                <a:gd name="T25" fmla="*/ 0 h 517"/>
+                <a:gd name="T26" fmla="*/ 0 60000 65536"/>
+                <a:gd name="T27" fmla="*/ 0 60000 65536"/>
+                <a:gd name="T28" fmla="*/ 0 60000 65536"/>
+                <a:gd name="T29" fmla="*/ 0 60000 65536"/>
+                <a:gd name="T30" fmla="*/ 0 60000 65536"/>
+                <a:gd name="T31" fmla="*/ 0 60000 65536"/>
+                <a:gd name="T32" fmla="*/ 0 60000 65536"/>
+                <a:gd name="T33" fmla="*/ 0 60000 65536"/>
+                <a:gd name="T34" fmla="*/ 0 60000 65536"/>
+                <a:gd name="T35" fmla="*/ 0 60000 65536"/>
+                <a:gd name="T36" fmla="*/ 0 60000 65536"/>
+                <a:gd name="T37" fmla="*/ 0 60000 65536"/>
+                <a:gd name="T38" fmla="*/ 0 60000 65536"/>
+                <a:gd name="T39" fmla="*/ 0 w 277"/>
+                <a:gd name="T40" fmla="*/ 0 h 517"/>
+                <a:gd name="T41" fmla="*/ 277 w 277"/>
+                <a:gd name="T42" fmla="*/ 517 h 517"/>
+              </a:gdLst>
+              <a:ahLst/>
+              <a:cxnLst>
+                <a:cxn ang="T26">
+                  <a:pos x="T0" y="T1"/>
+                </a:cxn>
+                <a:cxn ang="T27">
+                  <a:pos x="T2" y="T3"/>
+                </a:cxn>
+                <a:cxn ang="T28">
+                  <a:pos x="T4" y="T5"/>
+                </a:cxn>
+                <a:cxn ang="T29">
+                  <a:pos x="T6" y="T7"/>
+                </a:cxn>
+                <a:cxn ang="T30">
+                  <a:pos x="T8" y="T9"/>
+                </a:cxn>
+                <a:cxn ang="T31">
+                  <a:pos x="T10" y="T11"/>
+                </a:cxn>
+                <a:cxn ang="T32">
+                  <a:pos x="T12" y="T13"/>
+                </a:cxn>
+                <a:cxn ang="T33">
+                  <a:pos x="T14" y="T15"/>
+                </a:cxn>
+                <a:cxn ang="T34">
+                  <a:pos x="T16" y="T17"/>
+                </a:cxn>
+                <a:cxn ang="T35">
+                  <a:pos x="T18" y="T19"/>
+                </a:cxn>
+                <a:cxn ang="T36">
+                  <a:pos x="T20" y="T21"/>
+                </a:cxn>
+                <a:cxn ang="T37">
+                  <a:pos x="T22" y="T23"/>
+                </a:cxn>
+                <a:cxn ang="T38">
+                  <a:pos x="T24" y="T25"/>
+                </a:cxn>
+              </a:cxnLst>
+              <a:rect l="T39" t="T40" r="T41" b="T42"/>
+              <a:pathLst>
+                <a:path w="277" h="517">
+                  <a:moveTo>
+                    <a:pt x="89" y="0"/>
+                  </a:moveTo>
+                  <a:lnTo>
+                    <a:pt x="191" y="0"/>
+                  </a:lnTo>
+                  <a:lnTo>
+                    <a:pt x="191" y="105"/>
+                  </a:lnTo>
+                  <a:lnTo>
+                    <a:pt x="225" y="105"/>
+                  </a:lnTo>
+                  <a:lnTo>
+                    <a:pt x="276" y="139"/>
+                  </a:lnTo>
+                  <a:lnTo>
+                    <a:pt x="276" y="415"/>
+                  </a:lnTo>
+                  <a:lnTo>
+                    <a:pt x="225" y="516"/>
+                  </a:lnTo>
+                  <a:lnTo>
+                    <a:pt x="51" y="516"/>
+                  </a:lnTo>
+                  <a:lnTo>
+                    <a:pt x="0" y="415"/>
+                  </a:lnTo>
+                  <a:lnTo>
+                    <a:pt x="0" y="139"/>
+                  </a:lnTo>
+                  <a:lnTo>
+                    <a:pt x="51" y="105"/>
+                  </a:lnTo>
+                  <a:lnTo>
+                    <a:pt x="89" y="105"/>
+                  </a:lnTo>
+                  <a:lnTo>
+                    <a:pt x="89" y="0"/>
+                  </a:lnTo>
+                </a:path>
+              </a:pathLst>
+            </a:custGeom>
+            <a:solidFill>
+              <a:srgbClr val="FFCC99"/>
+            </a:solidFill>
+            <a:ln w="12700" cap="rnd" cmpd="sng">
+              <a:solidFill>
+                <a:schemeClr val="tx1"/>
+              </a:solidFill>
+              <a:prstDash val="solid"/>
+              <a:round/>
+              <a:headEnd type="none" w="med" len="med"/>
+              <a:tailEnd type="none" w="med" len="med"/>
+            </a:ln>
+          </p:spPr>
+          <p:txBody>
+            <a:bodyPr/>
+            <a:lstStyle/>
+            <a:p>
+              <a:endParaRPr lang="en-US"/>
+            </a:p>
+          </p:txBody>
+        </p:sp>
+      </p:grpSp>
+      <p:grpSp>
+        <p:nvGrpSpPr>
+          <p:cNvPr id="157" name="Group 33">
+            <a:extLst>
+              <a:ext uri="{FF2B5EF4-FFF2-40B4-BE49-F238E27FC236}">
+                <a16:creationId xmlns:a16="http://schemas.microsoft.com/office/drawing/2014/main" id="{A620F327-1E50-D39F-606D-148215396D87}"/>
+              </a:ext>
+            </a:extLst>
+          </p:cNvPr>
+          <p:cNvGrpSpPr>
+            <a:grpSpLocks/>
+          </p:cNvGrpSpPr>
+          <p:nvPr/>
+        </p:nvGrpSpPr>
+        <p:grpSpPr bwMode="auto">
+          <a:xfrm>
+            <a:off x="3141046" y="3631085"/>
+            <a:ext cx="290513" cy="787400"/>
+            <a:chOff x="2244" y="2118"/>
+            <a:chExt cx="181" cy="499"/>
+          </a:xfrm>
+        </p:grpSpPr>
+        <p:sp>
+          <p:nvSpPr>
+            <p:cNvPr id="158" name="Line 34">
+              <a:extLst>
+                <a:ext uri="{FF2B5EF4-FFF2-40B4-BE49-F238E27FC236}">
+                  <a16:creationId xmlns:a16="http://schemas.microsoft.com/office/drawing/2014/main" id="{62525680-6EE3-79C8-72A9-B9F5FBDD10F3}"/>
+                </a:ext>
+              </a:extLst>
+            </p:cNvPr>
+            <p:cNvSpPr>
+              <a:spLocks noChangeShapeType="1"/>
+            </p:cNvSpPr>
+            <p:nvPr/>
+          </p:nvSpPr>
+          <p:spPr bwMode="auto">
+            <a:xfrm>
+              <a:off x="2251" y="2363"/>
+              <a:ext cx="0" cy="254"/>
+            </a:xfrm>
+            <a:prstGeom prst="line">
+              <a:avLst/>
+            </a:prstGeom>
+            <a:noFill/>
+            <a:ln w="28575">
+              <a:solidFill>
+                <a:schemeClr val="tx1"/>
+              </a:solidFill>
+              <a:round/>
+              <a:headEnd/>
+              <a:tailEnd/>
+            </a:ln>
+          </p:spPr>
+          <p:txBody>
+            <a:bodyPr wrap="none" anchor="ctr"/>
+            <a:lstStyle/>
+            <a:p>
+              <a:endParaRPr lang="en-US"/>
+            </a:p>
+          </p:txBody>
+        </p:sp>
+        <p:sp>
+          <p:nvSpPr>
+            <p:cNvPr id="159" name="Line 35">
+              <a:extLst>
+                <a:ext uri="{FF2B5EF4-FFF2-40B4-BE49-F238E27FC236}">
+                  <a16:creationId xmlns:a16="http://schemas.microsoft.com/office/drawing/2014/main" id="{BA626700-9BC6-7F3F-0139-7D9415D0B93D}"/>
+                </a:ext>
+              </a:extLst>
+            </p:cNvPr>
+            <p:cNvSpPr>
+              <a:spLocks noChangeShapeType="1"/>
+            </p:cNvSpPr>
+            <p:nvPr/>
+          </p:nvSpPr>
+          <p:spPr bwMode="auto">
+            <a:xfrm>
+              <a:off x="2420" y="2363"/>
+              <a:ext cx="0" cy="254"/>
+            </a:xfrm>
+            <a:prstGeom prst="line">
+              <a:avLst/>
+            </a:prstGeom>
+            <a:noFill/>
+            <a:ln w="28575">
+              <a:solidFill>
+                <a:schemeClr val="tx1"/>
+              </a:solidFill>
+              <a:round/>
+              <a:headEnd/>
+              <a:tailEnd/>
+            </a:ln>
+          </p:spPr>
+          <p:txBody>
+            <a:bodyPr wrap="none" anchor="ctr"/>
+            <a:lstStyle/>
+            <a:p>
+              <a:endParaRPr lang="en-US"/>
+            </a:p>
+          </p:txBody>
+        </p:sp>
+        <p:sp>
+          <p:nvSpPr>
+            <p:cNvPr id="160" name="Freeform 36">
+              <a:extLst>
+                <a:ext uri="{FF2B5EF4-FFF2-40B4-BE49-F238E27FC236}">
+                  <a16:creationId xmlns:a16="http://schemas.microsoft.com/office/drawing/2014/main" id="{D9454190-8866-C947-7427-7E1C45507EB5}"/>
+                </a:ext>
+              </a:extLst>
+            </p:cNvPr>
+            <p:cNvSpPr>
+              <a:spLocks/>
+            </p:cNvSpPr>
+            <p:nvPr/>
+          </p:nvSpPr>
+          <p:spPr bwMode="auto">
+            <a:xfrm>
+              <a:off x="2244" y="2118"/>
+              <a:ext cx="181" cy="333"/>
+            </a:xfrm>
+            <a:custGeom>
+              <a:avLst/>
+              <a:gdLst>
+                <a:gd name="T0" fmla="*/ 89 w 277"/>
+                <a:gd name="T1" fmla="*/ 0 h 517"/>
+                <a:gd name="T2" fmla="*/ 191 w 277"/>
+                <a:gd name="T3" fmla="*/ 0 h 517"/>
+                <a:gd name="T4" fmla="*/ 191 w 277"/>
+                <a:gd name="T5" fmla="*/ 105 h 517"/>
+                <a:gd name="T6" fmla="*/ 225 w 277"/>
+                <a:gd name="T7" fmla="*/ 105 h 517"/>
+                <a:gd name="T8" fmla="*/ 276 w 277"/>
+                <a:gd name="T9" fmla="*/ 139 h 517"/>
+                <a:gd name="T10" fmla="*/ 276 w 277"/>
+                <a:gd name="T11" fmla="*/ 415 h 517"/>
+                <a:gd name="T12" fmla="*/ 225 w 277"/>
+                <a:gd name="T13" fmla="*/ 516 h 517"/>
+                <a:gd name="T14" fmla="*/ 51 w 277"/>
+                <a:gd name="T15" fmla="*/ 516 h 517"/>
+                <a:gd name="T16" fmla="*/ 0 w 277"/>
+                <a:gd name="T17" fmla="*/ 415 h 517"/>
+                <a:gd name="T18" fmla="*/ 0 w 277"/>
+                <a:gd name="T19" fmla="*/ 139 h 517"/>
+                <a:gd name="T20" fmla="*/ 51 w 277"/>
+                <a:gd name="T21" fmla="*/ 105 h 517"/>
+                <a:gd name="T22" fmla="*/ 89 w 277"/>
+                <a:gd name="T23" fmla="*/ 105 h 517"/>
+                <a:gd name="T24" fmla="*/ 89 w 277"/>
+                <a:gd name="T25" fmla="*/ 0 h 517"/>
+                <a:gd name="T26" fmla="*/ 0 60000 65536"/>
+                <a:gd name="T27" fmla="*/ 0 60000 65536"/>
+                <a:gd name="T28" fmla="*/ 0 60000 65536"/>
+                <a:gd name="T29" fmla="*/ 0 60000 65536"/>
+                <a:gd name="T30" fmla="*/ 0 60000 65536"/>
+                <a:gd name="T31" fmla="*/ 0 60000 65536"/>
+                <a:gd name="T32" fmla="*/ 0 60000 65536"/>
+                <a:gd name="T33" fmla="*/ 0 60000 65536"/>
+                <a:gd name="T34" fmla="*/ 0 60000 65536"/>
+                <a:gd name="T35" fmla="*/ 0 60000 65536"/>
+                <a:gd name="T36" fmla="*/ 0 60000 65536"/>
+                <a:gd name="T37" fmla="*/ 0 60000 65536"/>
+                <a:gd name="T38" fmla="*/ 0 60000 65536"/>
+                <a:gd name="T39" fmla="*/ 0 w 277"/>
+                <a:gd name="T40" fmla="*/ 0 h 517"/>
+                <a:gd name="T41" fmla="*/ 277 w 277"/>
+                <a:gd name="T42" fmla="*/ 517 h 517"/>
+              </a:gdLst>
+              <a:ahLst/>
+              <a:cxnLst>
+                <a:cxn ang="T26">
+                  <a:pos x="T0" y="T1"/>
+                </a:cxn>
+                <a:cxn ang="T27">
+                  <a:pos x="T2" y="T3"/>
+                </a:cxn>
+                <a:cxn ang="T28">
+                  <a:pos x="T4" y="T5"/>
+                </a:cxn>
+                <a:cxn ang="T29">
+                  <a:pos x="T6" y="T7"/>
+                </a:cxn>
+                <a:cxn ang="T30">
+                  <a:pos x="T8" y="T9"/>
+                </a:cxn>
+                <a:cxn ang="T31">
+                  <a:pos x="T10" y="T11"/>
+                </a:cxn>
+                <a:cxn ang="T32">
+                  <a:pos x="T12" y="T13"/>
+                </a:cxn>
+                <a:cxn ang="T33">
+                  <a:pos x="T14" y="T15"/>
+                </a:cxn>
+                <a:cxn ang="T34">
+                  <a:pos x="T16" y="T17"/>
+                </a:cxn>
+                <a:cxn ang="T35">
+                  <a:pos x="T18" y="T19"/>
+                </a:cxn>
+                <a:cxn ang="T36">
+                  <a:pos x="T20" y="T21"/>
+                </a:cxn>
+                <a:cxn ang="T37">
+                  <a:pos x="T22" y="T23"/>
+                </a:cxn>
+                <a:cxn ang="T38">
+                  <a:pos x="T24" y="T25"/>
+                </a:cxn>
+              </a:cxnLst>
+              <a:rect l="T39" t="T40" r="T41" b="T42"/>
+              <a:pathLst>
+                <a:path w="277" h="517">
+                  <a:moveTo>
+                    <a:pt x="89" y="0"/>
+                  </a:moveTo>
+                  <a:lnTo>
+                    <a:pt x="191" y="0"/>
+                  </a:lnTo>
+                  <a:lnTo>
+                    <a:pt x="191" y="105"/>
+                  </a:lnTo>
+                  <a:lnTo>
+                    <a:pt x="225" y="105"/>
+                  </a:lnTo>
+                  <a:lnTo>
+                    <a:pt x="276" y="139"/>
+                  </a:lnTo>
+                  <a:lnTo>
+                    <a:pt x="276" y="415"/>
+                  </a:lnTo>
+                  <a:lnTo>
+                    <a:pt x="225" y="516"/>
+                  </a:lnTo>
+                  <a:lnTo>
+                    <a:pt x="51" y="516"/>
+                  </a:lnTo>
+                  <a:lnTo>
+                    <a:pt x="0" y="415"/>
+                  </a:lnTo>
+                  <a:lnTo>
+                    <a:pt x="0" y="139"/>
+                  </a:lnTo>
+                  <a:lnTo>
+                    <a:pt x="51" y="105"/>
+                  </a:lnTo>
+                  <a:lnTo>
+                    <a:pt x="89" y="105"/>
+                  </a:lnTo>
+                  <a:lnTo>
+                    <a:pt x="89" y="0"/>
+                  </a:lnTo>
+                </a:path>
+              </a:pathLst>
+            </a:custGeom>
+            <a:solidFill>
+              <a:schemeClr val="bg1"/>
+            </a:solidFill>
+            <a:ln w="12700" cap="rnd" cmpd="sng">
+              <a:solidFill>
+                <a:schemeClr val="tx1"/>
+              </a:solidFill>
+              <a:prstDash val="solid"/>
+              <a:round/>
+              <a:headEnd type="none" w="med" len="med"/>
+              <a:tailEnd type="none" w="med" len="med"/>
+            </a:ln>
+          </p:spPr>
+          <p:txBody>
+            <a:bodyPr/>
+            <a:lstStyle/>
+            <a:p>
+              <a:endParaRPr lang="en-US"/>
+            </a:p>
+          </p:txBody>
+        </p:sp>
+      </p:grpSp>
+      <p:grpSp>
+        <p:nvGrpSpPr>
+          <p:cNvPr id="161" name="Group 33">
+            <a:extLst>
+              <a:ext uri="{FF2B5EF4-FFF2-40B4-BE49-F238E27FC236}">
+                <a16:creationId xmlns:a16="http://schemas.microsoft.com/office/drawing/2014/main" id="{1703EC4A-D3A8-1638-C582-E04F7173DE5E}"/>
+              </a:ext>
+            </a:extLst>
+          </p:cNvPr>
+          <p:cNvGrpSpPr>
+            <a:grpSpLocks/>
+          </p:cNvGrpSpPr>
+          <p:nvPr/>
+        </p:nvGrpSpPr>
+        <p:grpSpPr bwMode="auto">
+          <a:xfrm>
+            <a:off x="3888856" y="3649452"/>
+            <a:ext cx="290513" cy="787400"/>
+            <a:chOff x="2244" y="2118"/>
+            <a:chExt cx="181" cy="499"/>
+          </a:xfrm>
+        </p:grpSpPr>
+        <p:sp>
+          <p:nvSpPr>
+            <p:cNvPr id="162" name="Line 34">
+              <a:extLst>
+                <a:ext uri="{FF2B5EF4-FFF2-40B4-BE49-F238E27FC236}">
+                  <a16:creationId xmlns:a16="http://schemas.microsoft.com/office/drawing/2014/main" id="{1C35F3F1-B286-B917-6618-D8D884C7B862}"/>
+                </a:ext>
+              </a:extLst>
+            </p:cNvPr>
+            <p:cNvSpPr>
+              <a:spLocks noChangeShapeType="1"/>
+            </p:cNvSpPr>
+            <p:nvPr/>
+          </p:nvSpPr>
+          <p:spPr bwMode="auto">
+            <a:xfrm>
+              <a:off x="2251" y="2363"/>
+              <a:ext cx="0" cy="254"/>
+            </a:xfrm>
+            <a:prstGeom prst="line">
+              <a:avLst/>
+            </a:prstGeom>
+            <a:noFill/>
+            <a:ln w="28575">
+              <a:solidFill>
+                <a:schemeClr val="tx1"/>
+              </a:solidFill>
+              <a:round/>
+              <a:headEnd/>
+              <a:tailEnd/>
+            </a:ln>
+          </p:spPr>
+          <p:txBody>
+            <a:bodyPr wrap="none" anchor="ctr"/>
+            <a:lstStyle/>
+            <a:p>
+              <a:endParaRPr lang="en-US"/>
+            </a:p>
+          </p:txBody>
+        </p:sp>
+        <p:sp>
+          <p:nvSpPr>
+            <p:cNvPr id="163" name="Line 35">
+              <a:extLst>
+                <a:ext uri="{FF2B5EF4-FFF2-40B4-BE49-F238E27FC236}">
+                  <a16:creationId xmlns:a16="http://schemas.microsoft.com/office/drawing/2014/main" id="{10F41904-97EC-1D1F-35E8-1B716C3FF219}"/>
+                </a:ext>
+              </a:extLst>
+            </p:cNvPr>
+            <p:cNvSpPr>
+              <a:spLocks noChangeShapeType="1"/>
+            </p:cNvSpPr>
+            <p:nvPr/>
+          </p:nvSpPr>
+          <p:spPr bwMode="auto">
+            <a:xfrm>
+              <a:off x="2420" y="2363"/>
+              <a:ext cx="0" cy="254"/>
+            </a:xfrm>
+            <a:prstGeom prst="line">
+              <a:avLst/>
+            </a:prstGeom>
+            <a:noFill/>
+            <a:ln w="28575">
+              <a:solidFill>
+                <a:schemeClr val="tx1"/>
+              </a:solidFill>
+              <a:round/>
+              <a:headEnd/>
+              <a:tailEnd/>
+            </a:ln>
+          </p:spPr>
+          <p:txBody>
+            <a:bodyPr wrap="none" anchor="ctr"/>
+            <a:lstStyle/>
+            <a:p>
+              <a:endParaRPr lang="en-US"/>
+            </a:p>
+          </p:txBody>
+        </p:sp>
+        <p:sp>
+          <p:nvSpPr>
+            <p:cNvPr id="164" name="Freeform 36">
+              <a:extLst>
+                <a:ext uri="{FF2B5EF4-FFF2-40B4-BE49-F238E27FC236}">
+                  <a16:creationId xmlns:a16="http://schemas.microsoft.com/office/drawing/2014/main" id="{7211A053-B134-18E5-4E23-8CF396E8C0C8}"/>
+                </a:ext>
+              </a:extLst>
+            </p:cNvPr>
+            <p:cNvSpPr>
+              <a:spLocks/>
+            </p:cNvSpPr>
+            <p:nvPr/>
+          </p:nvSpPr>
+          <p:spPr bwMode="auto">
+            <a:xfrm>
+              <a:off x="2244" y="2118"/>
+              <a:ext cx="181" cy="333"/>
+            </a:xfrm>
+            <a:custGeom>
+              <a:avLst/>
+              <a:gdLst>
+                <a:gd name="T0" fmla="*/ 89 w 277"/>
+                <a:gd name="T1" fmla="*/ 0 h 517"/>
+                <a:gd name="T2" fmla="*/ 191 w 277"/>
+                <a:gd name="T3" fmla="*/ 0 h 517"/>
+                <a:gd name="T4" fmla="*/ 191 w 277"/>
+                <a:gd name="T5" fmla="*/ 105 h 517"/>
+                <a:gd name="T6" fmla="*/ 225 w 277"/>
+                <a:gd name="T7" fmla="*/ 105 h 517"/>
+                <a:gd name="T8" fmla="*/ 276 w 277"/>
+                <a:gd name="T9" fmla="*/ 139 h 517"/>
+                <a:gd name="T10" fmla="*/ 276 w 277"/>
+                <a:gd name="T11" fmla="*/ 415 h 517"/>
+                <a:gd name="T12" fmla="*/ 225 w 277"/>
+                <a:gd name="T13" fmla="*/ 516 h 517"/>
+                <a:gd name="T14" fmla="*/ 51 w 277"/>
+                <a:gd name="T15" fmla="*/ 516 h 517"/>
+                <a:gd name="T16" fmla="*/ 0 w 277"/>
+                <a:gd name="T17" fmla="*/ 415 h 517"/>
+                <a:gd name="T18" fmla="*/ 0 w 277"/>
+                <a:gd name="T19" fmla="*/ 139 h 517"/>
+                <a:gd name="T20" fmla="*/ 51 w 277"/>
+                <a:gd name="T21" fmla="*/ 105 h 517"/>
+                <a:gd name="T22" fmla="*/ 89 w 277"/>
+                <a:gd name="T23" fmla="*/ 105 h 517"/>
+                <a:gd name="T24" fmla="*/ 89 w 277"/>
+                <a:gd name="T25" fmla="*/ 0 h 517"/>
+                <a:gd name="T26" fmla="*/ 0 60000 65536"/>
+                <a:gd name="T27" fmla="*/ 0 60000 65536"/>
+                <a:gd name="T28" fmla="*/ 0 60000 65536"/>
+                <a:gd name="T29" fmla="*/ 0 60000 65536"/>
+                <a:gd name="T30" fmla="*/ 0 60000 65536"/>
+                <a:gd name="T31" fmla="*/ 0 60000 65536"/>
+                <a:gd name="T32" fmla="*/ 0 60000 65536"/>
+                <a:gd name="T33" fmla="*/ 0 60000 65536"/>
+                <a:gd name="T34" fmla="*/ 0 60000 65536"/>
+                <a:gd name="T35" fmla="*/ 0 60000 65536"/>
+                <a:gd name="T36" fmla="*/ 0 60000 65536"/>
+                <a:gd name="T37" fmla="*/ 0 60000 65536"/>
+                <a:gd name="T38" fmla="*/ 0 60000 65536"/>
+                <a:gd name="T39" fmla="*/ 0 w 277"/>
+                <a:gd name="T40" fmla="*/ 0 h 517"/>
+                <a:gd name="T41" fmla="*/ 277 w 277"/>
+                <a:gd name="T42" fmla="*/ 517 h 517"/>
+              </a:gdLst>
+              <a:ahLst/>
+              <a:cxnLst>
+                <a:cxn ang="T26">
+                  <a:pos x="T0" y="T1"/>
+                </a:cxn>
+                <a:cxn ang="T27">
+                  <a:pos x="T2" y="T3"/>
+                </a:cxn>
+                <a:cxn ang="T28">
+                  <a:pos x="T4" y="T5"/>
+                </a:cxn>
+                <a:cxn ang="T29">
+                  <a:pos x="T6" y="T7"/>
+                </a:cxn>
+                <a:cxn ang="T30">
+                  <a:pos x="T8" y="T9"/>
+                </a:cxn>
+                <a:cxn ang="T31">
+                  <a:pos x="T10" y="T11"/>
+                </a:cxn>
+                <a:cxn ang="T32">
+                  <a:pos x="T12" y="T13"/>
+                </a:cxn>
+                <a:cxn ang="T33">
+                  <a:pos x="T14" y="T15"/>
+                </a:cxn>
+                <a:cxn ang="T34">
+                  <a:pos x="T16" y="T17"/>
+                </a:cxn>
+                <a:cxn ang="T35">
+                  <a:pos x="T18" y="T19"/>
+                </a:cxn>
+                <a:cxn ang="T36">
+                  <a:pos x="T20" y="T21"/>
+                </a:cxn>
+                <a:cxn ang="T37">
+                  <a:pos x="T22" y="T23"/>
+                </a:cxn>
+                <a:cxn ang="T38">
+                  <a:pos x="T24" y="T25"/>
+                </a:cxn>
+              </a:cxnLst>
+              <a:rect l="T39" t="T40" r="T41" b="T42"/>
+              <a:pathLst>
+                <a:path w="277" h="517">
+                  <a:moveTo>
+                    <a:pt x="89" y="0"/>
+                  </a:moveTo>
+                  <a:lnTo>
+                    <a:pt x="191" y="0"/>
+                  </a:lnTo>
+                  <a:lnTo>
+                    <a:pt x="191" y="105"/>
+                  </a:lnTo>
+                  <a:lnTo>
+                    <a:pt x="225" y="105"/>
+                  </a:lnTo>
+                  <a:lnTo>
+                    <a:pt x="276" y="139"/>
+                  </a:lnTo>
+                  <a:lnTo>
+                    <a:pt x="276" y="415"/>
+                  </a:lnTo>
+                  <a:lnTo>
+                    <a:pt x="225" y="516"/>
+                  </a:lnTo>
+                  <a:lnTo>
+                    <a:pt x="51" y="516"/>
+                  </a:lnTo>
+                  <a:lnTo>
+                    <a:pt x="0" y="415"/>
+                  </a:lnTo>
+                  <a:lnTo>
+                    <a:pt x="0" y="139"/>
+                  </a:lnTo>
+                  <a:lnTo>
+                    <a:pt x="51" y="105"/>
+                  </a:lnTo>
+                  <a:lnTo>
+                    <a:pt x="89" y="105"/>
+                  </a:lnTo>
+                  <a:lnTo>
+                    <a:pt x="89" y="0"/>
+                  </a:lnTo>
+                </a:path>
+              </a:pathLst>
+            </a:custGeom>
+            <a:solidFill>
+              <a:schemeClr val="bg1"/>
+            </a:solidFill>
+            <a:ln w="12700" cap="rnd" cmpd="sng">
+              <a:solidFill>
+                <a:schemeClr val="tx1"/>
+              </a:solidFill>
+              <a:prstDash val="solid"/>
+              <a:round/>
+              <a:headEnd type="none" w="med" len="med"/>
+              <a:tailEnd type="none" w="med" len="med"/>
+            </a:ln>
+          </p:spPr>
+          <p:txBody>
+            <a:bodyPr/>
+            <a:lstStyle/>
+            <a:p>
+              <a:endParaRPr lang="en-US"/>
+            </a:p>
+          </p:txBody>
+        </p:sp>
+      </p:grpSp>
     </p:spTree>
     <p:extLst>
       <p:ext uri="{BB962C8B-B14F-4D97-AF65-F5344CB8AC3E}">
